--- a/infrastructure-week-11.pptx
+++ b/infrastructure-week-11.pptx
@@ -7,7 +7,27 @@
   <p:sldIdLst>
     <p:sldId id="257" r:id="rId2"/>
     <p:sldId id="258" r:id="rId3"/>
-    <p:sldId id="259" r:id="rId4"/>
+    <p:sldId id="260" r:id="rId4"/>
+    <p:sldId id="261" r:id="rId5"/>
+    <p:sldId id="263" r:id="rId6"/>
+    <p:sldId id="264" r:id="rId7"/>
+    <p:sldId id="265" r:id="rId8"/>
+    <p:sldId id="266" r:id="rId9"/>
+    <p:sldId id="268" r:id="rId10"/>
+    <p:sldId id="269" r:id="rId11"/>
+    <p:sldId id="270" r:id="rId12"/>
+    <p:sldId id="271" r:id="rId13"/>
+    <p:sldId id="277" r:id="rId14"/>
+    <p:sldId id="278" r:id="rId15"/>
+    <p:sldId id="275" r:id="rId16"/>
+    <p:sldId id="279" r:id="rId17"/>
+    <p:sldId id="280" r:id="rId18"/>
+    <p:sldId id="281" r:id="rId19"/>
+    <p:sldId id="282" r:id="rId20"/>
+    <p:sldId id="283" r:id="rId21"/>
+    <p:sldId id="284" r:id="rId22"/>
+    <p:sldId id="273" r:id="rId23"/>
+    <p:sldId id="259" r:id="rId24"/>
   </p:sldIdLst>
   <p:sldSz cx="9144000" cy="6858000" type="screen4x3"/>
   <p:notesSz cx="6858000" cy="9144000"/>
@@ -3253,6 +3273,1647 @@
 </p:sld>
 </file>
 
+<file path=ppt/slides/slide10.xml><?xml version="1.0" encoding="utf-8"?>
+<p:sld xmlns:a="http://schemas.openxmlformats.org/drawingml/2006/main" xmlns:r="http://schemas.openxmlformats.org/officeDocument/2006/relationships" xmlns:p="http://schemas.openxmlformats.org/presentationml/2006/main">
+  <p:cSld>
+    <p:spTree>
+      <p:nvGrpSpPr>
+        <p:cNvPr id="1" name=""/>
+        <p:cNvGrpSpPr/>
+        <p:nvPr/>
+      </p:nvGrpSpPr>
+      <p:grpSpPr>
+        <a:xfrm>
+          <a:off x="0" y="0"/>
+          <a:ext cx="0" cy="0"/>
+          <a:chOff x="0" y="0"/>
+          <a:chExt cx="0" cy="0"/>
+        </a:xfrm>
+      </p:grpSpPr>
+      <p:sp>
+        <p:nvSpPr>
+          <p:cNvPr id="2" name="Title 1"/>
+          <p:cNvSpPr>
+            <a:spLocks noGrp="1"/>
+          </p:cNvSpPr>
+          <p:nvPr>
+            <p:ph type="title"/>
+          </p:nvPr>
+        </p:nvSpPr>
+        <p:spPr/>
+        <p:txBody>
+          <a:bodyPr/>
+          <a:lstStyle/>
+          <a:p>
+            <a:r>
+              <a:rPr lang="en-US" dirty="0" smtClean="0"/>
+              <a:t>Developer Benefits</a:t>
+            </a:r>
+            <a:endParaRPr lang="en-US" dirty="0"/>
+          </a:p>
+        </p:txBody>
+      </p:sp>
+      <p:sp>
+        <p:nvSpPr>
+          <p:cNvPr id="3" name="Content Placeholder 2"/>
+          <p:cNvSpPr>
+            <a:spLocks noGrp="1"/>
+          </p:cNvSpPr>
+          <p:nvPr>
+            <p:ph idx="1"/>
+          </p:nvPr>
+        </p:nvSpPr>
+        <p:spPr>
+          <a:xfrm>
+            <a:off x="457200" y="1600200"/>
+            <a:ext cx="8229600" cy="4904662"/>
+          </a:xfrm>
+        </p:spPr>
+        <p:txBody>
+          <a:bodyPr>
+            <a:normAutofit fontScale="77500" lnSpcReduction="20000"/>
+          </a:bodyPr>
+          <a:lstStyle/>
+          <a:p>
+            <a:r>
+              <a:rPr lang="en-US" dirty="0" smtClean="0"/>
+              <a:t>Build the application stack once and run it anywhere.</a:t>
+            </a:r>
+          </a:p>
+          <a:p>
+            <a:pPr lvl="1"/>
+            <a:r>
+              <a:rPr lang="en-US" dirty="0" smtClean="0"/>
+              <a:t>Eliminate concerns about compatibility on different hardware platforms</a:t>
+            </a:r>
+          </a:p>
+          <a:p>
+            <a:pPr lvl="2"/>
+            <a:r>
+              <a:rPr lang="en-US" dirty="0" smtClean="0"/>
+              <a:t>The application will in </a:t>
+            </a:r>
+            <a:r>
+              <a:rPr lang="en-US" dirty="0" err="1" smtClean="0"/>
+              <a:t>dev</a:t>
+            </a:r>
+            <a:r>
+              <a:rPr lang="en-US" dirty="0" smtClean="0"/>
+              <a:t>, testing, and at the customer site.</a:t>
+            </a:r>
+          </a:p>
+          <a:p>
+            <a:pPr lvl="2"/>
+            <a:endParaRPr lang="en-US" dirty="0" smtClean="0"/>
+          </a:p>
+          <a:p>
+            <a:pPr lvl="1"/>
+            <a:r>
+              <a:rPr lang="en-US" dirty="0" smtClean="0"/>
+              <a:t>No worries about missing application dependencies like required packages</a:t>
+            </a:r>
+          </a:p>
+          <a:p>
+            <a:pPr lvl="1"/>
+            <a:endParaRPr lang="en-US" dirty="0" smtClean="0"/>
+          </a:p>
+          <a:p>
+            <a:pPr lvl="1"/>
+            <a:r>
+              <a:rPr lang="en-US" dirty="0" smtClean="0"/>
+              <a:t>Each application runs in its own container to eliminate conflicts like different shared libraries</a:t>
+            </a:r>
+          </a:p>
+          <a:p>
+            <a:pPr lvl="1"/>
+            <a:endParaRPr lang="en-US" dirty="0" smtClean="0"/>
+          </a:p>
+          <a:p>
+            <a:pPr lvl="1"/>
+            <a:r>
+              <a:rPr lang="en-US" dirty="0" smtClean="0"/>
+              <a:t>Easy to automate application testing and deployments using scripting</a:t>
+            </a:r>
+          </a:p>
+          <a:p>
+            <a:pPr lvl="1"/>
+            <a:endParaRPr lang="en-US" dirty="0" smtClean="0"/>
+          </a:p>
+          <a:p>
+            <a:pPr lvl="1"/>
+            <a:r>
+              <a:rPr lang="en-US" dirty="0" smtClean="0"/>
+              <a:t>Much less performance penalty than virtual machines</a:t>
+            </a:r>
+          </a:p>
+          <a:p>
+            <a:pPr lvl="1"/>
+            <a:endParaRPr lang="en-US" dirty="0"/>
+          </a:p>
+        </p:txBody>
+      </p:sp>
+    </p:spTree>
+    <p:extLst>
+      <p:ext uri="{BB962C8B-B14F-4D97-AF65-F5344CB8AC3E}">
+        <p14:creationId xmlns:p14="http://schemas.microsoft.com/office/powerpoint/2010/main" val="2510510868"/>
+      </p:ext>
+    </p:extLst>
+  </p:cSld>
+  <p:clrMapOvr>
+    <a:masterClrMapping/>
+  </p:clrMapOvr>
+</p:sld>
+</file>
+
+<file path=ppt/slides/slide11.xml><?xml version="1.0" encoding="utf-8"?>
+<p:sld xmlns:a="http://schemas.openxmlformats.org/drawingml/2006/main" xmlns:r="http://schemas.openxmlformats.org/officeDocument/2006/relationships" xmlns:p="http://schemas.openxmlformats.org/presentationml/2006/main">
+  <p:cSld>
+    <p:spTree>
+      <p:nvGrpSpPr>
+        <p:cNvPr id="1" name=""/>
+        <p:cNvGrpSpPr/>
+        <p:nvPr/>
+      </p:nvGrpSpPr>
+      <p:grpSpPr>
+        <a:xfrm>
+          <a:off x="0" y="0"/>
+          <a:ext cx="0" cy="0"/>
+          <a:chOff x="0" y="0"/>
+          <a:chExt cx="0" cy="0"/>
+        </a:xfrm>
+      </p:grpSpPr>
+      <p:sp>
+        <p:nvSpPr>
+          <p:cNvPr id="2" name="Title 1"/>
+          <p:cNvSpPr>
+            <a:spLocks noGrp="1"/>
+          </p:cNvSpPr>
+          <p:nvPr>
+            <p:ph type="title"/>
+          </p:nvPr>
+        </p:nvSpPr>
+        <p:spPr/>
+        <p:txBody>
+          <a:bodyPr/>
+          <a:lstStyle/>
+          <a:p>
+            <a:r>
+              <a:rPr lang="en-US" dirty="0" smtClean="0"/>
+              <a:t>IT Operations benefits</a:t>
+            </a:r>
+            <a:endParaRPr lang="en-US" dirty="0"/>
+          </a:p>
+        </p:txBody>
+      </p:sp>
+      <p:sp>
+        <p:nvSpPr>
+          <p:cNvPr id="3" name="Content Placeholder 2"/>
+          <p:cNvSpPr>
+            <a:spLocks noGrp="1"/>
+          </p:cNvSpPr>
+          <p:nvPr>
+            <p:ph idx="1"/>
+          </p:nvPr>
+        </p:nvSpPr>
+        <p:spPr/>
+        <p:txBody>
+          <a:bodyPr>
+            <a:normAutofit fontScale="92500" lnSpcReduction="20000"/>
+          </a:bodyPr>
+          <a:lstStyle/>
+          <a:p>
+            <a:r>
+              <a:rPr lang="en-US" dirty="0" smtClean="0"/>
+              <a:t>Configure the application once, run it anywhere.</a:t>
+            </a:r>
+          </a:p>
+          <a:p>
+            <a:pPr lvl="1"/>
+            <a:r>
+              <a:rPr lang="en-US" dirty="0" smtClean="0"/>
+              <a:t>Application lifecycle (develop/test/deploy) becomes much more repeatable</a:t>
+            </a:r>
+          </a:p>
+          <a:p>
+            <a:pPr lvl="1"/>
+            <a:endParaRPr lang="en-US" dirty="0" smtClean="0"/>
+          </a:p>
+          <a:p>
+            <a:pPr lvl="1"/>
+            <a:r>
+              <a:rPr lang="en-US" dirty="0" smtClean="0"/>
+              <a:t>Eliminate inconsistencies between development, testing, and production environments</a:t>
+            </a:r>
+          </a:p>
+          <a:p>
+            <a:pPr lvl="1"/>
+            <a:endParaRPr lang="en-US" dirty="0" smtClean="0"/>
+          </a:p>
+          <a:p>
+            <a:pPr lvl="1"/>
+            <a:r>
+              <a:rPr lang="en-US" dirty="0" smtClean="0"/>
+              <a:t>Simplifies continuous integration/deployment practices</a:t>
+            </a:r>
+          </a:p>
+          <a:p>
+            <a:pPr lvl="1"/>
+            <a:endParaRPr lang="en-US" dirty="0" smtClean="0"/>
+          </a:p>
+          <a:p>
+            <a:pPr lvl="1"/>
+            <a:r>
+              <a:rPr lang="en-US" dirty="0" smtClean="0"/>
+              <a:t>Addresses performance and financial costs associated with virtual machines</a:t>
+            </a:r>
+          </a:p>
+          <a:p>
+            <a:pPr lvl="1"/>
+            <a:endParaRPr lang="en-US" dirty="0" smtClean="0"/>
+          </a:p>
+          <a:p>
+            <a:pPr lvl="1"/>
+            <a:endParaRPr lang="en-US" dirty="0"/>
+          </a:p>
+        </p:txBody>
+      </p:sp>
+    </p:spTree>
+    <p:extLst>
+      <p:ext uri="{BB962C8B-B14F-4D97-AF65-F5344CB8AC3E}">
+        <p14:creationId xmlns:p14="http://schemas.microsoft.com/office/powerpoint/2010/main" val="3529795000"/>
+      </p:ext>
+    </p:extLst>
+  </p:cSld>
+  <p:clrMapOvr>
+    <a:masterClrMapping/>
+  </p:clrMapOvr>
+</p:sld>
+</file>
+
+<file path=ppt/slides/slide12.xml><?xml version="1.0" encoding="utf-8"?>
+<p:sld xmlns:a="http://schemas.openxmlformats.org/drawingml/2006/main" xmlns:r="http://schemas.openxmlformats.org/officeDocument/2006/relationships" xmlns:p="http://schemas.openxmlformats.org/presentationml/2006/main">
+  <p:cSld>
+    <p:spTree>
+      <p:nvGrpSpPr>
+        <p:cNvPr id="1" name=""/>
+        <p:cNvGrpSpPr/>
+        <p:nvPr/>
+      </p:nvGrpSpPr>
+      <p:grpSpPr>
+        <a:xfrm>
+          <a:off x="0" y="0"/>
+          <a:ext cx="0" cy="0"/>
+          <a:chOff x="0" y="0"/>
+          <a:chExt cx="0" cy="0"/>
+        </a:xfrm>
+      </p:grpSpPr>
+      <p:sp>
+        <p:nvSpPr>
+          <p:cNvPr id="2" name="Title 1"/>
+          <p:cNvSpPr>
+            <a:spLocks noGrp="1"/>
+          </p:cNvSpPr>
+          <p:nvPr>
+            <p:ph type="title"/>
+          </p:nvPr>
+        </p:nvSpPr>
+        <p:spPr/>
+        <p:txBody>
+          <a:bodyPr/>
+          <a:lstStyle/>
+          <a:p>
+            <a:r>
+              <a:rPr lang="en-US" dirty="0" smtClean="0"/>
+              <a:t>Separation of Concerns</a:t>
+            </a:r>
+            <a:endParaRPr lang="en-US" dirty="0"/>
+          </a:p>
+        </p:txBody>
+      </p:sp>
+      <p:sp>
+        <p:nvSpPr>
+          <p:cNvPr id="3" name="Content Placeholder 2"/>
+          <p:cNvSpPr>
+            <a:spLocks noGrp="1"/>
+          </p:cNvSpPr>
+          <p:nvPr>
+            <p:ph idx="1"/>
+          </p:nvPr>
+        </p:nvSpPr>
+        <p:spPr>
+          <a:xfrm>
+            <a:off x="457200" y="1600201"/>
+            <a:ext cx="4124444" cy="3385278"/>
+          </a:xfrm>
+          <a:solidFill>
+            <a:schemeClr val="bg2">
+              <a:lumMod val="90000"/>
+            </a:schemeClr>
+          </a:solidFill>
+        </p:spPr>
+        <p:txBody>
+          <a:bodyPr>
+            <a:normAutofit fontScale="92500" lnSpcReduction="10000"/>
+          </a:bodyPr>
+          <a:lstStyle/>
+          <a:p>
+            <a:r>
+              <a:rPr lang="en-US" dirty="0" smtClean="0"/>
+              <a:t>Developer</a:t>
+            </a:r>
+          </a:p>
+          <a:p>
+            <a:pPr lvl="1"/>
+            <a:r>
+              <a:rPr lang="en-US" dirty="0" smtClean="0"/>
+              <a:t>Focused on stuff </a:t>
+            </a:r>
+            <a:r>
+              <a:rPr lang="en-US" u="sng" dirty="0" smtClean="0"/>
+              <a:t>inside</a:t>
+            </a:r>
+            <a:r>
+              <a:rPr lang="en-US" dirty="0" smtClean="0"/>
+              <a:t> the container</a:t>
+            </a:r>
+          </a:p>
+          <a:p>
+            <a:pPr lvl="2"/>
+            <a:r>
+              <a:rPr lang="en-US" dirty="0" smtClean="0"/>
+              <a:t>App code</a:t>
+            </a:r>
+          </a:p>
+          <a:p>
+            <a:pPr lvl="2"/>
+            <a:r>
+              <a:rPr lang="en-US" dirty="0" smtClean="0"/>
+              <a:t>Required libraries</a:t>
+            </a:r>
+          </a:p>
+          <a:p>
+            <a:pPr lvl="2"/>
+            <a:r>
+              <a:rPr lang="en-US" dirty="0" smtClean="0"/>
+              <a:t>Package management</a:t>
+            </a:r>
+          </a:p>
+          <a:p>
+            <a:pPr lvl="2"/>
+            <a:r>
+              <a:rPr lang="en-US" dirty="0" smtClean="0"/>
+              <a:t>Services</a:t>
+            </a:r>
+          </a:p>
+          <a:p>
+            <a:pPr lvl="2"/>
+            <a:r>
+              <a:rPr lang="en-US" dirty="0" smtClean="0"/>
+              <a:t>Data</a:t>
+            </a:r>
+            <a:endParaRPr lang="en-US" dirty="0"/>
+          </a:p>
+        </p:txBody>
+      </p:sp>
+      <p:sp>
+        <p:nvSpPr>
+          <p:cNvPr id="4" name="Content Placeholder 2"/>
+          <p:cNvSpPr txBox="1">
+            <a:spLocks/>
+          </p:cNvSpPr>
+          <p:nvPr/>
+        </p:nvSpPr>
+        <p:spPr>
+          <a:xfrm>
+            <a:off x="4734044" y="1600200"/>
+            <a:ext cx="4124444" cy="3385279"/>
+          </a:xfrm>
+          <a:prstGeom prst="rect">
+            <a:avLst/>
+          </a:prstGeom>
+          <a:solidFill>
+            <a:schemeClr val="tx2">
+              <a:lumMod val="20000"/>
+              <a:lumOff val="80000"/>
+            </a:schemeClr>
+          </a:solidFill>
+        </p:spPr>
+        <p:txBody>
+          <a:bodyPr vert="horz" lIns="91440" tIns="45720" rIns="91440" bIns="45720" rtlCol="0">
+            <a:normAutofit/>
+          </a:bodyPr>
+          <a:lstStyle>
+            <a:lvl1pPr marL="342900" indent="-342900" algn="l" defTabSz="457200" rtl="0" eaLnBrk="1" latinLnBrk="0" hangingPunct="1">
+              <a:spcBef>
+                <a:spcPct val="20000"/>
+              </a:spcBef>
+              <a:buFont typeface="Arial"/>
+              <a:buChar char="•"/>
+              <a:defRPr sz="3200" kern="1200">
+                <a:solidFill>
+                  <a:schemeClr val="tx1"/>
+                </a:solidFill>
+                <a:latin typeface="+mn-lt"/>
+                <a:ea typeface="+mn-ea"/>
+                <a:cs typeface="+mn-cs"/>
+              </a:defRPr>
+            </a:lvl1pPr>
+            <a:lvl2pPr marL="742950" indent="-285750" algn="l" defTabSz="457200" rtl="0" eaLnBrk="1" latinLnBrk="0" hangingPunct="1">
+              <a:spcBef>
+                <a:spcPct val="20000"/>
+              </a:spcBef>
+              <a:buFont typeface="Arial"/>
+              <a:buChar char="–"/>
+              <a:defRPr sz="2800" kern="1200">
+                <a:solidFill>
+                  <a:schemeClr val="tx1"/>
+                </a:solidFill>
+                <a:latin typeface="+mn-lt"/>
+                <a:ea typeface="+mn-ea"/>
+                <a:cs typeface="+mn-cs"/>
+              </a:defRPr>
+            </a:lvl2pPr>
+            <a:lvl3pPr marL="1143000" indent="-228600" algn="l" defTabSz="457200" rtl="0" eaLnBrk="1" latinLnBrk="0" hangingPunct="1">
+              <a:spcBef>
+                <a:spcPct val="20000"/>
+              </a:spcBef>
+              <a:buFont typeface="Arial"/>
+              <a:buChar char="•"/>
+              <a:defRPr sz="2400" kern="1200">
+                <a:solidFill>
+                  <a:schemeClr val="tx1"/>
+                </a:solidFill>
+                <a:latin typeface="+mn-lt"/>
+                <a:ea typeface="+mn-ea"/>
+                <a:cs typeface="+mn-cs"/>
+              </a:defRPr>
+            </a:lvl3pPr>
+            <a:lvl4pPr marL="1600200" indent="-228600" algn="l" defTabSz="457200" rtl="0" eaLnBrk="1" latinLnBrk="0" hangingPunct="1">
+              <a:spcBef>
+                <a:spcPct val="20000"/>
+              </a:spcBef>
+              <a:buFont typeface="Arial"/>
+              <a:buChar char="–"/>
+              <a:defRPr sz="2000" kern="1200">
+                <a:solidFill>
+                  <a:schemeClr val="tx1"/>
+                </a:solidFill>
+                <a:latin typeface="+mn-lt"/>
+                <a:ea typeface="+mn-ea"/>
+                <a:cs typeface="+mn-cs"/>
+              </a:defRPr>
+            </a:lvl4pPr>
+            <a:lvl5pPr marL="2057400" indent="-228600" algn="l" defTabSz="457200" rtl="0" eaLnBrk="1" latinLnBrk="0" hangingPunct="1">
+              <a:spcBef>
+                <a:spcPct val="20000"/>
+              </a:spcBef>
+              <a:buFont typeface="Arial"/>
+              <a:buChar char="»"/>
+              <a:defRPr sz="2000" kern="1200">
+                <a:solidFill>
+                  <a:schemeClr val="tx1"/>
+                </a:solidFill>
+                <a:latin typeface="+mn-lt"/>
+                <a:ea typeface="+mn-ea"/>
+                <a:cs typeface="+mn-cs"/>
+              </a:defRPr>
+            </a:lvl5pPr>
+            <a:lvl6pPr marL="2514600" indent="-228600" algn="l" defTabSz="457200" rtl="0" eaLnBrk="1" latinLnBrk="0" hangingPunct="1">
+              <a:spcBef>
+                <a:spcPct val="20000"/>
+              </a:spcBef>
+              <a:buFont typeface="Arial"/>
+              <a:buChar char="•"/>
+              <a:defRPr sz="2000" kern="1200">
+                <a:solidFill>
+                  <a:schemeClr val="tx1"/>
+                </a:solidFill>
+                <a:latin typeface="+mn-lt"/>
+                <a:ea typeface="+mn-ea"/>
+                <a:cs typeface="+mn-cs"/>
+              </a:defRPr>
+            </a:lvl6pPr>
+            <a:lvl7pPr marL="2971800" indent="-228600" algn="l" defTabSz="457200" rtl="0" eaLnBrk="1" latinLnBrk="0" hangingPunct="1">
+              <a:spcBef>
+                <a:spcPct val="20000"/>
+              </a:spcBef>
+              <a:buFont typeface="Arial"/>
+              <a:buChar char="•"/>
+              <a:defRPr sz="2000" kern="1200">
+                <a:solidFill>
+                  <a:schemeClr val="tx1"/>
+                </a:solidFill>
+                <a:latin typeface="+mn-lt"/>
+                <a:ea typeface="+mn-ea"/>
+                <a:cs typeface="+mn-cs"/>
+              </a:defRPr>
+            </a:lvl7pPr>
+            <a:lvl8pPr marL="3429000" indent="-228600" algn="l" defTabSz="457200" rtl="0" eaLnBrk="1" latinLnBrk="0" hangingPunct="1">
+              <a:spcBef>
+                <a:spcPct val="20000"/>
+              </a:spcBef>
+              <a:buFont typeface="Arial"/>
+              <a:buChar char="•"/>
+              <a:defRPr sz="2000" kern="1200">
+                <a:solidFill>
+                  <a:schemeClr val="tx1"/>
+                </a:solidFill>
+                <a:latin typeface="+mn-lt"/>
+                <a:ea typeface="+mn-ea"/>
+                <a:cs typeface="+mn-cs"/>
+              </a:defRPr>
+            </a:lvl8pPr>
+            <a:lvl9pPr marL="3886200" indent="-228600" algn="l" defTabSz="457200" rtl="0" eaLnBrk="1" latinLnBrk="0" hangingPunct="1">
+              <a:spcBef>
+                <a:spcPct val="20000"/>
+              </a:spcBef>
+              <a:buFont typeface="Arial"/>
+              <a:buChar char="•"/>
+              <a:defRPr sz="2000" kern="1200">
+                <a:solidFill>
+                  <a:schemeClr val="tx1"/>
+                </a:solidFill>
+                <a:latin typeface="+mn-lt"/>
+                <a:ea typeface="+mn-ea"/>
+                <a:cs typeface="+mn-cs"/>
+              </a:defRPr>
+            </a:lvl9pPr>
+          </a:lstStyle>
+          <a:p>
+            <a:r>
+              <a:rPr lang="en-US" dirty="0" smtClean="0"/>
+              <a:t>Operations</a:t>
+            </a:r>
+          </a:p>
+          <a:p>
+            <a:pPr lvl="1"/>
+            <a:r>
+              <a:rPr lang="en-US" dirty="0" smtClean="0"/>
+              <a:t>Focused on stuff </a:t>
+            </a:r>
+            <a:r>
+              <a:rPr lang="en-US" u="sng" dirty="0" smtClean="0"/>
+              <a:t>outside</a:t>
+            </a:r>
+            <a:r>
+              <a:rPr lang="en-US" dirty="0" smtClean="0"/>
+              <a:t> the container</a:t>
+            </a:r>
+          </a:p>
+          <a:p>
+            <a:pPr lvl="2"/>
+            <a:r>
+              <a:rPr lang="en-US" dirty="0" smtClean="0"/>
+              <a:t>Hardware/OS</a:t>
+            </a:r>
+          </a:p>
+          <a:p>
+            <a:pPr lvl="2"/>
+            <a:r>
+              <a:rPr lang="en-US" dirty="0" smtClean="0"/>
+              <a:t>Networking</a:t>
+            </a:r>
+          </a:p>
+          <a:p>
+            <a:pPr lvl="2"/>
+            <a:r>
+              <a:rPr lang="en-US" dirty="0" smtClean="0"/>
+              <a:t>Log management</a:t>
+            </a:r>
+          </a:p>
+          <a:p>
+            <a:pPr lvl="2"/>
+            <a:r>
+              <a:rPr lang="en-US" dirty="0" smtClean="0"/>
+              <a:t>Service monitoring</a:t>
+            </a:r>
+          </a:p>
+          <a:p>
+            <a:pPr marL="914400" lvl="2" indent="0">
+              <a:buNone/>
+            </a:pPr>
+            <a:endParaRPr lang="en-US" dirty="0"/>
+          </a:p>
+        </p:txBody>
+      </p:sp>
+      <p:sp>
+        <p:nvSpPr>
+          <p:cNvPr id="5" name="TextBox 4"/>
+          <p:cNvSpPr txBox="1"/>
+          <p:nvPr/>
+        </p:nvSpPr>
+        <p:spPr>
+          <a:xfrm>
+            <a:off x="629087" y="5365326"/>
+            <a:ext cx="7956024" cy="923330"/>
+          </a:xfrm>
+          <a:prstGeom prst="rect">
+            <a:avLst/>
+          </a:prstGeom>
+          <a:noFill/>
+        </p:spPr>
+        <p:txBody>
+          <a:bodyPr wrap="none" rtlCol="0">
+            <a:spAutoFit/>
+          </a:bodyPr>
+          <a:lstStyle/>
+          <a:p>
+            <a:pPr marL="285750" indent="-285750">
+              <a:buFont typeface="Arial"/>
+              <a:buChar char="•"/>
+            </a:pPr>
+            <a:r>
+              <a:rPr lang="en-US" dirty="0" smtClean="0"/>
+              <a:t>Developers can write awesome code and hand it off to operations in containers.</a:t>
+            </a:r>
+          </a:p>
+          <a:p>
+            <a:endParaRPr lang="en-US" dirty="0" smtClean="0"/>
+          </a:p>
+          <a:p>
+            <a:pPr marL="285750" indent="-285750">
+              <a:buFont typeface="Arial"/>
+              <a:buChar char="•"/>
+            </a:pPr>
+            <a:r>
+              <a:rPr lang="en-US" dirty="0" smtClean="0"/>
+              <a:t>Operations doesn’t have to worry about the code, just the containers.</a:t>
+            </a:r>
+            <a:endParaRPr lang="en-US" dirty="0"/>
+          </a:p>
+        </p:txBody>
+      </p:sp>
+    </p:spTree>
+    <p:extLst>
+      <p:ext uri="{BB962C8B-B14F-4D97-AF65-F5344CB8AC3E}">
+        <p14:creationId xmlns:p14="http://schemas.microsoft.com/office/powerpoint/2010/main" val="1889615394"/>
+      </p:ext>
+    </p:extLst>
+  </p:cSld>
+  <p:clrMapOvr>
+    <a:masterClrMapping/>
+  </p:clrMapOvr>
+</p:sld>
+</file>
+
+<file path=ppt/slides/slide13.xml><?xml version="1.0" encoding="utf-8"?>
+<p:sld xmlns:a="http://schemas.openxmlformats.org/drawingml/2006/main" xmlns:r="http://schemas.openxmlformats.org/officeDocument/2006/relationships" xmlns:p="http://schemas.openxmlformats.org/presentationml/2006/main">
+  <p:cSld>
+    <p:spTree>
+      <p:nvGrpSpPr>
+        <p:cNvPr id="1" name=""/>
+        <p:cNvGrpSpPr/>
+        <p:nvPr/>
+      </p:nvGrpSpPr>
+      <p:grpSpPr>
+        <a:xfrm>
+          <a:off x="0" y="0"/>
+          <a:ext cx="0" cy="0"/>
+          <a:chOff x="0" y="0"/>
+          <a:chExt cx="0" cy="0"/>
+        </a:xfrm>
+      </p:grpSpPr>
+      <p:sp>
+        <p:nvSpPr>
+          <p:cNvPr id="2" name="Title 1"/>
+          <p:cNvSpPr>
+            <a:spLocks noGrp="1"/>
+          </p:cNvSpPr>
+          <p:nvPr>
+            <p:ph type="title"/>
+          </p:nvPr>
+        </p:nvSpPr>
+        <p:spPr/>
+        <p:txBody>
+          <a:bodyPr/>
+          <a:lstStyle/>
+          <a:p>
+            <a:r>
+              <a:rPr lang="en-US" dirty="0" smtClean="0"/>
+              <a:t>High Level Overview</a:t>
+            </a:r>
+            <a:endParaRPr lang="en-US" dirty="0"/>
+          </a:p>
+        </p:txBody>
+      </p:sp>
+      <p:sp>
+        <p:nvSpPr>
+          <p:cNvPr id="3" name="Content Placeholder 2"/>
+          <p:cNvSpPr>
+            <a:spLocks noGrp="1"/>
+          </p:cNvSpPr>
+          <p:nvPr>
+            <p:ph idx="1"/>
+          </p:nvPr>
+        </p:nvSpPr>
+        <p:spPr/>
+        <p:txBody>
+          <a:bodyPr/>
+          <a:lstStyle/>
+          <a:p>
+            <a:r>
+              <a:rPr lang="en-US" dirty="0" smtClean="0"/>
+              <a:t>A container feels like a lightweight VM</a:t>
+            </a:r>
+          </a:p>
+          <a:p>
+            <a:pPr lvl="1"/>
+            <a:r>
+              <a:rPr lang="en-US" dirty="0" smtClean="0"/>
+              <a:t>You can log into it and get a shell.</a:t>
+            </a:r>
+          </a:p>
+          <a:p>
+            <a:pPr lvl="1"/>
+            <a:r>
+              <a:rPr lang="en-US" dirty="0" smtClean="0"/>
+              <a:t>It has its own process space.</a:t>
+            </a:r>
+          </a:p>
+          <a:p>
+            <a:pPr lvl="1"/>
+            <a:r>
+              <a:rPr lang="en-US" dirty="0" smtClean="0"/>
+              <a:t>You can run commands within the container as root.</a:t>
+            </a:r>
+          </a:p>
+          <a:p>
+            <a:pPr lvl="1"/>
+            <a:r>
+              <a:rPr lang="en-US" dirty="0" smtClean="0"/>
+              <a:t>You can install packages in the container.</a:t>
+            </a:r>
+          </a:p>
+          <a:p>
+            <a:pPr lvl="1"/>
+            <a:r>
+              <a:rPr lang="en-US" dirty="0" smtClean="0"/>
+              <a:t>The container can run services.</a:t>
+            </a:r>
+          </a:p>
+          <a:p>
+            <a:pPr lvl="1"/>
+            <a:r>
+              <a:rPr lang="en-US" dirty="0" smtClean="0"/>
+              <a:t>You can modify network settings in the container.</a:t>
+            </a:r>
+          </a:p>
+        </p:txBody>
+      </p:sp>
+    </p:spTree>
+    <p:extLst>
+      <p:ext uri="{BB962C8B-B14F-4D97-AF65-F5344CB8AC3E}">
+        <p14:creationId xmlns:p14="http://schemas.microsoft.com/office/powerpoint/2010/main" val="1254809896"/>
+      </p:ext>
+    </p:extLst>
+  </p:cSld>
+  <p:clrMapOvr>
+    <a:masterClrMapping/>
+  </p:clrMapOvr>
+</p:sld>
+</file>
+
+<file path=ppt/slides/slide14.xml><?xml version="1.0" encoding="utf-8"?>
+<p:sld xmlns:a="http://schemas.openxmlformats.org/drawingml/2006/main" xmlns:r="http://schemas.openxmlformats.org/officeDocument/2006/relationships" xmlns:p="http://schemas.openxmlformats.org/presentationml/2006/main">
+  <p:cSld>
+    <p:spTree>
+      <p:nvGrpSpPr>
+        <p:cNvPr id="1" name=""/>
+        <p:cNvGrpSpPr/>
+        <p:nvPr/>
+      </p:nvGrpSpPr>
+      <p:grpSpPr>
+        <a:xfrm>
+          <a:off x="0" y="0"/>
+          <a:ext cx="0" cy="0"/>
+          <a:chOff x="0" y="0"/>
+          <a:chExt cx="0" cy="0"/>
+        </a:xfrm>
+      </p:grpSpPr>
+      <p:sp>
+        <p:nvSpPr>
+          <p:cNvPr id="2" name="Title 1"/>
+          <p:cNvSpPr>
+            <a:spLocks noGrp="1"/>
+          </p:cNvSpPr>
+          <p:nvPr>
+            <p:ph type="title"/>
+          </p:nvPr>
+        </p:nvSpPr>
+        <p:spPr/>
+        <p:txBody>
+          <a:bodyPr/>
+          <a:lstStyle/>
+          <a:p>
+            <a:r>
+              <a:rPr lang="en-US" dirty="0" smtClean="0"/>
+              <a:t>Low Level Overview</a:t>
+            </a:r>
+            <a:endParaRPr lang="en-US" dirty="0"/>
+          </a:p>
+        </p:txBody>
+      </p:sp>
+      <p:sp>
+        <p:nvSpPr>
+          <p:cNvPr id="3" name="Content Placeholder 2"/>
+          <p:cNvSpPr>
+            <a:spLocks noGrp="1"/>
+          </p:cNvSpPr>
+          <p:nvPr>
+            <p:ph idx="1"/>
+          </p:nvPr>
+        </p:nvSpPr>
+        <p:spPr/>
+        <p:txBody>
+          <a:bodyPr>
+            <a:normAutofit fontScale="92500" lnSpcReduction="20000"/>
+          </a:bodyPr>
+          <a:lstStyle/>
+          <a:p>
+            <a:r>
+              <a:rPr lang="en-US" dirty="0" smtClean="0"/>
+              <a:t>But</a:t>
+            </a:r>
+            <a:r>
+              <a:rPr lang="is-IS" dirty="0" smtClean="0"/>
+              <a:t>… it’s not quite like a virtual machine.</a:t>
+            </a:r>
+          </a:p>
+          <a:p>
+            <a:pPr lvl="1"/>
+            <a:r>
+              <a:rPr lang="is-IS" dirty="0" smtClean="0"/>
+              <a:t>It uses the host kernel.</a:t>
+            </a:r>
+          </a:p>
+          <a:p>
+            <a:pPr lvl="1"/>
+            <a:r>
+              <a:rPr lang="is-IS" dirty="0" smtClean="0"/>
+              <a:t>It can’t run a different OS than the host.</a:t>
+            </a:r>
+          </a:p>
+          <a:p>
+            <a:pPr lvl="1"/>
+            <a:r>
+              <a:rPr lang="is-IS" dirty="0" smtClean="0"/>
+              <a:t>It can’t load its own kernel modules.</a:t>
+            </a:r>
+          </a:p>
+          <a:p>
+            <a:pPr lvl="1"/>
+            <a:r>
+              <a:rPr lang="is-IS" dirty="0" smtClean="0"/>
+              <a:t>It can’t emulate devices like usb, storage, etc.</a:t>
+            </a:r>
+          </a:p>
+          <a:p>
+            <a:pPr lvl="1"/>
+            <a:r>
+              <a:rPr lang="is-IS" dirty="0" smtClean="0"/>
+              <a:t>Network using port forwarding</a:t>
+            </a:r>
+          </a:p>
+          <a:p>
+            <a:pPr lvl="1"/>
+            <a:r>
+              <a:rPr lang="is-IS" dirty="0" smtClean="0"/>
+              <a:t>It doesn’t need to run OS-type processes like syslogd and cron.</a:t>
+            </a:r>
+          </a:p>
+          <a:p>
+            <a:pPr lvl="1"/>
+            <a:r>
+              <a:rPr lang="en-US" dirty="0" smtClean="0"/>
+              <a:t>It’s like </a:t>
+            </a:r>
+            <a:r>
+              <a:rPr lang="en-US" dirty="0" err="1" smtClean="0"/>
+              <a:t>chroot</a:t>
+            </a:r>
+            <a:r>
+              <a:rPr lang="en-US" dirty="0" smtClean="0"/>
+              <a:t> on steroids.</a:t>
+            </a:r>
+          </a:p>
+          <a:p>
+            <a:pPr lvl="2"/>
+            <a:r>
+              <a:rPr lang="en-US" dirty="0" err="1" smtClean="0"/>
+              <a:t>chroot</a:t>
+            </a:r>
+            <a:r>
+              <a:rPr lang="en-US" dirty="0" smtClean="0"/>
+              <a:t> = process jail that prevents the process from accessing external files outside an “apparent root directory”</a:t>
+            </a:r>
+            <a:endParaRPr lang="en-US" dirty="0"/>
+          </a:p>
+        </p:txBody>
+      </p:sp>
+    </p:spTree>
+    <p:extLst>
+      <p:ext uri="{BB962C8B-B14F-4D97-AF65-F5344CB8AC3E}">
+        <p14:creationId xmlns:p14="http://schemas.microsoft.com/office/powerpoint/2010/main" val="3625341706"/>
+      </p:ext>
+    </p:extLst>
+  </p:cSld>
+  <p:clrMapOvr>
+    <a:masterClrMapping/>
+  </p:clrMapOvr>
+</p:sld>
+</file>
+
+<file path=ppt/slides/slide15.xml><?xml version="1.0" encoding="utf-8"?>
+<p:sld xmlns:a="http://schemas.openxmlformats.org/drawingml/2006/main" xmlns:r="http://schemas.openxmlformats.org/officeDocument/2006/relationships" xmlns:p="http://schemas.openxmlformats.org/presentationml/2006/main">
+  <p:cSld>
+    <p:spTree>
+      <p:nvGrpSpPr>
+        <p:cNvPr id="1" name=""/>
+        <p:cNvGrpSpPr/>
+        <p:nvPr/>
+      </p:nvGrpSpPr>
+      <p:grpSpPr>
+        <a:xfrm>
+          <a:off x="0" y="0"/>
+          <a:ext cx="0" cy="0"/>
+          <a:chOff x="0" y="0"/>
+          <a:chExt cx="0" cy="0"/>
+        </a:xfrm>
+      </p:grpSpPr>
+      <p:sp>
+        <p:nvSpPr>
+          <p:cNvPr id="2" name="Title 1"/>
+          <p:cNvSpPr>
+            <a:spLocks noGrp="1"/>
+          </p:cNvSpPr>
+          <p:nvPr>
+            <p:ph type="title"/>
+          </p:nvPr>
+        </p:nvSpPr>
+        <p:spPr/>
+        <p:txBody>
+          <a:bodyPr/>
+          <a:lstStyle/>
+          <a:p>
+            <a:r>
+              <a:rPr lang="en-US" dirty="0" smtClean="0"/>
+              <a:t>Virtual Machines vs. Containers</a:t>
+            </a:r>
+            <a:endParaRPr lang="en-US" dirty="0"/>
+          </a:p>
+        </p:txBody>
+      </p:sp>
+      <p:sp>
+        <p:nvSpPr>
+          <p:cNvPr id="6" name="TextBox 5"/>
+          <p:cNvSpPr txBox="1"/>
+          <p:nvPr/>
+        </p:nvSpPr>
+        <p:spPr>
+          <a:xfrm>
+            <a:off x="1068259" y="1614345"/>
+            <a:ext cx="6575727" cy="646331"/>
+          </a:xfrm>
+          <a:prstGeom prst="rect">
+            <a:avLst/>
+          </a:prstGeom>
+          <a:noFill/>
+        </p:spPr>
+        <p:txBody>
+          <a:bodyPr wrap="square" rtlCol="0">
+            <a:spAutoFit/>
+          </a:bodyPr>
+          <a:lstStyle/>
+          <a:p>
+            <a:r>
+              <a:rPr lang="en-US" dirty="0" smtClean="0"/>
+              <a:t>Key difference: Each virtual machine contains an OS whereas all containers share the same OS.</a:t>
+            </a:r>
+            <a:endParaRPr lang="en-US" dirty="0"/>
+          </a:p>
+        </p:txBody>
+      </p:sp>
+      <p:pic>
+        <p:nvPicPr>
+          <p:cNvPr id="7" name="Picture 6"/>
+          <p:cNvPicPr>
+            <a:picLocks noChangeAspect="1"/>
+          </p:cNvPicPr>
+          <p:nvPr/>
+        </p:nvPicPr>
+        <p:blipFill>
+          <a:blip r:embed="rId2"/>
+          <a:stretch>
+            <a:fillRect/>
+          </a:stretch>
+        </p:blipFill>
+        <p:spPr>
+          <a:xfrm>
+            <a:off x="783761" y="2825104"/>
+            <a:ext cx="3210487" cy="3522478"/>
+          </a:xfrm>
+          <a:prstGeom prst="rect">
+            <a:avLst/>
+          </a:prstGeom>
+        </p:spPr>
+      </p:pic>
+      <p:pic>
+        <p:nvPicPr>
+          <p:cNvPr id="8" name="Picture 7"/>
+          <p:cNvPicPr>
+            <a:picLocks noChangeAspect="1"/>
+          </p:cNvPicPr>
+          <p:nvPr/>
+        </p:nvPicPr>
+        <p:blipFill>
+          <a:blip r:embed="rId3"/>
+          <a:stretch>
+            <a:fillRect/>
+          </a:stretch>
+        </p:blipFill>
+        <p:spPr>
+          <a:xfrm>
+            <a:off x="4688841" y="4048636"/>
+            <a:ext cx="3244973" cy="2298946"/>
+          </a:xfrm>
+          <a:prstGeom prst="rect">
+            <a:avLst/>
+          </a:prstGeom>
+        </p:spPr>
+      </p:pic>
+    </p:spTree>
+    <p:extLst>
+      <p:ext uri="{BB962C8B-B14F-4D97-AF65-F5344CB8AC3E}">
+        <p14:creationId xmlns:p14="http://schemas.microsoft.com/office/powerpoint/2010/main" val="489292885"/>
+      </p:ext>
+    </p:extLst>
+  </p:cSld>
+  <p:clrMapOvr>
+    <a:masterClrMapping/>
+  </p:clrMapOvr>
+</p:sld>
+</file>
+
+<file path=ppt/slides/slide16.xml><?xml version="1.0" encoding="utf-8"?>
+<p:sld xmlns:a="http://schemas.openxmlformats.org/drawingml/2006/main" xmlns:r="http://schemas.openxmlformats.org/officeDocument/2006/relationships" xmlns:p="http://schemas.openxmlformats.org/presentationml/2006/main">
+  <p:cSld>
+    <p:spTree>
+      <p:nvGrpSpPr>
+        <p:cNvPr id="1" name=""/>
+        <p:cNvGrpSpPr/>
+        <p:nvPr/>
+      </p:nvGrpSpPr>
+      <p:grpSpPr>
+        <a:xfrm>
+          <a:off x="0" y="0"/>
+          <a:ext cx="0" cy="0"/>
+          <a:chOff x="0" y="0"/>
+          <a:chExt cx="0" cy="0"/>
+        </a:xfrm>
+      </p:grpSpPr>
+      <p:sp>
+        <p:nvSpPr>
+          <p:cNvPr id="2" name="Title 1"/>
+          <p:cNvSpPr>
+            <a:spLocks noGrp="1"/>
+          </p:cNvSpPr>
+          <p:nvPr>
+            <p:ph type="title"/>
+          </p:nvPr>
+        </p:nvSpPr>
+        <p:spPr/>
+        <p:txBody>
+          <a:bodyPr/>
+          <a:lstStyle/>
+          <a:p>
+            <a:r>
+              <a:rPr lang="en-US" dirty="0" smtClean="0"/>
+              <a:t>Container advantages over VMs</a:t>
+            </a:r>
+            <a:endParaRPr lang="en-US" dirty="0"/>
+          </a:p>
+        </p:txBody>
+      </p:sp>
+      <p:sp>
+        <p:nvSpPr>
+          <p:cNvPr id="3" name="Content Placeholder 2"/>
+          <p:cNvSpPr>
+            <a:spLocks noGrp="1"/>
+          </p:cNvSpPr>
+          <p:nvPr>
+            <p:ph idx="1"/>
+          </p:nvPr>
+        </p:nvSpPr>
+        <p:spPr/>
+        <p:txBody>
+          <a:bodyPr>
+            <a:normAutofit fontScale="92500" lnSpcReduction="10000"/>
+          </a:bodyPr>
+          <a:lstStyle/>
+          <a:p>
+            <a:r>
+              <a:rPr lang="en-US" dirty="0" smtClean="0"/>
+              <a:t>What can a container do that a VM cannot?</a:t>
+            </a:r>
+          </a:p>
+          <a:p>
+            <a:pPr lvl="1"/>
+            <a:r>
+              <a:rPr lang="en-US" dirty="0" smtClean="0"/>
+              <a:t>Really simple app deployment with a single command line</a:t>
+            </a:r>
+          </a:p>
+          <a:p>
+            <a:pPr lvl="1"/>
+            <a:r>
+              <a:rPr lang="en-US" dirty="0" smtClean="0"/>
+              <a:t>“Boot” in a fraction of a second compared to a minute for a VM</a:t>
+            </a:r>
+          </a:p>
+          <a:p>
+            <a:pPr lvl="1"/>
+            <a:r>
+              <a:rPr lang="en-US" dirty="0" smtClean="0"/>
+              <a:t>Enables very granular services (micro-service architecture)</a:t>
+            </a:r>
+          </a:p>
+          <a:p>
+            <a:pPr lvl="1"/>
+            <a:r>
+              <a:rPr lang="en-US" dirty="0" smtClean="0"/>
+              <a:t>Significantly reduce testing and development footprint</a:t>
+            </a:r>
+          </a:p>
+          <a:p>
+            <a:pPr lvl="2"/>
+            <a:r>
+              <a:rPr lang="en-US" dirty="0" smtClean="0"/>
+              <a:t>Imagine the resource savings when launching hundreds of containers </a:t>
+            </a:r>
+            <a:r>
+              <a:rPr lang="en-US" dirty="0" err="1" smtClean="0"/>
+              <a:t>vs</a:t>
+            </a:r>
+            <a:r>
+              <a:rPr lang="en-US" dirty="0" smtClean="0"/>
+              <a:t> VMs</a:t>
+            </a:r>
+            <a:endParaRPr lang="en-US" dirty="0"/>
+          </a:p>
+        </p:txBody>
+      </p:sp>
+    </p:spTree>
+    <p:extLst>
+      <p:ext uri="{BB962C8B-B14F-4D97-AF65-F5344CB8AC3E}">
+        <p14:creationId xmlns:p14="http://schemas.microsoft.com/office/powerpoint/2010/main" val="3612734401"/>
+      </p:ext>
+    </p:extLst>
+  </p:cSld>
+  <p:clrMapOvr>
+    <a:masterClrMapping/>
+  </p:clrMapOvr>
+</p:sld>
+</file>
+
+<file path=ppt/slides/slide17.xml><?xml version="1.0" encoding="utf-8"?>
+<p:sld xmlns:a="http://schemas.openxmlformats.org/drawingml/2006/main" xmlns:r="http://schemas.openxmlformats.org/officeDocument/2006/relationships" xmlns:p="http://schemas.openxmlformats.org/presentationml/2006/main">
+  <p:cSld>
+    <p:spTree>
+      <p:nvGrpSpPr>
+        <p:cNvPr id="1" name=""/>
+        <p:cNvGrpSpPr/>
+        <p:nvPr/>
+      </p:nvGrpSpPr>
+      <p:grpSpPr>
+        <a:xfrm>
+          <a:off x="0" y="0"/>
+          <a:ext cx="0" cy="0"/>
+          <a:chOff x="0" y="0"/>
+          <a:chExt cx="0" cy="0"/>
+        </a:xfrm>
+      </p:grpSpPr>
+      <p:sp>
+        <p:nvSpPr>
+          <p:cNvPr id="2" name="Title 1"/>
+          <p:cNvSpPr>
+            <a:spLocks noGrp="1"/>
+          </p:cNvSpPr>
+          <p:nvPr>
+            <p:ph type="title"/>
+          </p:nvPr>
+        </p:nvSpPr>
+        <p:spPr/>
+        <p:txBody>
+          <a:bodyPr/>
+          <a:lstStyle/>
+          <a:p>
+            <a:r>
+              <a:rPr lang="en-US" dirty="0" err="1" smtClean="0"/>
+              <a:t>Docker</a:t>
+            </a:r>
+            <a:endParaRPr lang="en-US" dirty="0"/>
+          </a:p>
+        </p:txBody>
+      </p:sp>
+      <p:sp>
+        <p:nvSpPr>
+          <p:cNvPr id="3" name="Content Placeholder 2"/>
+          <p:cNvSpPr>
+            <a:spLocks noGrp="1"/>
+          </p:cNvSpPr>
+          <p:nvPr>
+            <p:ph idx="1"/>
+          </p:nvPr>
+        </p:nvSpPr>
+        <p:spPr/>
+        <p:txBody>
+          <a:bodyPr>
+            <a:normAutofit fontScale="77500" lnSpcReduction="20000"/>
+          </a:bodyPr>
+          <a:lstStyle/>
+          <a:p>
+            <a:r>
+              <a:rPr lang="en-US" dirty="0" smtClean="0"/>
+              <a:t>An open-source Linux-based container implementation started by Solomon </a:t>
+            </a:r>
+            <a:r>
+              <a:rPr lang="en-US" dirty="0" err="1" smtClean="0"/>
+              <a:t>Hykes</a:t>
+            </a:r>
+            <a:r>
+              <a:rPr lang="en-US" dirty="0" smtClean="0"/>
+              <a:t> in France.</a:t>
+            </a:r>
+          </a:p>
+          <a:p>
+            <a:endParaRPr lang="en-US" dirty="0" smtClean="0"/>
+          </a:p>
+          <a:p>
+            <a:r>
+              <a:rPr lang="en-US" dirty="0" smtClean="0"/>
+              <a:t>Initially released in 2013 and now in widespread use by cloud providers and enterprises.</a:t>
+            </a:r>
+          </a:p>
+          <a:p>
+            <a:pPr marL="0" indent="0">
+              <a:buNone/>
+            </a:pPr>
+            <a:endParaRPr lang="en-US" dirty="0" smtClean="0"/>
+          </a:p>
+          <a:p>
+            <a:r>
+              <a:rPr lang="en-US" dirty="0" smtClean="0"/>
+              <a:t>It’s really an API and toolset that utilizes existing Linux facilities like </a:t>
+            </a:r>
+            <a:r>
+              <a:rPr lang="en-US" dirty="0" err="1" smtClean="0"/>
+              <a:t>cgroups</a:t>
+            </a:r>
+            <a:r>
+              <a:rPr lang="en-US" dirty="0"/>
+              <a:t> </a:t>
+            </a:r>
+            <a:r>
+              <a:rPr lang="en-US" dirty="0" smtClean="0"/>
+              <a:t>and namespaces.</a:t>
+            </a:r>
+          </a:p>
+          <a:p>
+            <a:endParaRPr lang="en-US" dirty="0" smtClean="0"/>
+          </a:p>
+          <a:p>
+            <a:r>
+              <a:rPr lang="en-US" dirty="0" err="1" smtClean="0"/>
+              <a:t>Docker</a:t>
+            </a:r>
+            <a:r>
+              <a:rPr lang="en-US" dirty="0" smtClean="0"/>
+              <a:t> wasn’t the first Linux-based container solution</a:t>
+            </a:r>
+          </a:p>
+          <a:p>
+            <a:pPr lvl="1"/>
+            <a:r>
+              <a:rPr lang="en-US" dirty="0" smtClean="0"/>
+              <a:t>Google developed </a:t>
+            </a:r>
+            <a:r>
+              <a:rPr lang="en-US" dirty="0" err="1" smtClean="0"/>
+              <a:t>cgroups</a:t>
+            </a:r>
+            <a:r>
+              <a:rPr lang="en-US" dirty="0" smtClean="0"/>
+              <a:t> 10 years earlier</a:t>
+            </a:r>
+          </a:p>
+          <a:p>
+            <a:pPr lvl="1"/>
+            <a:r>
+              <a:rPr lang="en-US" dirty="0" err="1" smtClean="0"/>
+              <a:t>OpenVZ</a:t>
+            </a:r>
+            <a:r>
+              <a:rPr lang="en-US" dirty="0" smtClean="0"/>
+              <a:t> </a:t>
+            </a:r>
+            <a:endParaRPr lang="en-US" dirty="0"/>
+          </a:p>
+        </p:txBody>
+      </p:sp>
+      <p:pic>
+        <p:nvPicPr>
+          <p:cNvPr id="4" name="Picture 3"/>
+          <p:cNvPicPr>
+            <a:picLocks noChangeAspect="1"/>
+          </p:cNvPicPr>
+          <p:nvPr/>
+        </p:nvPicPr>
+        <p:blipFill>
+          <a:blip r:embed="rId2"/>
+          <a:stretch>
+            <a:fillRect/>
+          </a:stretch>
+        </p:blipFill>
+        <p:spPr>
+          <a:xfrm>
+            <a:off x="6267800" y="203418"/>
+            <a:ext cx="2316367" cy="1317150"/>
+          </a:xfrm>
+          <a:prstGeom prst="rect">
+            <a:avLst/>
+          </a:prstGeom>
+        </p:spPr>
+      </p:pic>
+    </p:spTree>
+    <p:extLst>
+      <p:ext uri="{BB962C8B-B14F-4D97-AF65-F5344CB8AC3E}">
+        <p14:creationId xmlns:p14="http://schemas.microsoft.com/office/powerpoint/2010/main" val="4127948169"/>
+      </p:ext>
+    </p:extLst>
+  </p:cSld>
+  <p:clrMapOvr>
+    <a:masterClrMapping/>
+  </p:clrMapOvr>
+</p:sld>
+</file>
+
+<file path=ppt/slides/slide18.xml><?xml version="1.0" encoding="utf-8"?>
+<p:sld xmlns:a="http://schemas.openxmlformats.org/drawingml/2006/main" xmlns:r="http://schemas.openxmlformats.org/officeDocument/2006/relationships" xmlns:p="http://schemas.openxmlformats.org/presentationml/2006/main">
+  <p:cSld>
+    <p:spTree>
+      <p:nvGrpSpPr>
+        <p:cNvPr id="1" name=""/>
+        <p:cNvGrpSpPr/>
+        <p:nvPr/>
+      </p:nvGrpSpPr>
+      <p:grpSpPr>
+        <a:xfrm>
+          <a:off x="0" y="0"/>
+          <a:ext cx="0" cy="0"/>
+          <a:chOff x="0" y="0"/>
+          <a:chExt cx="0" cy="0"/>
+        </a:xfrm>
+      </p:grpSpPr>
+      <p:sp>
+        <p:nvSpPr>
+          <p:cNvPr id="2" name="Title 1"/>
+          <p:cNvSpPr>
+            <a:spLocks noGrp="1"/>
+          </p:cNvSpPr>
+          <p:nvPr>
+            <p:ph type="title"/>
+          </p:nvPr>
+        </p:nvSpPr>
+        <p:spPr/>
+        <p:txBody>
+          <a:bodyPr/>
+          <a:lstStyle/>
+          <a:p>
+            <a:r>
+              <a:rPr lang="en-US" dirty="0" smtClean="0"/>
+              <a:t>How </a:t>
+            </a:r>
+            <a:r>
+              <a:rPr lang="en-US" dirty="0" err="1" smtClean="0"/>
+              <a:t>Docker</a:t>
+            </a:r>
+            <a:r>
+              <a:rPr lang="en-US" dirty="0" smtClean="0"/>
+              <a:t> Works</a:t>
+            </a:r>
+            <a:endParaRPr lang="en-US" dirty="0"/>
+          </a:p>
+        </p:txBody>
+      </p:sp>
+      <p:sp>
+        <p:nvSpPr>
+          <p:cNvPr id="3" name="Content Placeholder 2"/>
+          <p:cNvSpPr>
+            <a:spLocks noGrp="1"/>
+          </p:cNvSpPr>
+          <p:nvPr>
+            <p:ph idx="1"/>
+          </p:nvPr>
+        </p:nvSpPr>
+        <p:spPr>
+          <a:xfrm>
+            <a:off x="457200" y="1600200"/>
+            <a:ext cx="4266879" cy="4501076"/>
+          </a:xfrm>
+        </p:spPr>
+        <p:txBody>
+          <a:bodyPr>
+            <a:normAutofit fontScale="92500" lnSpcReduction="20000"/>
+          </a:bodyPr>
+          <a:lstStyle/>
+          <a:p>
+            <a:r>
+              <a:rPr lang="en-US" dirty="0" smtClean="0"/>
+              <a:t>Implemented as a client-server system</a:t>
+            </a:r>
+          </a:p>
+          <a:p>
+            <a:pPr lvl="1"/>
+            <a:r>
+              <a:rPr lang="en-US" dirty="0" err="1" smtClean="0"/>
+              <a:t>Docker</a:t>
+            </a:r>
+            <a:r>
+              <a:rPr lang="en-US" dirty="0" smtClean="0"/>
+              <a:t> daemon (engine) runs on a host</a:t>
+            </a:r>
+          </a:p>
+          <a:p>
+            <a:pPr lvl="2"/>
+            <a:r>
+              <a:rPr lang="en-US" dirty="0" smtClean="0"/>
+              <a:t>Daemon builds, runs, and manages containers.</a:t>
+            </a:r>
+          </a:p>
+          <a:p>
+            <a:pPr lvl="2"/>
+            <a:endParaRPr lang="en-US" dirty="0" smtClean="0"/>
+          </a:p>
+          <a:p>
+            <a:pPr lvl="1"/>
+            <a:r>
+              <a:rPr lang="en-US" dirty="0" err="1" smtClean="0"/>
+              <a:t>Docker</a:t>
+            </a:r>
+            <a:r>
+              <a:rPr lang="en-US" dirty="0" smtClean="0"/>
+              <a:t> CLI is the client app</a:t>
+            </a:r>
+          </a:p>
+          <a:p>
+            <a:pPr lvl="2"/>
+            <a:r>
+              <a:rPr lang="en-US" dirty="0" smtClean="0"/>
+              <a:t>Takes user input and sends it to the daemon</a:t>
+            </a:r>
+          </a:p>
+          <a:p>
+            <a:pPr lvl="2"/>
+            <a:r>
+              <a:rPr lang="en-US" dirty="0" smtClean="0"/>
+              <a:t>CLI can run on the host or a different machine</a:t>
+            </a:r>
+          </a:p>
+        </p:txBody>
+      </p:sp>
+      <p:pic>
+        <p:nvPicPr>
+          <p:cNvPr id="4" name="Picture 3"/>
+          <p:cNvPicPr>
+            <a:picLocks noChangeAspect="1"/>
+          </p:cNvPicPr>
+          <p:nvPr/>
+        </p:nvPicPr>
+        <p:blipFill>
+          <a:blip r:embed="rId2"/>
+          <a:stretch>
+            <a:fillRect/>
+          </a:stretch>
+        </p:blipFill>
+        <p:spPr>
+          <a:xfrm>
+            <a:off x="4617254" y="1600200"/>
+            <a:ext cx="4426606" cy="2810936"/>
+          </a:xfrm>
+          <a:prstGeom prst="rect">
+            <a:avLst/>
+          </a:prstGeom>
+        </p:spPr>
+      </p:pic>
+    </p:spTree>
+    <p:extLst>
+      <p:ext uri="{BB962C8B-B14F-4D97-AF65-F5344CB8AC3E}">
+        <p14:creationId xmlns:p14="http://schemas.microsoft.com/office/powerpoint/2010/main" val="307006968"/>
+      </p:ext>
+    </p:extLst>
+  </p:cSld>
+  <p:clrMapOvr>
+    <a:masterClrMapping/>
+  </p:clrMapOvr>
+</p:sld>
+</file>
+
+<file path=ppt/slides/slide19.xml><?xml version="1.0" encoding="utf-8"?>
+<p:sld xmlns:a="http://schemas.openxmlformats.org/drawingml/2006/main" xmlns:r="http://schemas.openxmlformats.org/officeDocument/2006/relationships" xmlns:p="http://schemas.openxmlformats.org/presentationml/2006/main">
+  <p:cSld>
+    <p:spTree>
+      <p:nvGrpSpPr>
+        <p:cNvPr id="1" name=""/>
+        <p:cNvGrpSpPr/>
+        <p:nvPr/>
+      </p:nvGrpSpPr>
+      <p:grpSpPr>
+        <a:xfrm>
+          <a:off x="0" y="0"/>
+          <a:ext cx="0" cy="0"/>
+          <a:chOff x="0" y="0"/>
+          <a:chExt cx="0" cy="0"/>
+        </a:xfrm>
+      </p:grpSpPr>
+      <p:pic>
+        <p:nvPicPr>
+          <p:cNvPr id="4" name="Picture 3"/>
+          <p:cNvPicPr>
+            <a:picLocks noChangeAspect="1"/>
+          </p:cNvPicPr>
+          <p:nvPr/>
+        </p:nvPicPr>
+        <p:blipFill>
+          <a:blip r:embed="rId2"/>
+          <a:stretch>
+            <a:fillRect/>
+          </a:stretch>
+        </p:blipFill>
+        <p:spPr>
+          <a:xfrm>
+            <a:off x="189913" y="807570"/>
+            <a:ext cx="8681088" cy="4534665"/>
+          </a:xfrm>
+          <a:prstGeom prst="rect">
+            <a:avLst/>
+          </a:prstGeom>
+        </p:spPr>
+      </p:pic>
+      <p:sp>
+        <p:nvSpPr>
+          <p:cNvPr id="5" name="TextBox 4"/>
+          <p:cNvSpPr txBox="1"/>
+          <p:nvPr/>
+        </p:nvSpPr>
+        <p:spPr>
+          <a:xfrm>
+            <a:off x="2729995" y="5342235"/>
+            <a:ext cx="1153869" cy="923330"/>
+          </a:xfrm>
+          <a:prstGeom prst="rect">
+            <a:avLst/>
+          </a:prstGeom>
+          <a:noFill/>
+        </p:spPr>
+        <p:txBody>
+          <a:bodyPr wrap="none" rtlCol="0">
+            <a:spAutoFit/>
+          </a:bodyPr>
+          <a:lstStyle/>
+          <a:p>
+            <a:r>
+              <a:rPr lang="en-US" dirty="0" smtClean="0"/>
+              <a:t>Start</a:t>
+            </a:r>
+          </a:p>
+          <a:p>
+            <a:r>
+              <a:rPr lang="en-US" dirty="0" smtClean="0"/>
+              <a:t>Stop</a:t>
+            </a:r>
+          </a:p>
+          <a:p>
+            <a:r>
+              <a:rPr lang="en-US" dirty="0" smtClean="0"/>
+              <a:t>Terminate</a:t>
+            </a:r>
+            <a:endParaRPr lang="en-US" dirty="0"/>
+          </a:p>
+        </p:txBody>
+      </p:sp>
+    </p:spTree>
+    <p:extLst>
+      <p:ext uri="{BB962C8B-B14F-4D97-AF65-F5344CB8AC3E}">
+        <p14:creationId xmlns:p14="http://schemas.microsoft.com/office/powerpoint/2010/main" val="1523980472"/>
+      </p:ext>
+    </p:extLst>
+  </p:cSld>
+  <p:clrMapOvr>
+    <a:masterClrMapping/>
+  </p:clrMapOvr>
+</p:sld>
+</file>
+
 <file path=ppt/slides/slide2.xml><?xml version="1.0" encoding="utf-8"?>
 <p:sld xmlns:a="http://schemas.openxmlformats.org/drawingml/2006/main" xmlns:r="http://schemas.openxmlformats.org/officeDocument/2006/relationships" xmlns:p="http://schemas.openxmlformats.org/presentationml/2006/main">
   <p:cSld>
@@ -3327,6 +4988,480 @@
     <p:extLst>
       <p:ext uri="{BB962C8B-B14F-4D97-AF65-F5344CB8AC3E}">
         <p14:creationId xmlns:p14="http://schemas.microsoft.com/office/powerpoint/2010/main" val="1833068455"/>
+      </p:ext>
+    </p:extLst>
+  </p:cSld>
+  <p:clrMapOvr>
+    <a:masterClrMapping/>
+  </p:clrMapOvr>
+</p:sld>
+</file>
+
+<file path=ppt/slides/slide20.xml><?xml version="1.0" encoding="utf-8"?>
+<p:sld xmlns:a="http://schemas.openxmlformats.org/drawingml/2006/main" xmlns:r="http://schemas.openxmlformats.org/officeDocument/2006/relationships" xmlns:p="http://schemas.openxmlformats.org/presentationml/2006/main">
+  <p:cSld>
+    <p:spTree>
+      <p:nvGrpSpPr>
+        <p:cNvPr id="1" name=""/>
+        <p:cNvGrpSpPr/>
+        <p:nvPr/>
+      </p:nvGrpSpPr>
+      <p:grpSpPr>
+        <a:xfrm>
+          <a:off x="0" y="0"/>
+          <a:ext cx="0" cy="0"/>
+          <a:chOff x="0" y="0"/>
+          <a:chExt cx="0" cy="0"/>
+        </a:xfrm>
+      </p:grpSpPr>
+      <p:sp>
+        <p:nvSpPr>
+          <p:cNvPr id="2" name="Title 1"/>
+          <p:cNvSpPr>
+            <a:spLocks noGrp="1"/>
+          </p:cNvSpPr>
+          <p:nvPr>
+            <p:ph type="title"/>
+          </p:nvPr>
+        </p:nvSpPr>
+        <p:spPr/>
+        <p:txBody>
+          <a:bodyPr/>
+          <a:lstStyle/>
+          <a:p>
+            <a:r>
+              <a:rPr lang="en-US" dirty="0" err="1" smtClean="0"/>
+              <a:t>Docker</a:t>
+            </a:r>
+            <a:r>
+              <a:rPr lang="en-US" dirty="0" smtClean="0"/>
+              <a:t> Terms</a:t>
+            </a:r>
+            <a:endParaRPr lang="en-US" dirty="0"/>
+          </a:p>
+        </p:txBody>
+      </p:sp>
+      <p:sp>
+        <p:nvSpPr>
+          <p:cNvPr id="3" name="Content Placeholder 2"/>
+          <p:cNvSpPr>
+            <a:spLocks noGrp="1"/>
+          </p:cNvSpPr>
+          <p:nvPr>
+            <p:ph idx="1"/>
+          </p:nvPr>
+        </p:nvSpPr>
+        <p:spPr/>
+        <p:txBody>
+          <a:bodyPr>
+            <a:normAutofit fontScale="70000" lnSpcReduction="20000"/>
+          </a:bodyPr>
+          <a:lstStyle/>
+          <a:p>
+            <a:r>
+              <a:rPr lang="en-US" b="1" dirty="0" smtClean="0"/>
+              <a:t>Host</a:t>
+            </a:r>
+            <a:r>
+              <a:rPr lang="en-US" dirty="0" smtClean="0"/>
+              <a:t>: machine running containers</a:t>
+            </a:r>
+          </a:p>
+          <a:p>
+            <a:endParaRPr lang="en-US" dirty="0" smtClean="0"/>
+          </a:p>
+          <a:p>
+            <a:r>
+              <a:rPr lang="en-US" b="1" dirty="0" smtClean="0"/>
+              <a:t>Image</a:t>
+            </a:r>
+            <a:r>
+              <a:rPr lang="en-US" dirty="0" smtClean="0"/>
+              <a:t>: a read only template containing files and meta-data used to create containers</a:t>
+            </a:r>
+          </a:p>
+          <a:p>
+            <a:endParaRPr lang="en-US" dirty="0" smtClean="0"/>
+          </a:p>
+          <a:p>
+            <a:r>
+              <a:rPr lang="en-US" b="1" dirty="0" smtClean="0"/>
+              <a:t>Container</a:t>
+            </a:r>
+            <a:r>
+              <a:rPr lang="en-US" dirty="0" smtClean="0"/>
+              <a:t>: an isolated application platform containing everything needed to run an application</a:t>
+            </a:r>
+          </a:p>
+          <a:p>
+            <a:endParaRPr lang="en-US" dirty="0" smtClean="0"/>
+          </a:p>
+          <a:p>
+            <a:r>
+              <a:rPr lang="en-US" b="1" dirty="0" smtClean="0"/>
+              <a:t>Registry</a:t>
+            </a:r>
+            <a:r>
+              <a:rPr lang="en-US" dirty="0" smtClean="0"/>
+              <a:t>: a repository of images</a:t>
+            </a:r>
+          </a:p>
+          <a:p>
+            <a:endParaRPr lang="en-US" dirty="0" smtClean="0"/>
+          </a:p>
+          <a:p>
+            <a:r>
+              <a:rPr lang="en-US" b="1" dirty="0" smtClean="0"/>
+              <a:t>Volume</a:t>
+            </a:r>
+            <a:r>
+              <a:rPr lang="en-US" dirty="0" smtClean="0"/>
+              <a:t>: data storage outside the container</a:t>
+            </a:r>
+          </a:p>
+          <a:p>
+            <a:endParaRPr lang="en-US" dirty="0" smtClean="0"/>
+          </a:p>
+          <a:p>
+            <a:r>
+              <a:rPr lang="en-US" b="1" dirty="0" err="1" smtClean="0"/>
+              <a:t>Dockerfile</a:t>
+            </a:r>
+            <a:r>
+              <a:rPr lang="en-US" dirty="0" smtClean="0"/>
+              <a:t>: a script for creating images</a:t>
+            </a:r>
+            <a:endParaRPr lang="en-US" dirty="0"/>
+          </a:p>
+        </p:txBody>
+      </p:sp>
+    </p:spTree>
+    <p:extLst>
+      <p:ext uri="{BB962C8B-B14F-4D97-AF65-F5344CB8AC3E}">
+        <p14:creationId xmlns:p14="http://schemas.microsoft.com/office/powerpoint/2010/main" val="2094781986"/>
+      </p:ext>
+    </p:extLst>
+  </p:cSld>
+  <p:clrMapOvr>
+    <a:masterClrMapping/>
+  </p:clrMapOvr>
+</p:sld>
+</file>
+
+<file path=ppt/slides/slide21.xml><?xml version="1.0" encoding="utf-8"?>
+<p:sld xmlns:a="http://schemas.openxmlformats.org/drawingml/2006/main" xmlns:r="http://schemas.openxmlformats.org/officeDocument/2006/relationships" xmlns:p="http://schemas.openxmlformats.org/presentationml/2006/main">
+  <p:cSld>
+    <p:spTree>
+      <p:nvGrpSpPr>
+        <p:cNvPr id="1" name=""/>
+        <p:cNvGrpSpPr/>
+        <p:nvPr/>
+      </p:nvGrpSpPr>
+      <p:grpSpPr>
+        <a:xfrm>
+          <a:off x="0" y="0"/>
+          <a:ext cx="0" cy="0"/>
+          <a:chOff x="0" y="0"/>
+          <a:chExt cx="0" cy="0"/>
+        </a:xfrm>
+      </p:grpSpPr>
+      <p:sp>
+        <p:nvSpPr>
+          <p:cNvPr id="2" name="Title 1"/>
+          <p:cNvSpPr>
+            <a:spLocks noGrp="1"/>
+          </p:cNvSpPr>
+          <p:nvPr>
+            <p:ph type="title"/>
+          </p:nvPr>
+        </p:nvSpPr>
+        <p:spPr/>
+        <p:txBody>
+          <a:bodyPr/>
+          <a:lstStyle/>
+          <a:p>
+            <a:r>
+              <a:rPr lang="en-US" dirty="0" err="1" smtClean="0"/>
+              <a:t>Docker</a:t>
+            </a:r>
+            <a:r>
+              <a:rPr lang="en-US" dirty="0" smtClean="0"/>
+              <a:t> Image</a:t>
+            </a:r>
+            <a:endParaRPr lang="en-US" dirty="0"/>
+          </a:p>
+        </p:txBody>
+      </p:sp>
+      <p:pic>
+        <p:nvPicPr>
+          <p:cNvPr id="5" name="Picture 4"/>
+          <p:cNvPicPr>
+            <a:picLocks noChangeAspect="1"/>
+          </p:cNvPicPr>
+          <p:nvPr/>
+        </p:nvPicPr>
+        <p:blipFill>
+          <a:blip r:embed="rId2"/>
+          <a:stretch>
+            <a:fillRect/>
+          </a:stretch>
+        </p:blipFill>
+        <p:spPr>
+          <a:xfrm>
+            <a:off x="5628431" y="2139409"/>
+            <a:ext cx="2540000" cy="2413000"/>
+          </a:xfrm>
+          <a:prstGeom prst="rect">
+            <a:avLst/>
+          </a:prstGeom>
+        </p:spPr>
+      </p:pic>
+    </p:spTree>
+    <p:extLst>
+      <p:ext uri="{BB962C8B-B14F-4D97-AF65-F5344CB8AC3E}">
+        <p14:creationId xmlns:p14="http://schemas.microsoft.com/office/powerpoint/2010/main" val="3701158436"/>
+      </p:ext>
+    </p:extLst>
+  </p:cSld>
+  <p:clrMapOvr>
+    <a:masterClrMapping/>
+  </p:clrMapOvr>
+</p:sld>
+</file>
+
+<file path=ppt/slides/slide22.xml><?xml version="1.0" encoding="utf-8"?>
+<p:sld xmlns:a="http://schemas.openxmlformats.org/drawingml/2006/main" xmlns:r="http://schemas.openxmlformats.org/officeDocument/2006/relationships" xmlns:p="http://schemas.openxmlformats.org/presentationml/2006/main">
+  <p:cSld>
+    <p:spTree>
+      <p:nvGrpSpPr>
+        <p:cNvPr id="1" name=""/>
+        <p:cNvGrpSpPr/>
+        <p:nvPr/>
+      </p:nvGrpSpPr>
+      <p:grpSpPr>
+        <a:xfrm>
+          <a:off x="0" y="0"/>
+          <a:ext cx="0" cy="0"/>
+          <a:chOff x="0" y="0"/>
+          <a:chExt cx="0" cy="0"/>
+        </a:xfrm>
+      </p:grpSpPr>
+      <p:sp>
+        <p:nvSpPr>
+          <p:cNvPr id="2" name="Title 1"/>
+          <p:cNvSpPr>
+            <a:spLocks noGrp="1"/>
+          </p:cNvSpPr>
+          <p:nvPr>
+            <p:ph type="title"/>
+          </p:nvPr>
+        </p:nvSpPr>
+        <p:spPr/>
+        <p:txBody>
+          <a:bodyPr/>
+          <a:lstStyle/>
+          <a:p>
+            <a:r>
+              <a:rPr lang="en-US" dirty="0" smtClean="0"/>
+              <a:t>Other Container Technologies</a:t>
+            </a:r>
+            <a:endParaRPr lang="en-US" dirty="0"/>
+          </a:p>
+        </p:txBody>
+      </p:sp>
+      <p:sp>
+        <p:nvSpPr>
+          <p:cNvPr id="3" name="Content Placeholder 2"/>
+          <p:cNvSpPr>
+            <a:spLocks noGrp="1"/>
+          </p:cNvSpPr>
+          <p:nvPr>
+            <p:ph idx="1"/>
+          </p:nvPr>
+        </p:nvSpPr>
+        <p:spPr/>
+        <p:txBody>
+          <a:bodyPr>
+            <a:normAutofit fontScale="92500" lnSpcReduction="10000"/>
+          </a:bodyPr>
+          <a:lstStyle/>
+          <a:p>
+            <a:r>
+              <a:rPr lang="en-US" dirty="0" smtClean="0"/>
+              <a:t>Google Container Engine</a:t>
+            </a:r>
+          </a:p>
+          <a:p>
+            <a:r>
+              <a:rPr lang="en-US" dirty="0" smtClean="0"/>
+              <a:t>Microsoft Containers</a:t>
+            </a:r>
+          </a:p>
+          <a:p>
+            <a:r>
+              <a:rPr lang="en-US" dirty="0" smtClean="0"/>
+              <a:t>FreeBSD jails/ Solaris zones</a:t>
+            </a:r>
+          </a:p>
+          <a:p>
+            <a:r>
+              <a:rPr lang="en-US" dirty="0" smtClean="0"/>
+              <a:t>Some vendors offer “containers” that are really slimmed down VMs (</a:t>
+            </a:r>
+            <a:r>
+              <a:rPr lang="en-US" dirty="0" err="1" smtClean="0"/>
+              <a:t>VMWare</a:t>
+            </a:r>
+            <a:r>
+              <a:rPr lang="en-US" dirty="0" smtClean="0"/>
+              <a:t> Integrated Containers).</a:t>
+            </a:r>
+          </a:p>
+          <a:p>
+            <a:r>
+              <a:rPr lang="en-US" dirty="0" err="1" smtClean="0"/>
+              <a:t>Kubernetes</a:t>
+            </a:r>
+            <a:r>
+              <a:rPr lang="en-US" dirty="0" smtClean="0"/>
+              <a:t>: build and manage server clusters to quickly deploy containers</a:t>
+            </a:r>
+          </a:p>
+          <a:p>
+            <a:r>
+              <a:rPr lang="en-US" dirty="0" smtClean="0"/>
+              <a:t>Rancher OS</a:t>
+            </a:r>
+            <a:endParaRPr lang="en-US" dirty="0"/>
+          </a:p>
+        </p:txBody>
+      </p:sp>
+    </p:spTree>
+    <p:extLst>
+      <p:ext uri="{BB962C8B-B14F-4D97-AF65-F5344CB8AC3E}">
+        <p14:creationId xmlns:p14="http://schemas.microsoft.com/office/powerpoint/2010/main" val="47701790"/>
+      </p:ext>
+    </p:extLst>
+  </p:cSld>
+  <p:clrMapOvr>
+    <a:masterClrMapping/>
+  </p:clrMapOvr>
+</p:sld>
+</file>
+
+<file path=ppt/slides/slide23.xml><?xml version="1.0" encoding="utf-8"?>
+<p:sld xmlns:a="http://schemas.openxmlformats.org/drawingml/2006/main" xmlns:r="http://schemas.openxmlformats.org/officeDocument/2006/relationships" xmlns:p="http://schemas.openxmlformats.org/presentationml/2006/main">
+  <p:cSld>
+    <p:spTree>
+      <p:nvGrpSpPr>
+        <p:cNvPr id="1" name=""/>
+        <p:cNvGrpSpPr/>
+        <p:nvPr/>
+      </p:nvGrpSpPr>
+      <p:grpSpPr>
+        <a:xfrm>
+          <a:off x="0" y="0"/>
+          <a:ext cx="0" cy="0"/>
+          <a:chOff x="0" y="0"/>
+          <a:chExt cx="0" cy="0"/>
+        </a:xfrm>
+      </p:grpSpPr>
+      <p:sp>
+        <p:nvSpPr>
+          <p:cNvPr id="2" name="Title 1"/>
+          <p:cNvSpPr>
+            <a:spLocks noGrp="1"/>
+          </p:cNvSpPr>
+          <p:nvPr>
+            <p:ph type="title"/>
+          </p:nvPr>
+        </p:nvSpPr>
+        <p:spPr/>
+        <p:txBody>
+          <a:bodyPr>
+            <a:normAutofit/>
+          </a:bodyPr>
+          <a:lstStyle/>
+          <a:p>
+            <a:r>
+              <a:rPr lang="en-US" dirty="0" smtClean="0"/>
+              <a:t>Homework</a:t>
+            </a:r>
+            <a:endParaRPr lang="en-US" dirty="0"/>
+          </a:p>
+        </p:txBody>
+      </p:sp>
+      <p:sp>
+        <p:nvSpPr>
+          <p:cNvPr id="3" name="Content Placeholder 2"/>
+          <p:cNvSpPr>
+            <a:spLocks noGrp="1"/>
+          </p:cNvSpPr>
+          <p:nvPr>
+            <p:ph idx="1"/>
+          </p:nvPr>
+        </p:nvSpPr>
+        <p:spPr>
+          <a:xfrm>
+            <a:off x="457200" y="1600200"/>
+            <a:ext cx="8229600" cy="4920629"/>
+          </a:xfrm>
+        </p:spPr>
+        <p:txBody>
+          <a:bodyPr>
+            <a:normAutofit/>
+          </a:bodyPr>
+          <a:lstStyle/>
+          <a:p>
+            <a:r>
+              <a:rPr lang="en-US" dirty="0" smtClean="0"/>
+              <a:t>Assignment </a:t>
+            </a:r>
+            <a:r>
+              <a:rPr lang="en-US" dirty="0" smtClean="0"/>
+              <a:t>10</a:t>
+            </a:r>
+            <a:endParaRPr lang="en-US" dirty="0" smtClean="0"/>
+          </a:p>
+          <a:p>
+            <a:r>
+              <a:rPr lang="en-US" dirty="0" smtClean="0"/>
+              <a:t>Read </a:t>
+            </a:r>
+            <a:r>
+              <a:rPr lang="en-US" i="1" dirty="0" smtClean="0"/>
+              <a:t>Web Operations Chapter </a:t>
+            </a:r>
+            <a:r>
+              <a:rPr lang="en-US" i="1" dirty="0" smtClean="0"/>
+              <a:t>4 &amp; 10</a:t>
+            </a:r>
+            <a:endParaRPr lang="en-US" i="1" dirty="0" smtClean="0"/>
+          </a:p>
+          <a:p>
+            <a:r>
+              <a:rPr lang="en-US" dirty="0" smtClean="0"/>
+              <a:t>Read</a:t>
+            </a:r>
+            <a:r>
+              <a:rPr lang="en-US" i="1" dirty="0" smtClean="0"/>
+              <a:t> Practice of Cloud Systems Administration Chapter </a:t>
+            </a:r>
+            <a:r>
+              <a:rPr lang="en-US" i="1" dirty="0" smtClean="0"/>
+              <a:t>8</a:t>
+            </a:r>
+            <a:endParaRPr lang="en-US" dirty="0"/>
+          </a:p>
+          <a:p>
+            <a:endParaRPr lang="en-US" dirty="0" smtClean="0"/>
+          </a:p>
+        </p:txBody>
+      </p:sp>
+    </p:spTree>
+    <p:extLst>
+      <p:ext uri="{BB962C8B-B14F-4D97-AF65-F5344CB8AC3E}">
+        <p14:creationId xmlns:p14="http://schemas.microsoft.com/office/powerpoint/2010/main" val="466271081"/>
       </p:ext>
     </p:extLst>
   </p:cSld>
@@ -3355,6 +5490,93 @@
       </p:grpSpPr>
       <p:sp>
         <p:nvSpPr>
+          <p:cNvPr id="39" name="Rectangle 38"/>
+          <p:cNvSpPr/>
+          <p:nvPr/>
+        </p:nvSpPr>
+        <p:spPr>
+          <a:xfrm>
+            <a:off x="0" y="3964642"/>
+            <a:ext cx="9144000" cy="2893357"/>
+          </a:xfrm>
+          <a:prstGeom prst="rect">
+            <a:avLst/>
+          </a:prstGeom>
+          <a:solidFill>
+            <a:schemeClr val="tx2">
+              <a:lumMod val="20000"/>
+              <a:lumOff val="80000"/>
+            </a:schemeClr>
+          </a:solidFill>
+        </p:spPr>
+        <p:style>
+          <a:lnRef idx="1">
+            <a:schemeClr val="accent1"/>
+          </a:lnRef>
+          <a:fillRef idx="3">
+            <a:schemeClr val="accent1"/>
+          </a:fillRef>
+          <a:effectRef idx="2">
+            <a:schemeClr val="accent1"/>
+          </a:effectRef>
+          <a:fontRef idx="minor">
+            <a:schemeClr val="lt1"/>
+          </a:fontRef>
+        </p:style>
+        <p:txBody>
+          <a:bodyPr rtlCol="0" anchor="ctr"/>
+          <a:lstStyle/>
+          <a:p>
+            <a:pPr algn="ctr"/>
+            <a:endParaRPr lang="en-US"/>
+          </a:p>
+        </p:txBody>
+      </p:sp>
+      <p:sp>
+        <p:nvSpPr>
+          <p:cNvPr id="37" name="Rectangle 36"/>
+          <p:cNvSpPr/>
+          <p:nvPr/>
+        </p:nvSpPr>
+        <p:spPr>
+          <a:xfrm>
+            <a:off x="0" y="1417638"/>
+            <a:ext cx="9144000" cy="2547004"/>
+          </a:xfrm>
+          <a:prstGeom prst="rect">
+            <a:avLst/>
+          </a:prstGeom>
+          <a:solidFill>
+            <a:schemeClr val="bg2">
+              <a:lumMod val="90000"/>
+            </a:schemeClr>
+          </a:solidFill>
+        </p:spPr>
+        <p:style>
+          <a:lnRef idx="1">
+            <a:schemeClr val="accent1"/>
+          </a:lnRef>
+          <a:fillRef idx="3">
+            <a:schemeClr val="accent1"/>
+          </a:fillRef>
+          <a:effectRef idx="2">
+            <a:schemeClr val="accent1"/>
+          </a:effectRef>
+          <a:fontRef idx="minor">
+            <a:schemeClr val="lt1"/>
+          </a:fontRef>
+        </p:style>
+        <p:txBody>
+          <a:bodyPr rtlCol="0" anchor="ctr"/>
+          <a:lstStyle/>
+          <a:p>
+            <a:pPr algn="ctr"/>
+            <a:endParaRPr lang="en-US"/>
+          </a:p>
+        </p:txBody>
+      </p:sp>
+      <p:sp>
+        <p:nvSpPr>
           <p:cNvPr id="2" name="Title 1"/>
           <p:cNvSpPr>
             <a:spLocks noGrp="1"/>
@@ -3365,90 +5587,4882 @@
         </p:nvSpPr>
         <p:spPr/>
         <p:txBody>
-          <a:bodyPr>
-            <a:normAutofit/>
+          <a:bodyPr/>
+          <a:lstStyle/>
+          <a:p>
+            <a:r>
+              <a:rPr lang="en-US" dirty="0" smtClean="0"/>
+              <a:t>Fragile IT</a:t>
+            </a:r>
+            <a:endParaRPr lang="en-US" dirty="0"/>
+          </a:p>
+        </p:txBody>
+      </p:sp>
+      <p:grpSp>
+        <p:nvGrpSpPr>
+          <p:cNvPr id="35" name="Group 34"/>
+          <p:cNvGrpSpPr/>
+          <p:nvPr/>
+        </p:nvGrpSpPr>
+        <p:grpSpPr>
+          <a:xfrm>
+            <a:off x="701902" y="2507203"/>
+            <a:ext cx="1769986" cy="1023720"/>
+            <a:chOff x="617216" y="1486380"/>
+            <a:chExt cx="1769986" cy="1023720"/>
+          </a:xfrm>
+        </p:grpSpPr>
+        <p:pic>
+          <p:nvPicPr>
+            <p:cNvPr id="4" name="Picture 3"/>
+            <p:cNvPicPr>
+              <a:picLocks noChangeAspect="1"/>
+            </p:cNvPicPr>
+            <p:nvPr/>
+          </p:nvPicPr>
+          <p:blipFill>
+            <a:blip r:embed="rId2">
+              <a:extLst>
+                <a:ext uri="{28A0092B-C50C-407E-A947-70E740481C1C}">
+                  <a14:useLocalDpi xmlns:a14="http://schemas.microsoft.com/office/drawing/2010/main" val="0"/>
+                </a:ext>
+              </a:extLst>
+            </a:blip>
+            <a:stretch>
+              <a:fillRect/>
+            </a:stretch>
+          </p:blipFill>
+          <p:spPr>
+            <a:xfrm>
+              <a:off x="1178979" y="1486380"/>
+              <a:ext cx="407916" cy="469722"/>
+            </a:xfrm>
+            <a:prstGeom prst="rect">
+              <a:avLst/>
+            </a:prstGeom>
+          </p:spPr>
+        </p:pic>
+        <p:sp>
+          <p:nvSpPr>
+            <p:cNvPr id="8" name="TextBox 7"/>
+            <p:cNvSpPr txBox="1"/>
+            <p:nvPr/>
+          </p:nvSpPr>
+          <p:spPr>
+            <a:xfrm>
+              <a:off x="617216" y="1956102"/>
+              <a:ext cx="1769986" cy="553998"/>
+            </a:xfrm>
+            <a:prstGeom prst="rect">
+              <a:avLst/>
+            </a:prstGeom>
+            <a:noFill/>
+          </p:spPr>
+          <p:txBody>
+            <a:bodyPr wrap="none" rtlCol="0">
+              <a:spAutoFit/>
+            </a:bodyPr>
+            <a:lstStyle/>
+            <a:p>
+              <a:r>
+                <a:rPr lang="en-US" dirty="0" smtClean="0"/>
+                <a:t>Static website</a:t>
+              </a:r>
+            </a:p>
+            <a:p>
+              <a:r>
+                <a:rPr lang="en-US" sz="1200" dirty="0" err="1" smtClean="0"/>
+                <a:t>Nginx</a:t>
+              </a:r>
+              <a:r>
+                <a:rPr lang="en-US" sz="1200" dirty="0" smtClean="0"/>
+                <a:t> + bootstrap + </a:t>
+              </a:r>
+              <a:r>
+                <a:rPr lang="en-US" sz="1200" dirty="0" err="1" smtClean="0"/>
+                <a:t>jekyll</a:t>
+              </a:r>
+              <a:endParaRPr lang="en-US" sz="1200" dirty="0"/>
+            </a:p>
+          </p:txBody>
+        </p:sp>
+      </p:grpSp>
+      <p:grpSp>
+        <p:nvGrpSpPr>
+          <p:cNvPr id="12" name="Group 11"/>
+          <p:cNvGrpSpPr/>
+          <p:nvPr/>
+        </p:nvGrpSpPr>
+        <p:grpSpPr>
+          <a:xfrm>
+            <a:off x="2963836" y="2317809"/>
+            <a:ext cx="1517137" cy="971375"/>
+            <a:chOff x="2805843" y="2364665"/>
+            <a:chExt cx="1517137" cy="971375"/>
+          </a:xfrm>
+        </p:grpSpPr>
+        <p:pic>
+          <p:nvPicPr>
+            <p:cNvPr id="5" name="Picture 4"/>
+            <p:cNvPicPr>
+              <a:picLocks noChangeAspect="1"/>
+            </p:cNvPicPr>
+            <p:nvPr/>
+          </p:nvPicPr>
+          <p:blipFill>
+            <a:blip r:embed="rId3">
+              <a:extLst>
+                <a:ext uri="{28A0092B-C50C-407E-A947-70E740481C1C}">
+                  <a14:useLocalDpi xmlns:a14="http://schemas.microsoft.com/office/drawing/2010/main" val="0"/>
+                </a:ext>
+              </a:extLst>
+            </a:blip>
+            <a:stretch>
+              <a:fillRect/>
+            </a:stretch>
+          </p:blipFill>
+          <p:spPr>
+            <a:xfrm>
+              <a:off x="3311602" y="2364665"/>
+              <a:ext cx="410803" cy="473046"/>
+            </a:xfrm>
+            <a:prstGeom prst="rect">
+              <a:avLst/>
+            </a:prstGeom>
+          </p:spPr>
+        </p:pic>
+        <p:sp>
+          <p:nvSpPr>
+            <p:cNvPr id="9" name="TextBox 8"/>
+            <p:cNvSpPr txBox="1"/>
+            <p:nvPr/>
+          </p:nvSpPr>
+          <p:spPr>
+            <a:xfrm>
+              <a:off x="2805843" y="2782042"/>
+              <a:ext cx="1517137" cy="553998"/>
+            </a:xfrm>
+            <a:prstGeom prst="rect">
+              <a:avLst/>
+            </a:prstGeom>
+            <a:noFill/>
+          </p:spPr>
+          <p:txBody>
+            <a:bodyPr wrap="none" rtlCol="0">
+              <a:spAutoFit/>
+            </a:bodyPr>
+            <a:lstStyle/>
+            <a:p>
+              <a:r>
+                <a:rPr lang="en-US" dirty="0" smtClean="0"/>
+                <a:t>Queue</a:t>
+              </a:r>
+            </a:p>
+            <a:p>
+              <a:r>
+                <a:rPr lang="en-US" sz="1200" dirty="0" err="1" smtClean="0"/>
+                <a:t>Redis</a:t>
+              </a:r>
+              <a:r>
+                <a:rPr lang="en-US" sz="1200" dirty="0" smtClean="0"/>
+                <a:t> + </a:t>
+              </a:r>
+              <a:r>
+                <a:rPr lang="en-US" sz="1200" dirty="0" err="1" smtClean="0"/>
+                <a:t>redis</a:t>
+              </a:r>
+              <a:r>
+                <a:rPr lang="en-US" sz="1200" dirty="0" smtClean="0"/>
+                <a:t>-sentinel</a:t>
+              </a:r>
+              <a:endParaRPr lang="en-US" sz="1200" dirty="0"/>
+            </a:p>
+          </p:txBody>
+        </p:sp>
+      </p:grpSp>
+      <p:grpSp>
+        <p:nvGrpSpPr>
+          <p:cNvPr id="13" name="Group 12"/>
+          <p:cNvGrpSpPr/>
+          <p:nvPr/>
+        </p:nvGrpSpPr>
+        <p:grpSpPr>
+          <a:xfrm>
+            <a:off x="4952183" y="1939918"/>
+            <a:ext cx="1497676" cy="1023720"/>
+            <a:chOff x="4952183" y="1417638"/>
+            <a:chExt cx="1497676" cy="1023720"/>
+          </a:xfrm>
+        </p:grpSpPr>
+        <p:pic>
+          <p:nvPicPr>
+            <p:cNvPr id="6" name="Picture 5"/>
+            <p:cNvPicPr>
+              <a:picLocks noChangeAspect="1"/>
+            </p:cNvPicPr>
+            <p:nvPr/>
+          </p:nvPicPr>
+          <p:blipFill>
+            <a:blip r:embed="rId4">
+              <a:extLst>
+                <a:ext uri="{28A0092B-C50C-407E-A947-70E740481C1C}">
+                  <a14:useLocalDpi xmlns:a14="http://schemas.microsoft.com/office/drawing/2010/main" val="0"/>
+                </a:ext>
+              </a:extLst>
+            </a:blip>
+            <a:stretch>
+              <a:fillRect/>
+            </a:stretch>
+          </p:blipFill>
+          <p:spPr>
+            <a:xfrm>
+              <a:off x="5419796" y="1417638"/>
+              <a:ext cx="467613" cy="538464"/>
+            </a:xfrm>
+            <a:prstGeom prst="rect">
+              <a:avLst/>
+            </a:prstGeom>
+          </p:spPr>
+        </p:pic>
+        <p:sp>
+          <p:nvSpPr>
+            <p:cNvPr id="10" name="TextBox 9"/>
+            <p:cNvSpPr txBox="1"/>
+            <p:nvPr/>
+          </p:nvSpPr>
+          <p:spPr>
+            <a:xfrm>
+              <a:off x="4952183" y="1887360"/>
+              <a:ext cx="1497676" cy="553998"/>
+            </a:xfrm>
+            <a:prstGeom prst="rect">
+              <a:avLst/>
+            </a:prstGeom>
+            <a:noFill/>
+          </p:spPr>
+          <p:txBody>
+            <a:bodyPr wrap="none" rtlCol="0">
+              <a:spAutoFit/>
+            </a:bodyPr>
+            <a:lstStyle/>
+            <a:p>
+              <a:r>
+                <a:rPr lang="en-US" dirty="0" smtClean="0"/>
+                <a:t>Analytics</a:t>
+              </a:r>
+            </a:p>
+            <a:p>
+              <a:r>
+                <a:rPr lang="en-US" sz="1200" dirty="0" err="1" smtClean="0"/>
+                <a:t>Hadoop</a:t>
+              </a:r>
+              <a:r>
+                <a:rPr lang="en-US" sz="1200" dirty="0" smtClean="0"/>
+                <a:t> + pig + spark</a:t>
+              </a:r>
+              <a:endParaRPr lang="en-US" sz="1200" dirty="0"/>
+            </a:p>
+          </p:txBody>
+        </p:sp>
+      </p:grpSp>
+      <p:grpSp>
+        <p:nvGrpSpPr>
+          <p:cNvPr id="14" name="Group 13"/>
+          <p:cNvGrpSpPr/>
+          <p:nvPr/>
+        </p:nvGrpSpPr>
+        <p:grpSpPr>
+          <a:xfrm>
+            <a:off x="6770910" y="2359682"/>
+            <a:ext cx="2274982" cy="1009683"/>
+            <a:chOff x="6932710" y="2364665"/>
+            <a:chExt cx="2274982" cy="1009683"/>
+          </a:xfrm>
+        </p:grpSpPr>
+        <p:pic>
+          <p:nvPicPr>
+            <p:cNvPr id="7" name="Picture 6"/>
+            <p:cNvPicPr>
+              <a:picLocks noChangeAspect="1"/>
+            </p:cNvPicPr>
+            <p:nvPr/>
+          </p:nvPicPr>
+          <p:blipFill>
+            <a:blip r:embed="rId5">
+              <a:extLst>
+                <a:ext uri="{28A0092B-C50C-407E-A947-70E740481C1C}">
+                  <a14:useLocalDpi xmlns:a14="http://schemas.microsoft.com/office/drawing/2010/main" val="0"/>
+                </a:ext>
+              </a:extLst>
+            </a:blip>
+            <a:stretch>
+              <a:fillRect/>
+            </a:stretch>
+          </p:blipFill>
+          <p:spPr>
+            <a:xfrm>
+              <a:off x="7466840" y="2364665"/>
+              <a:ext cx="441561" cy="508465"/>
+            </a:xfrm>
+            <a:prstGeom prst="rect">
+              <a:avLst/>
+            </a:prstGeom>
+          </p:spPr>
+        </p:pic>
+        <p:sp>
+          <p:nvSpPr>
+            <p:cNvPr id="11" name="TextBox 10"/>
+            <p:cNvSpPr txBox="1"/>
+            <p:nvPr/>
+          </p:nvSpPr>
+          <p:spPr>
+            <a:xfrm>
+              <a:off x="6932710" y="2820350"/>
+              <a:ext cx="2274982" cy="553998"/>
+            </a:xfrm>
+            <a:prstGeom prst="rect">
+              <a:avLst/>
+            </a:prstGeom>
+            <a:noFill/>
+          </p:spPr>
+          <p:txBody>
+            <a:bodyPr wrap="none" rtlCol="0">
+              <a:spAutoFit/>
+            </a:bodyPr>
+            <a:lstStyle/>
+            <a:p>
+              <a:r>
+                <a:rPr lang="en-US" dirty="0" smtClean="0"/>
+                <a:t>Web API</a:t>
+              </a:r>
+            </a:p>
+            <a:p>
+              <a:r>
+                <a:rPr lang="en-US" sz="1200" dirty="0" smtClean="0"/>
+                <a:t>Python + flask + celery + </a:t>
+              </a:r>
+              <a:r>
+                <a:rPr lang="en-US" sz="1200" dirty="0" err="1" smtClean="0"/>
+                <a:t>postgres</a:t>
+              </a:r>
+              <a:endParaRPr lang="en-US" sz="1200" dirty="0"/>
+            </a:p>
+          </p:txBody>
+        </p:sp>
+      </p:grpSp>
+      <p:grpSp>
+        <p:nvGrpSpPr>
+          <p:cNvPr id="19" name="Group 18"/>
+          <p:cNvGrpSpPr/>
+          <p:nvPr/>
+        </p:nvGrpSpPr>
+        <p:grpSpPr>
+          <a:xfrm>
+            <a:off x="960729" y="5135365"/>
+            <a:ext cx="1666367" cy="1365678"/>
+            <a:chOff x="1127607" y="3957506"/>
+            <a:chExt cx="1666367" cy="1365678"/>
+          </a:xfrm>
+        </p:grpSpPr>
+        <p:pic>
+          <p:nvPicPr>
+            <p:cNvPr id="15" name="Picture 14" descr="Traditional-Servers.png"/>
+            <p:cNvPicPr>
+              <a:picLocks noChangeAspect="1"/>
+            </p:cNvPicPr>
+            <p:nvPr/>
+          </p:nvPicPr>
+          <p:blipFill>
+            <a:blip r:embed="rId6">
+              <a:extLst>
+                <a:ext uri="{28A0092B-C50C-407E-A947-70E740481C1C}">
+                  <a14:useLocalDpi xmlns:a14="http://schemas.microsoft.com/office/drawing/2010/main" val="0"/>
+                </a:ext>
+              </a:extLst>
+            </a:blip>
+            <a:stretch>
+              <a:fillRect/>
+            </a:stretch>
+          </p:blipFill>
+          <p:spPr>
+            <a:xfrm>
+              <a:off x="1378022" y="3957506"/>
+              <a:ext cx="731520" cy="731520"/>
+            </a:xfrm>
+            <a:prstGeom prst="rect">
+              <a:avLst/>
+            </a:prstGeom>
+          </p:spPr>
+        </p:pic>
+        <p:sp>
+          <p:nvSpPr>
+            <p:cNvPr id="17" name="TextBox 16"/>
+            <p:cNvSpPr txBox="1"/>
+            <p:nvPr/>
+          </p:nvSpPr>
+          <p:spPr>
+            <a:xfrm>
+              <a:off x="1127607" y="4676853"/>
+              <a:ext cx="1666367" cy="646331"/>
+            </a:xfrm>
+            <a:prstGeom prst="rect">
+              <a:avLst/>
+            </a:prstGeom>
+            <a:noFill/>
+          </p:spPr>
+          <p:txBody>
+            <a:bodyPr wrap="none" rtlCol="0">
+              <a:spAutoFit/>
+            </a:bodyPr>
+            <a:lstStyle/>
+            <a:p>
+              <a:r>
+                <a:rPr lang="en-US" dirty="0" smtClean="0"/>
+                <a:t>Development</a:t>
+              </a:r>
+            </a:p>
+            <a:p>
+              <a:r>
+                <a:rPr lang="en-US" dirty="0" smtClean="0"/>
+                <a:t>Virtual machine</a:t>
+              </a:r>
+              <a:endParaRPr lang="en-US" dirty="0"/>
+            </a:p>
+          </p:txBody>
+        </p:sp>
+      </p:grpSp>
+      <p:grpSp>
+        <p:nvGrpSpPr>
+          <p:cNvPr id="20" name="Group 19"/>
+          <p:cNvGrpSpPr/>
+          <p:nvPr/>
+        </p:nvGrpSpPr>
+        <p:grpSpPr>
+          <a:xfrm>
+            <a:off x="2650772" y="4840599"/>
+            <a:ext cx="1110926" cy="1088679"/>
+            <a:chOff x="1127607" y="3957506"/>
+            <a:chExt cx="1110926" cy="1088679"/>
+          </a:xfrm>
+        </p:grpSpPr>
+        <p:pic>
+          <p:nvPicPr>
+            <p:cNvPr id="21" name="Picture 20" descr="Traditional-Servers.png"/>
+            <p:cNvPicPr>
+              <a:picLocks noChangeAspect="1"/>
+            </p:cNvPicPr>
+            <p:nvPr/>
+          </p:nvPicPr>
+          <p:blipFill>
+            <a:blip r:embed="rId6">
+              <a:extLst>
+                <a:ext uri="{28A0092B-C50C-407E-A947-70E740481C1C}">
+                  <a14:useLocalDpi xmlns:a14="http://schemas.microsoft.com/office/drawing/2010/main" val="0"/>
+                </a:ext>
+              </a:extLst>
+            </a:blip>
+            <a:stretch>
+              <a:fillRect/>
+            </a:stretch>
+          </p:blipFill>
+          <p:spPr>
+            <a:xfrm>
+              <a:off x="1378022" y="3957506"/>
+              <a:ext cx="731520" cy="731520"/>
+            </a:xfrm>
+            <a:prstGeom prst="rect">
+              <a:avLst/>
+            </a:prstGeom>
+          </p:spPr>
+        </p:pic>
+        <p:sp>
+          <p:nvSpPr>
+            <p:cNvPr id="22" name="TextBox 21"/>
+            <p:cNvSpPr txBox="1"/>
+            <p:nvPr/>
+          </p:nvSpPr>
+          <p:spPr>
+            <a:xfrm>
+              <a:off x="1127607" y="4676853"/>
+              <a:ext cx="1110926" cy="369332"/>
+            </a:xfrm>
+            <a:prstGeom prst="rect">
+              <a:avLst/>
+            </a:prstGeom>
+            <a:noFill/>
+          </p:spPr>
+          <p:txBody>
+            <a:bodyPr wrap="none" rtlCol="0">
+              <a:spAutoFit/>
+            </a:bodyPr>
+            <a:lstStyle/>
+            <a:p>
+              <a:r>
+                <a:rPr lang="en-US" dirty="0" smtClean="0"/>
+                <a:t>QA server</a:t>
+              </a:r>
+              <a:endParaRPr lang="en-US" dirty="0"/>
+            </a:p>
+          </p:txBody>
+        </p:sp>
+      </p:grpSp>
+      <p:sp>
+        <p:nvSpPr>
+          <p:cNvPr id="25" name="TextBox 24"/>
+          <p:cNvSpPr txBox="1"/>
+          <p:nvPr/>
+        </p:nvSpPr>
+        <p:spPr>
+          <a:xfrm>
+            <a:off x="5553021" y="5399911"/>
+            <a:ext cx="1217889" cy="646331"/>
+          </a:xfrm>
+          <a:prstGeom prst="rect">
+            <a:avLst/>
+          </a:prstGeom>
+          <a:noFill/>
+        </p:spPr>
+        <p:txBody>
+          <a:bodyPr wrap="none" rtlCol="0">
+            <a:spAutoFit/>
           </a:bodyPr>
           <a:lstStyle/>
           <a:p>
             <a:r>
               <a:rPr lang="en-US" dirty="0" smtClean="0"/>
-              <a:t>Homework</a:t>
+              <a:t>Production</a:t>
+            </a:r>
+          </a:p>
+          <a:p>
+            <a:r>
+              <a:rPr lang="en-US" dirty="0" smtClean="0"/>
+              <a:t>servers</a:t>
             </a:r>
             <a:endParaRPr lang="en-US" dirty="0"/>
           </a:p>
         </p:txBody>
       </p:sp>
-      <p:sp>
-        <p:nvSpPr>
-          <p:cNvPr id="3" name="Content Placeholder 2"/>
+      <p:grpSp>
+        <p:nvGrpSpPr>
+          <p:cNvPr id="33" name="Group 32"/>
+          <p:cNvGrpSpPr/>
+          <p:nvPr/>
+        </p:nvGrpSpPr>
+        <p:grpSpPr>
+          <a:xfrm>
+            <a:off x="4016049" y="5679705"/>
+            <a:ext cx="1317075" cy="1072467"/>
+            <a:chOff x="1654009" y="5237215"/>
+            <a:chExt cx="1317075" cy="1072467"/>
+          </a:xfrm>
+        </p:grpSpPr>
+        <p:pic>
+          <p:nvPicPr>
+            <p:cNvPr id="29" name="Picture 28" descr="AWS-Cloud.png"/>
+            <p:cNvPicPr>
+              <a:picLocks noChangeAspect="1"/>
+            </p:cNvPicPr>
+            <p:nvPr/>
+          </p:nvPicPr>
+          <p:blipFill>
+            <a:blip r:embed="rId7">
+              <a:extLst>
+                <a:ext uri="{28A0092B-C50C-407E-A947-70E740481C1C}">
+                  <a14:useLocalDpi xmlns:a14="http://schemas.microsoft.com/office/drawing/2010/main" val="0"/>
+                </a:ext>
+              </a:extLst>
+            </a:blip>
+            <a:stretch>
+              <a:fillRect/>
+            </a:stretch>
+          </p:blipFill>
+          <p:spPr>
+            <a:xfrm>
+              <a:off x="1946787" y="5237215"/>
+              <a:ext cx="731520" cy="731520"/>
+            </a:xfrm>
+            <a:prstGeom prst="rect">
+              <a:avLst/>
+            </a:prstGeom>
+          </p:spPr>
+        </p:pic>
+        <p:sp>
+          <p:nvSpPr>
+            <p:cNvPr id="30" name="TextBox 29"/>
+            <p:cNvSpPr txBox="1"/>
+            <p:nvPr/>
+          </p:nvSpPr>
+          <p:spPr>
+            <a:xfrm>
+              <a:off x="1654009" y="5940350"/>
+              <a:ext cx="1317075" cy="369332"/>
+            </a:xfrm>
+            <a:prstGeom prst="rect">
+              <a:avLst/>
+            </a:prstGeom>
+            <a:noFill/>
+          </p:spPr>
+          <p:txBody>
+            <a:bodyPr wrap="none" rtlCol="0">
+              <a:spAutoFit/>
+            </a:bodyPr>
+            <a:lstStyle/>
+            <a:p>
+              <a:r>
+                <a:rPr lang="en-US" dirty="0" smtClean="0"/>
+                <a:t>Public cloud</a:t>
+              </a:r>
+              <a:endParaRPr lang="en-US" dirty="0"/>
+            </a:p>
+          </p:txBody>
+        </p:sp>
+      </p:grpSp>
+      <p:grpSp>
+        <p:nvGrpSpPr>
+          <p:cNvPr id="32" name="Group 31"/>
+          <p:cNvGrpSpPr/>
+          <p:nvPr/>
+        </p:nvGrpSpPr>
+        <p:grpSpPr>
+          <a:xfrm>
+            <a:off x="7446901" y="4960358"/>
+            <a:ext cx="1151953" cy="1365678"/>
+            <a:chOff x="6449859" y="3871537"/>
+            <a:chExt cx="1151953" cy="1365678"/>
+          </a:xfrm>
+        </p:grpSpPr>
+        <p:pic>
+          <p:nvPicPr>
+            <p:cNvPr id="16" name="Picture 15" descr="AWS-Management-Console.png"/>
+            <p:cNvPicPr>
+              <a:picLocks noChangeAspect="1"/>
+            </p:cNvPicPr>
+            <p:nvPr/>
+          </p:nvPicPr>
+          <p:blipFill>
+            <a:blip r:embed="rId8">
+              <a:extLst>
+                <a:ext uri="{28A0092B-C50C-407E-A947-70E740481C1C}">
+                  <a14:useLocalDpi xmlns:a14="http://schemas.microsoft.com/office/drawing/2010/main" val="0"/>
+                </a:ext>
+              </a:extLst>
+            </a:blip>
+            <a:stretch>
+              <a:fillRect/>
+            </a:stretch>
+          </p:blipFill>
+          <p:spPr>
+            <a:xfrm>
+              <a:off x="6573520" y="3871537"/>
+              <a:ext cx="731520" cy="731520"/>
+            </a:xfrm>
+            <a:prstGeom prst="rect">
+              <a:avLst/>
+            </a:prstGeom>
+          </p:spPr>
+        </p:pic>
+        <p:sp>
+          <p:nvSpPr>
+            <p:cNvPr id="31" name="TextBox 30"/>
+            <p:cNvSpPr txBox="1"/>
+            <p:nvPr/>
+          </p:nvSpPr>
+          <p:spPr>
+            <a:xfrm>
+              <a:off x="6449859" y="4590884"/>
+              <a:ext cx="1151953" cy="646331"/>
+            </a:xfrm>
+            <a:prstGeom prst="rect">
+              <a:avLst/>
+            </a:prstGeom>
+            <a:noFill/>
+          </p:spPr>
+          <p:txBody>
+            <a:bodyPr wrap="none" rtlCol="0">
+              <a:spAutoFit/>
+            </a:bodyPr>
+            <a:lstStyle/>
+            <a:p>
+              <a:r>
+                <a:rPr lang="en-US" dirty="0" smtClean="0"/>
+                <a:t>Developer</a:t>
+              </a:r>
+            </a:p>
+            <a:p>
+              <a:r>
+                <a:rPr lang="en-US" dirty="0" smtClean="0"/>
+                <a:t>laptop</a:t>
+              </a:r>
+              <a:endParaRPr lang="en-US" dirty="0"/>
+            </a:p>
+          </p:txBody>
+        </p:sp>
+      </p:grpSp>
+      <p:sp>
+        <p:nvSpPr>
+          <p:cNvPr id="36" name="TextBox 35"/>
+          <p:cNvSpPr txBox="1"/>
+          <p:nvPr/>
+        </p:nvSpPr>
+        <p:spPr>
+          <a:xfrm>
+            <a:off x="610430" y="1417638"/>
+            <a:ext cx="3510847" cy="830997"/>
+          </a:xfrm>
+          <a:prstGeom prst="rect">
+            <a:avLst/>
+          </a:prstGeom>
+          <a:noFill/>
+        </p:spPr>
+        <p:txBody>
+          <a:bodyPr wrap="none" rtlCol="0">
+            <a:spAutoFit/>
+          </a:bodyPr>
+          <a:lstStyle/>
+          <a:p>
+            <a:r>
+              <a:rPr lang="en-US" sz="2400" dirty="0" smtClean="0"/>
+              <a:t>Many different application </a:t>
+            </a:r>
+          </a:p>
+          <a:p>
+            <a:r>
+              <a:rPr lang="en-US" sz="2400" dirty="0" smtClean="0"/>
+              <a:t>stacks</a:t>
+            </a:r>
+            <a:endParaRPr lang="en-US" sz="2400" dirty="0"/>
+          </a:p>
+        </p:txBody>
+      </p:sp>
+      <p:sp>
+        <p:nvSpPr>
+          <p:cNvPr id="38" name="TextBox 37"/>
+          <p:cNvSpPr txBox="1"/>
+          <p:nvPr/>
+        </p:nvSpPr>
+        <p:spPr>
+          <a:xfrm>
+            <a:off x="698594" y="3998446"/>
+            <a:ext cx="3331711" cy="830997"/>
+          </a:xfrm>
+          <a:prstGeom prst="rect">
+            <a:avLst/>
+          </a:prstGeom>
+          <a:noFill/>
+        </p:spPr>
+        <p:txBody>
+          <a:bodyPr wrap="none" rtlCol="0">
+            <a:spAutoFit/>
+          </a:bodyPr>
+          <a:lstStyle/>
+          <a:p>
+            <a:r>
+              <a:rPr lang="en-US" sz="2400" dirty="0" smtClean="0"/>
+              <a:t>Many different hardware </a:t>
+            </a:r>
+          </a:p>
+          <a:p>
+            <a:r>
+              <a:rPr lang="en-US" sz="2400" dirty="0" smtClean="0"/>
+              <a:t>environments</a:t>
+            </a:r>
+            <a:endParaRPr lang="en-US" sz="2400" dirty="0"/>
+          </a:p>
+        </p:txBody>
+      </p:sp>
+      <p:sp>
+        <p:nvSpPr>
+          <p:cNvPr id="40" name="Quad Arrow 39"/>
+          <p:cNvSpPr/>
+          <p:nvPr/>
+        </p:nvSpPr>
+        <p:spPr>
+          <a:xfrm rot="2800557">
+            <a:off x="4157340" y="3389822"/>
+            <a:ext cx="1110969" cy="1149641"/>
+          </a:xfrm>
+          <a:prstGeom prst="quadArrow">
+            <a:avLst>
+              <a:gd name="adj1" fmla="val 10417"/>
+              <a:gd name="adj2" fmla="val 15195"/>
+              <a:gd name="adj3" fmla="val 22500"/>
+            </a:avLst>
+          </a:prstGeom>
+        </p:spPr>
+        <p:style>
+          <a:lnRef idx="1">
+            <a:schemeClr val="accent1"/>
+          </a:lnRef>
+          <a:fillRef idx="3">
+            <a:schemeClr val="accent1"/>
+          </a:fillRef>
+          <a:effectRef idx="2">
+            <a:schemeClr val="accent1"/>
+          </a:effectRef>
+          <a:fontRef idx="minor">
+            <a:schemeClr val="lt1"/>
+          </a:fontRef>
+        </p:style>
+        <p:txBody>
+          <a:bodyPr rtlCol="0" anchor="ctr"/>
+          <a:lstStyle/>
+          <a:p>
+            <a:pPr algn="ctr"/>
+            <a:endParaRPr lang="en-US"/>
+          </a:p>
+        </p:txBody>
+      </p:sp>
+      <p:pic>
+        <p:nvPicPr>
+          <p:cNvPr id="41" name="Picture 40" descr="Forums.png"/>
+          <p:cNvPicPr>
+            <a:picLocks noChangeAspect="1"/>
+          </p:cNvPicPr>
+          <p:nvPr/>
+        </p:nvPicPr>
+        <p:blipFill>
+          <a:blip r:embed="rId9">
+            <a:extLst>
+              <a:ext uri="{28A0092B-C50C-407E-A947-70E740481C1C}">
+                <a14:useLocalDpi xmlns:a14="http://schemas.microsoft.com/office/drawing/2010/main" val="0"/>
+              </a:ext>
+            </a:extLst>
+          </a:blip>
+          <a:stretch>
+            <a:fillRect/>
+          </a:stretch>
+        </p:blipFill>
+        <p:spPr>
+          <a:xfrm>
+            <a:off x="5718339" y="4668391"/>
+            <a:ext cx="731520" cy="731520"/>
+          </a:xfrm>
+          <a:prstGeom prst="rect">
+            <a:avLst/>
+          </a:prstGeom>
+        </p:spPr>
+      </p:pic>
+    </p:spTree>
+    <p:extLst>
+      <p:ext uri="{BB962C8B-B14F-4D97-AF65-F5344CB8AC3E}">
+        <p14:creationId xmlns:p14="http://schemas.microsoft.com/office/powerpoint/2010/main" val="3695844306"/>
+      </p:ext>
+    </p:extLst>
+  </p:cSld>
+  <p:clrMapOvr>
+    <a:masterClrMapping/>
+  </p:clrMapOvr>
+</p:sld>
+</file>
+
+<file path=ppt/slides/slide4.xml><?xml version="1.0" encoding="utf-8"?>
+<p:sld xmlns:a="http://schemas.openxmlformats.org/drawingml/2006/main" xmlns:r="http://schemas.openxmlformats.org/officeDocument/2006/relationships" xmlns:p="http://schemas.openxmlformats.org/presentationml/2006/main">
+  <p:cSld>
+    <p:spTree>
+      <p:nvGrpSpPr>
+        <p:cNvPr id="1" name=""/>
+        <p:cNvGrpSpPr/>
+        <p:nvPr/>
+      </p:nvGrpSpPr>
+      <p:grpSpPr>
+        <a:xfrm>
+          <a:off x="0" y="0"/>
+          <a:ext cx="0" cy="0"/>
+          <a:chOff x="0" y="0"/>
+          <a:chExt cx="0" cy="0"/>
+        </a:xfrm>
+      </p:grpSpPr>
+      <p:sp>
+        <p:nvSpPr>
+          <p:cNvPr id="2" name="Title 1"/>
           <p:cNvSpPr>
             <a:spLocks noGrp="1"/>
           </p:cNvSpPr>
           <p:nvPr>
-            <p:ph idx="1"/>
+            <p:ph type="title"/>
           </p:nvPr>
         </p:nvSpPr>
+        <p:spPr/>
+        <p:txBody>
+          <a:bodyPr/>
+          <a:lstStyle/>
+          <a:p>
+            <a:r>
+              <a:rPr lang="en-US" dirty="0" smtClean="0"/>
+              <a:t>IT Service Matrix</a:t>
+            </a:r>
+            <a:endParaRPr lang="en-US" dirty="0"/>
+          </a:p>
+        </p:txBody>
+      </p:sp>
+      <p:graphicFrame>
+        <p:nvGraphicFramePr>
+          <p:cNvPr id="4" name="Table 3"/>
+          <p:cNvGraphicFramePr>
+            <a:graphicFrameLocks noGrp="1"/>
+          </p:cNvGraphicFramePr>
+          <p:nvPr>
+            <p:extLst>
+              <p:ext uri="{D42A27DB-BD31-4B8C-83A1-F6EECF244321}">
+                <p14:modId xmlns:p14="http://schemas.microsoft.com/office/powerpoint/2010/main" val="3965471001"/>
+              </p:ext>
+            </p:extLst>
+          </p:nvPr>
+        </p:nvGraphicFramePr>
+        <p:xfrm>
+          <a:off x="961434" y="1631301"/>
+          <a:ext cx="7725366" cy="4037485"/>
+        </p:xfrm>
+        <a:graphic>
+          <a:graphicData uri="http://schemas.openxmlformats.org/drawingml/2006/table">
+            <a:tbl>
+              <a:tblPr firstRow="1" bandRow="1">
+                <a:tableStyleId>{5940675A-B579-460E-94D1-54222C63F5DA}</a:tableStyleId>
+              </a:tblPr>
+              <a:tblGrid>
+                <a:gridCol w="1287561"/>
+                <a:gridCol w="1287561"/>
+                <a:gridCol w="1287561"/>
+                <a:gridCol w="1287561"/>
+                <a:gridCol w="1287561"/>
+                <a:gridCol w="1287561"/>
+              </a:tblGrid>
+              <a:tr h="800389">
+                <a:tc>
+                  <a:txBody>
+                    <a:bodyPr/>
+                    <a:lstStyle/>
+                    <a:p>
+                      <a:pPr algn="ctr"/>
+                      <a:endParaRPr lang="en-US" sz="1400" dirty="0" smtClean="0"/>
+                    </a:p>
+                    <a:p>
+                      <a:pPr algn="ctr"/>
+                      <a:r>
+                        <a:rPr lang="en-US" sz="1400" dirty="0" smtClean="0"/>
+                        <a:t>Static website</a:t>
+                      </a:r>
+                      <a:endParaRPr lang="en-US" sz="1400" dirty="0"/>
+                    </a:p>
+                  </a:txBody>
+                  <a:tcPr>
+                    <a:solidFill>
+                      <a:schemeClr val="bg2">
+                        <a:lumMod val="90000"/>
+                      </a:schemeClr>
+                    </a:solidFill>
+                  </a:tcPr>
+                </a:tc>
+                <a:tc>
+                  <a:txBody>
+                    <a:bodyPr/>
+                    <a:lstStyle/>
+                    <a:p>
+                      <a:r>
+                        <a:rPr lang="en-US" dirty="0" smtClean="0"/>
+                        <a:t>        </a:t>
+                      </a:r>
+                      <a:r>
+                        <a:rPr lang="en-US" sz="4000" dirty="0" smtClean="0"/>
+                        <a:t>?</a:t>
+                      </a:r>
+                      <a:endParaRPr lang="en-US" sz="4000" dirty="0"/>
+                    </a:p>
+                  </a:txBody>
+                  <a:tcPr/>
+                </a:tc>
+                <a:tc>
+                  <a:txBody>
+                    <a:bodyPr/>
+                    <a:lstStyle/>
+                    <a:p>
+                      <a:r>
+                        <a:rPr lang="en-US" dirty="0" smtClean="0"/>
+                        <a:t>        </a:t>
+                      </a:r>
+                      <a:r>
+                        <a:rPr lang="en-US" sz="4000" dirty="0" smtClean="0"/>
+                        <a:t>?</a:t>
+                      </a:r>
+                      <a:endParaRPr lang="en-US" dirty="0"/>
+                    </a:p>
+                  </a:txBody>
+                  <a:tcPr/>
+                </a:tc>
+                <a:tc>
+                  <a:txBody>
+                    <a:bodyPr/>
+                    <a:lstStyle/>
+                    <a:p>
+                      <a:r>
+                        <a:rPr lang="en-US" dirty="0" smtClean="0"/>
+                        <a:t>        </a:t>
+                      </a:r>
+                      <a:r>
+                        <a:rPr lang="en-US" sz="4000" dirty="0" smtClean="0"/>
+                        <a:t>?</a:t>
+                      </a:r>
+                      <a:endParaRPr lang="en-US" dirty="0"/>
+                    </a:p>
+                  </a:txBody>
+                  <a:tcPr/>
+                </a:tc>
+                <a:tc>
+                  <a:txBody>
+                    <a:bodyPr/>
+                    <a:lstStyle/>
+                    <a:p>
+                      <a:r>
+                        <a:rPr lang="en-US" dirty="0" smtClean="0"/>
+                        <a:t>        </a:t>
+                      </a:r>
+                      <a:r>
+                        <a:rPr lang="en-US" sz="4000" dirty="0" smtClean="0"/>
+                        <a:t>?</a:t>
+                      </a:r>
+                      <a:endParaRPr lang="en-US" dirty="0"/>
+                    </a:p>
+                  </a:txBody>
+                  <a:tcPr/>
+                </a:tc>
+                <a:tc>
+                  <a:txBody>
+                    <a:bodyPr/>
+                    <a:lstStyle/>
+                    <a:p>
+                      <a:r>
+                        <a:rPr lang="en-US" dirty="0" smtClean="0"/>
+                        <a:t>        </a:t>
+                      </a:r>
+                      <a:r>
+                        <a:rPr lang="en-US" sz="4000" dirty="0" smtClean="0"/>
+                        <a:t>?</a:t>
+                      </a:r>
+                      <a:endParaRPr lang="en-US" dirty="0"/>
+                    </a:p>
+                  </a:txBody>
+                  <a:tcPr/>
+                </a:tc>
+              </a:tr>
+              <a:tr h="604010">
+                <a:tc>
+                  <a:txBody>
+                    <a:bodyPr/>
+                    <a:lstStyle/>
+                    <a:p>
+                      <a:endParaRPr lang="en-US" sz="1400" dirty="0" smtClean="0"/>
+                    </a:p>
+                    <a:p>
+                      <a:r>
+                        <a:rPr lang="en-US" sz="1400" dirty="0" smtClean="0"/>
+                        <a:t>Queue</a:t>
+                      </a:r>
+                    </a:p>
+                    <a:p>
+                      <a:endParaRPr lang="en-US" sz="1400" dirty="0" smtClean="0"/>
+                    </a:p>
+                  </a:txBody>
+                  <a:tcPr>
+                    <a:solidFill>
+                      <a:schemeClr val="bg2">
+                        <a:lumMod val="90000"/>
+                      </a:schemeClr>
+                    </a:solidFill>
+                  </a:tcPr>
+                </a:tc>
+                <a:tc>
+                  <a:txBody>
+                    <a:bodyPr/>
+                    <a:lstStyle/>
+                    <a:p>
+                      <a:r>
+                        <a:rPr lang="en-US" dirty="0" smtClean="0"/>
+                        <a:t>        </a:t>
+                      </a:r>
+                      <a:r>
+                        <a:rPr lang="en-US" sz="4000" dirty="0" smtClean="0"/>
+                        <a:t>?</a:t>
+                      </a:r>
+                      <a:endParaRPr lang="en-US" dirty="0"/>
+                    </a:p>
+                  </a:txBody>
+                  <a:tcPr/>
+                </a:tc>
+                <a:tc>
+                  <a:txBody>
+                    <a:bodyPr/>
+                    <a:lstStyle/>
+                    <a:p>
+                      <a:r>
+                        <a:rPr lang="en-US" dirty="0" smtClean="0"/>
+                        <a:t>        </a:t>
+                      </a:r>
+                      <a:r>
+                        <a:rPr lang="en-US" sz="4000" dirty="0" smtClean="0"/>
+                        <a:t>?</a:t>
+                      </a:r>
+                      <a:endParaRPr lang="en-US" dirty="0"/>
+                    </a:p>
+                  </a:txBody>
+                  <a:tcPr/>
+                </a:tc>
+                <a:tc>
+                  <a:txBody>
+                    <a:bodyPr/>
+                    <a:lstStyle/>
+                    <a:p>
+                      <a:r>
+                        <a:rPr lang="en-US" dirty="0" smtClean="0"/>
+                        <a:t>        </a:t>
+                      </a:r>
+                      <a:r>
+                        <a:rPr lang="en-US" sz="4000" dirty="0" smtClean="0"/>
+                        <a:t>?</a:t>
+                      </a:r>
+                      <a:endParaRPr lang="en-US" dirty="0"/>
+                    </a:p>
+                  </a:txBody>
+                  <a:tcPr/>
+                </a:tc>
+                <a:tc>
+                  <a:txBody>
+                    <a:bodyPr/>
+                    <a:lstStyle/>
+                    <a:p>
+                      <a:r>
+                        <a:rPr lang="en-US" dirty="0" smtClean="0"/>
+                        <a:t>        </a:t>
+                      </a:r>
+                      <a:r>
+                        <a:rPr lang="en-US" sz="4000" dirty="0" smtClean="0"/>
+                        <a:t>?</a:t>
+                      </a:r>
+                      <a:endParaRPr lang="en-US" dirty="0"/>
+                    </a:p>
+                  </a:txBody>
+                  <a:tcPr/>
+                </a:tc>
+                <a:tc>
+                  <a:txBody>
+                    <a:bodyPr/>
+                    <a:lstStyle/>
+                    <a:p>
+                      <a:r>
+                        <a:rPr lang="en-US" dirty="0" smtClean="0"/>
+                        <a:t>        </a:t>
+                      </a:r>
+                      <a:r>
+                        <a:rPr lang="en-US" sz="4000" dirty="0" smtClean="0"/>
+                        <a:t>?</a:t>
+                      </a:r>
+                      <a:endParaRPr lang="en-US" dirty="0"/>
+                    </a:p>
+                  </a:txBody>
+                  <a:tcPr/>
+                </a:tc>
+              </a:tr>
+              <a:tr h="604010">
+                <a:tc>
+                  <a:txBody>
+                    <a:bodyPr/>
+                    <a:lstStyle/>
+                    <a:p>
+                      <a:endParaRPr lang="en-US" sz="1400" dirty="0" smtClean="0"/>
+                    </a:p>
+                    <a:p>
+                      <a:r>
+                        <a:rPr lang="en-US" sz="1400" dirty="0" smtClean="0"/>
+                        <a:t>Analytics</a:t>
+                      </a:r>
+                    </a:p>
+                    <a:p>
+                      <a:endParaRPr lang="en-US" sz="1400" dirty="0" smtClean="0"/>
+                    </a:p>
+                  </a:txBody>
+                  <a:tcPr>
+                    <a:solidFill>
+                      <a:schemeClr val="bg2">
+                        <a:lumMod val="90000"/>
+                      </a:schemeClr>
+                    </a:solidFill>
+                  </a:tcPr>
+                </a:tc>
+                <a:tc>
+                  <a:txBody>
+                    <a:bodyPr/>
+                    <a:lstStyle/>
+                    <a:p>
+                      <a:r>
+                        <a:rPr lang="en-US" dirty="0" smtClean="0"/>
+                        <a:t>        </a:t>
+                      </a:r>
+                      <a:r>
+                        <a:rPr lang="en-US" sz="4000" dirty="0" smtClean="0"/>
+                        <a:t>?</a:t>
+                      </a:r>
+                      <a:endParaRPr lang="en-US" dirty="0"/>
+                    </a:p>
+                  </a:txBody>
+                  <a:tcPr/>
+                </a:tc>
+                <a:tc>
+                  <a:txBody>
+                    <a:bodyPr/>
+                    <a:lstStyle/>
+                    <a:p>
+                      <a:r>
+                        <a:rPr lang="en-US" dirty="0" smtClean="0"/>
+                        <a:t>        </a:t>
+                      </a:r>
+                      <a:r>
+                        <a:rPr lang="en-US" sz="4000" dirty="0" smtClean="0"/>
+                        <a:t>?</a:t>
+                      </a:r>
+                      <a:endParaRPr lang="en-US" dirty="0"/>
+                    </a:p>
+                  </a:txBody>
+                  <a:tcPr/>
+                </a:tc>
+                <a:tc>
+                  <a:txBody>
+                    <a:bodyPr/>
+                    <a:lstStyle/>
+                    <a:p>
+                      <a:r>
+                        <a:rPr lang="en-US" dirty="0" smtClean="0"/>
+                        <a:t>        </a:t>
+                      </a:r>
+                      <a:r>
+                        <a:rPr lang="en-US" sz="4000" dirty="0" smtClean="0"/>
+                        <a:t>?</a:t>
+                      </a:r>
+                      <a:endParaRPr lang="en-US" dirty="0"/>
+                    </a:p>
+                  </a:txBody>
+                  <a:tcPr/>
+                </a:tc>
+                <a:tc>
+                  <a:txBody>
+                    <a:bodyPr/>
+                    <a:lstStyle/>
+                    <a:p>
+                      <a:r>
+                        <a:rPr lang="en-US" dirty="0" smtClean="0"/>
+                        <a:t>        </a:t>
+                      </a:r>
+                      <a:r>
+                        <a:rPr lang="en-US" sz="4000" dirty="0" smtClean="0"/>
+                        <a:t>?</a:t>
+                      </a:r>
+                      <a:endParaRPr lang="en-US" dirty="0"/>
+                    </a:p>
+                  </a:txBody>
+                  <a:tcPr/>
+                </a:tc>
+                <a:tc>
+                  <a:txBody>
+                    <a:bodyPr/>
+                    <a:lstStyle/>
+                    <a:p>
+                      <a:r>
+                        <a:rPr lang="en-US" dirty="0" smtClean="0"/>
+                        <a:t>        </a:t>
+                      </a:r>
+                      <a:r>
+                        <a:rPr lang="en-US" sz="4000" dirty="0" smtClean="0"/>
+                        <a:t>?</a:t>
+                      </a:r>
+                      <a:endParaRPr lang="en-US" dirty="0"/>
+                    </a:p>
+                  </a:txBody>
+                  <a:tcPr/>
+                </a:tc>
+              </a:tr>
+              <a:tr h="604010">
+                <a:tc>
+                  <a:txBody>
+                    <a:bodyPr/>
+                    <a:lstStyle/>
+                    <a:p>
+                      <a:endParaRPr lang="en-US" sz="1400" dirty="0" smtClean="0"/>
+                    </a:p>
+                    <a:p>
+                      <a:r>
+                        <a:rPr lang="en-US" sz="1400" dirty="0" smtClean="0"/>
+                        <a:t>Web</a:t>
+                      </a:r>
+                      <a:r>
+                        <a:rPr lang="en-US" sz="1400" baseline="0" dirty="0" smtClean="0"/>
+                        <a:t> API</a:t>
+                      </a:r>
+                    </a:p>
+                    <a:p>
+                      <a:endParaRPr lang="en-US" sz="1400" baseline="0" dirty="0" smtClean="0"/>
+                    </a:p>
+                  </a:txBody>
+                  <a:tcPr>
+                    <a:lnB w="12700" cap="flat" cmpd="sng" algn="ctr">
+                      <a:solidFill>
+                        <a:scrgbClr r="0" g="0" b="0"/>
+                      </a:solidFill>
+                      <a:prstDash val="solid"/>
+                      <a:round/>
+                      <a:headEnd type="none" w="med" len="med"/>
+                      <a:tailEnd type="none" w="med" len="med"/>
+                    </a:lnB>
+                    <a:solidFill>
+                      <a:schemeClr val="bg2">
+                        <a:lumMod val="90000"/>
+                      </a:schemeClr>
+                    </a:solidFill>
+                  </a:tcPr>
+                </a:tc>
+                <a:tc>
+                  <a:txBody>
+                    <a:bodyPr/>
+                    <a:lstStyle/>
+                    <a:p>
+                      <a:r>
+                        <a:rPr lang="en-US" dirty="0" smtClean="0"/>
+                        <a:t>        </a:t>
+                      </a:r>
+                      <a:r>
+                        <a:rPr lang="en-US" sz="4000" dirty="0" smtClean="0"/>
+                        <a:t>?</a:t>
+                      </a:r>
+                      <a:endParaRPr lang="en-US" dirty="0"/>
+                    </a:p>
+                  </a:txBody>
+                  <a:tcPr/>
+                </a:tc>
+                <a:tc>
+                  <a:txBody>
+                    <a:bodyPr/>
+                    <a:lstStyle/>
+                    <a:p>
+                      <a:r>
+                        <a:rPr lang="en-US" dirty="0" smtClean="0"/>
+                        <a:t>        </a:t>
+                      </a:r>
+                      <a:r>
+                        <a:rPr lang="en-US" sz="4000" dirty="0" smtClean="0"/>
+                        <a:t>?</a:t>
+                      </a:r>
+                      <a:endParaRPr lang="en-US" dirty="0"/>
+                    </a:p>
+                  </a:txBody>
+                  <a:tcPr/>
+                </a:tc>
+                <a:tc>
+                  <a:txBody>
+                    <a:bodyPr/>
+                    <a:lstStyle/>
+                    <a:p>
+                      <a:r>
+                        <a:rPr lang="en-US" dirty="0" smtClean="0"/>
+                        <a:t>        </a:t>
+                      </a:r>
+                      <a:r>
+                        <a:rPr lang="en-US" sz="4000" dirty="0" smtClean="0"/>
+                        <a:t>?</a:t>
+                      </a:r>
+                      <a:endParaRPr lang="en-US" dirty="0"/>
+                    </a:p>
+                  </a:txBody>
+                  <a:tcPr/>
+                </a:tc>
+                <a:tc>
+                  <a:txBody>
+                    <a:bodyPr/>
+                    <a:lstStyle/>
+                    <a:p>
+                      <a:r>
+                        <a:rPr lang="en-US" dirty="0" smtClean="0"/>
+                        <a:t>        </a:t>
+                      </a:r>
+                      <a:r>
+                        <a:rPr lang="en-US" sz="4000" dirty="0" smtClean="0"/>
+                        <a:t>?</a:t>
+                      </a:r>
+                      <a:endParaRPr lang="en-US" dirty="0"/>
+                    </a:p>
+                  </a:txBody>
+                  <a:tcPr/>
+                </a:tc>
+                <a:tc>
+                  <a:txBody>
+                    <a:bodyPr/>
+                    <a:lstStyle/>
+                    <a:p>
+                      <a:r>
+                        <a:rPr lang="en-US" dirty="0" smtClean="0"/>
+                        <a:t>        </a:t>
+                      </a:r>
+                      <a:r>
+                        <a:rPr lang="en-US" sz="4000" dirty="0" smtClean="0"/>
+                        <a:t>?</a:t>
+                      </a:r>
+                      <a:endParaRPr lang="en-US" dirty="0"/>
+                    </a:p>
+                  </a:txBody>
+                  <a:tcPr/>
+                </a:tc>
+              </a:tr>
+              <a:tr h="1042537">
+                <a:tc>
+                  <a:txBody>
+                    <a:bodyPr/>
+                    <a:lstStyle/>
+                    <a:p>
+                      <a:endParaRPr lang="en-US" dirty="0"/>
+                    </a:p>
+                  </a:txBody>
+                  <a:tcPr>
+                    <a:lnL w="12700" cap="flat" cmpd="sng" algn="ctr">
+                      <a:noFill/>
+                      <a:prstDash val="solid"/>
+                      <a:round/>
+                      <a:headEnd type="none" w="med" len="med"/>
+                      <a:tailEnd type="none" w="med" len="med"/>
+                    </a:lnL>
+                    <a:lnR w="12700" cap="flat" cmpd="sng" algn="ctr">
+                      <a:solidFill>
+                        <a:scrgbClr r="0" g="0" b="0"/>
+                      </a:solidFill>
+                      <a:prstDash val="solid"/>
+                      <a:round/>
+                      <a:headEnd type="none" w="med" len="med"/>
+                      <a:tailEnd type="none" w="med" len="med"/>
+                    </a:lnR>
+                    <a:lnT w="12700" cap="flat" cmpd="sng" algn="ctr">
+                      <a:solidFill>
+                        <a:scrgbClr r="0" g="0" b="0"/>
+                      </a:solidFill>
+                      <a:prstDash val="solid"/>
+                      <a:round/>
+                      <a:headEnd type="none" w="med" len="med"/>
+                      <a:tailEnd type="none" w="med" len="med"/>
+                    </a:lnT>
+                    <a:lnB w="12700" cap="flat" cmpd="sng" algn="ctr">
+                      <a:noFill/>
+                      <a:prstDash val="solid"/>
+                      <a:round/>
+                      <a:headEnd type="none" w="med" len="med"/>
+                      <a:tailEnd type="none" w="med" len="med"/>
+                    </a:lnB>
+                  </a:tcPr>
+                </a:tc>
+                <a:tc>
+                  <a:txBody>
+                    <a:bodyPr/>
+                    <a:lstStyle/>
+                    <a:p>
+                      <a:r>
+                        <a:rPr lang="en-US" sz="1400" dirty="0" smtClean="0"/>
+                        <a:t>Development VM</a:t>
+                      </a:r>
+                      <a:endParaRPr lang="en-US" sz="1400" dirty="0"/>
+                    </a:p>
+                  </a:txBody>
+                  <a:tcPr>
+                    <a:lnL w="12700" cap="flat" cmpd="sng" algn="ctr">
+                      <a:solidFill>
+                        <a:scrgbClr r="0" g="0" b="0"/>
+                      </a:solidFill>
+                      <a:prstDash val="solid"/>
+                      <a:round/>
+                      <a:headEnd type="none" w="med" len="med"/>
+                      <a:tailEnd type="none" w="med" len="med"/>
+                    </a:lnL>
+                    <a:solidFill>
+                      <a:schemeClr val="tx2">
+                        <a:lumMod val="20000"/>
+                        <a:lumOff val="80000"/>
+                      </a:schemeClr>
+                    </a:solidFill>
+                  </a:tcPr>
+                </a:tc>
+                <a:tc>
+                  <a:txBody>
+                    <a:bodyPr/>
+                    <a:lstStyle/>
+                    <a:p>
+                      <a:r>
+                        <a:rPr lang="en-US" sz="1400" dirty="0" smtClean="0"/>
+                        <a:t>QA Server</a:t>
+                      </a:r>
+                      <a:endParaRPr lang="en-US" sz="1400" dirty="0"/>
+                    </a:p>
+                  </a:txBody>
+                  <a:tcPr>
+                    <a:solidFill>
+                      <a:schemeClr val="tx2">
+                        <a:lumMod val="20000"/>
+                        <a:lumOff val="80000"/>
+                      </a:schemeClr>
+                    </a:solidFill>
+                  </a:tcPr>
+                </a:tc>
+                <a:tc>
+                  <a:txBody>
+                    <a:bodyPr/>
+                    <a:lstStyle/>
+                    <a:p>
+                      <a:r>
+                        <a:rPr lang="en-US" sz="1400" dirty="0" smtClean="0"/>
+                        <a:t>Public Cloud</a:t>
+                      </a:r>
+                      <a:endParaRPr lang="en-US" sz="1400" dirty="0"/>
+                    </a:p>
+                  </a:txBody>
+                  <a:tcPr>
+                    <a:solidFill>
+                      <a:schemeClr val="tx2">
+                        <a:lumMod val="20000"/>
+                        <a:lumOff val="80000"/>
+                      </a:schemeClr>
+                    </a:solidFill>
+                  </a:tcPr>
+                </a:tc>
+                <a:tc>
+                  <a:txBody>
+                    <a:bodyPr/>
+                    <a:lstStyle/>
+                    <a:p>
+                      <a:r>
+                        <a:rPr lang="en-US" sz="1400" dirty="0" smtClean="0"/>
+                        <a:t>Production servers</a:t>
+                      </a:r>
+                      <a:endParaRPr lang="en-US" sz="1400" dirty="0"/>
+                    </a:p>
+                  </a:txBody>
+                  <a:tcPr>
+                    <a:solidFill>
+                      <a:schemeClr val="tx2">
+                        <a:lumMod val="20000"/>
+                        <a:lumOff val="80000"/>
+                      </a:schemeClr>
+                    </a:solidFill>
+                  </a:tcPr>
+                </a:tc>
+                <a:tc>
+                  <a:txBody>
+                    <a:bodyPr/>
+                    <a:lstStyle/>
+                    <a:p>
+                      <a:r>
+                        <a:rPr lang="en-US" sz="1400" dirty="0" smtClean="0"/>
+                        <a:t>Developer laptop</a:t>
+                      </a:r>
+                      <a:endParaRPr lang="en-US" sz="1400" dirty="0"/>
+                    </a:p>
+                  </a:txBody>
+                  <a:tcPr>
+                    <a:solidFill>
+                      <a:schemeClr val="tx2">
+                        <a:lumMod val="20000"/>
+                        <a:lumOff val="80000"/>
+                      </a:schemeClr>
+                    </a:solidFill>
+                  </a:tcPr>
+                </a:tc>
+              </a:tr>
+            </a:tbl>
+          </a:graphicData>
+        </a:graphic>
+      </p:graphicFrame>
+      <p:pic>
+        <p:nvPicPr>
+          <p:cNvPr id="6" name="Picture 5"/>
+          <p:cNvPicPr>
+            <a:picLocks noChangeAspect="1"/>
+          </p:cNvPicPr>
+          <p:nvPr/>
+        </p:nvPicPr>
+        <p:blipFill>
+          <a:blip r:embed="rId2">
+            <a:extLst>
+              <a:ext uri="{28A0092B-C50C-407E-A947-70E740481C1C}">
+                <a14:useLocalDpi xmlns:a14="http://schemas.microsoft.com/office/drawing/2010/main" val="0"/>
+              </a:ext>
+            </a:extLst>
+          </a:blip>
+          <a:stretch>
+            <a:fillRect/>
+          </a:stretch>
+        </p:blipFill>
         <p:spPr>
           <a:xfrm>
-            <a:off x="457200" y="1600200"/>
-            <a:ext cx="8229600" cy="4920629"/>
-          </a:xfrm>
+            <a:off x="349710" y="1783121"/>
+            <a:ext cx="407916" cy="469722"/>
+          </a:xfrm>
+          <a:prstGeom prst="rect">
+            <a:avLst/>
+          </a:prstGeom>
         </p:spPr>
-        <p:txBody>
-          <a:bodyPr>
-            <a:normAutofit/>
-          </a:bodyPr>
-          <a:lstStyle/>
-          <a:p>
-            <a:r>
-              <a:rPr lang="en-US" dirty="0" smtClean="0"/>
-              <a:t>Assignment </a:t>
-            </a:r>
-            <a:r>
-              <a:rPr lang="en-US" dirty="0" smtClean="0"/>
-              <a:t>10</a:t>
-            </a:r>
-            <a:endParaRPr lang="en-US" dirty="0" smtClean="0"/>
-          </a:p>
-          <a:p>
-            <a:r>
-              <a:rPr lang="en-US" dirty="0" smtClean="0"/>
-              <a:t>Read </a:t>
-            </a:r>
-            <a:r>
-              <a:rPr lang="en-US" i="1" dirty="0" smtClean="0"/>
-              <a:t>Web Operations Chapter </a:t>
-            </a:r>
-            <a:r>
-              <a:rPr lang="en-US" i="1" dirty="0" smtClean="0"/>
-              <a:t>4 &amp; 10</a:t>
-            </a:r>
-            <a:endParaRPr lang="en-US" i="1" dirty="0" smtClean="0"/>
-          </a:p>
-          <a:p>
-            <a:r>
-              <a:rPr lang="en-US" dirty="0" smtClean="0"/>
-              <a:t>Read</a:t>
-            </a:r>
-            <a:r>
-              <a:rPr lang="en-US" i="1" dirty="0" smtClean="0"/>
-              <a:t> Practice of Cloud Systems Administration Chapter </a:t>
-            </a:r>
-            <a:r>
-              <a:rPr lang="en-US" i="1" dirty="0" smtClean="0"/>
-              <a:t>8</a:t>
-            </a:r>
-            <a:endParaRPr lang="en-US" dirty="0"/>
-          </a:p>
-          <a:p>
-            <a:endParaRPr lang="en-US" dirty="0" smtClean="0"/>
-          </a:p>
-        </p:txBody>
-      </p:sp>
+      </p:pic>
+      <p:pic>
+        <p:nvPicPr>
+          <p:cNvPr id="7" name="Picture 6"/>
+          <p:cNvPicPr>
+            <a:picLocks noChangeAspect="1"/>
+          </p:cNvPicPr>
+          <p:nvPr/>
+        </p:nvPicPr>
+        <p:blipFill>
+          <a:blip r:embed="rId3">
+            <a:extLst>
+              <a:ext uri="{28A0092B-C50C-407E-A947-70E740481C1C}">
+                <a14:useLocalDpi xmlns:a14="http://schemas.microsoft.com/office/drawing/2010/main" val="0"/>
+              </a:ext>
+            </a:extLst>
+          </a:blip>
+          <a:stretch>
+            <a:fillRect/>
+          </a:stretch>
+        </p:blipFill>
+        <p:spPr>
+          <a:xfrm>
+            <a:off x="346823" y="2554332"/>
+            <a:ext cx="410803" cy="473046"/>
+          </a:xfrm>
+          <a:prstGeom prst="rect">
+            <a:avLst/>
+          </a:prstGeom>
+        </p:spPr>
+      </p:pic>
+      <p:pic>
+        <p:nvPicPr>
+          <p:cNvPr id="8" name="Picture 7"/>
+          <p:cNvPicPr>
+            <a:picLocks noChangeAspect="1"/>
+          </p:cNvPicPr>
+          <p:nvPr/>
+        </p:nvPicPr>
+        <p:blipFill>
+          <a:blip r:embed="rId4">
+            <a:extLst>
+              <a:ext uri="{28A0092B-C50C-407E-A947-70E740481C1C}">
+                <a14:useLocalDpi xmlns:a14="http://schemas.microsoft.com/office/drawing/2010/main" val="0"/>
+              </a:ext>
+            </a:extLst>
+          </a:blip>
+          <a:stretch>
+            <a:fillRect/>
+          </a:stretch>
+        </p:blipFill>
+        <p:spPr>
+          <a:xfrm>
+            <a:off x="349711" y="3293121"/>
+            <a:ext cx="407916" cy="469722"/>
+          </a:xfrm>
+          <a:prstGeom prst="rect">
+            <a:avLst/>
+          </a:prstGeom>
+        </p:spPr>
+      </p:pic>
+      <p:pic>
+        <p:nvPicPr>
+          <p:cNvPr id="9" name="Picture 8"/>
+          <p:cNvPicPr>
+            <a:picLocks noChangeAspect="1"/>
+          </p:cNvPicPr>
+          <p:nvPr/>
+        </p:nvPicPr>
+        <p:blipFill>
+          <a:blip r:embed="rId5">
+            <a:extLst>
+              <a:ext uri="{28A0092B-C50C-407E-A947-70E740481C1C}">
+                <a14:useLocalDpi xmlns:a14="http://schemas.microsoft.com/office/drawing/2010/main" val="0"/>
+              </a:ext>
+            </a:extLst>
+          </a:blip>
+          <a:stretch>
+            <a:fillRect/>
+          </a:stretch>
+        </p:blipFill>
+        <p:spPr>
+          <a:xfrm>
+            <a:off x="349711" y="3985898"/>
+            <a:ext cx="407915" cy="469721"/>
+          </a:xfrm>
+          <a:prstGeom prst="rect">
+            <a:avLst/>
+          </a:prstGeom>
+        </p:spPr>
+      </p:pic>
+      <p:pic>
+        <p:nvPicPr>
+          <p:cNvPr id="10" name="Picture 9" descr="Traditional-Servers.png"/>
+          <p:cNvPicPr>
+            <a:picLocks noChangeAspect="1"/>
+          </p:cNvPicPr>
+          <p:nvPr/>
+        </p:nvPicPr>
+        <p:blipFill>
+          <a:blip r:embed="rId6">
+            <a:extLst>
+              <a:ext uri="{28A0092B-C50C-407E-A947-70E740481C1C}">
+                <a14:useLocalDpi xmlns:a14="http://schemas.microsoft.com/office/drawing/2010/main" val="0"/>
+              </a:ext>
+            </a:extLst>
+          </a:blip>
+          <a:stretch>
+            <a:fillRect/>
+          </a:stretch>
+        </p:blipFill>
+        <p:spPr>
+          <a:xfrm>
+            <a:off x="2552402" y="4937266"/>
+            <a:ext cx="731520" cy="731520"/>
+          </a:xfrm>
+          <a:prstGeom prst="rect">
+            <a:avLst/>
+          </a:prstGeom>
+        </p:spPr>
+      </p:pic>
+      <p:pic>
+        <p:nvPicPr>
+          <p:cNvPr id="11" name="Picture 10" descr="Traditional-Servers.png"/>
+          <p:cNvPicPr>
+            <a:picLocks noChangeAspect="1"/>
+          </p:cNvPicPr>
+          <p:nvPr/>
+        </p:nvPicPr>
+        <p:blipFill>
+          <a:blip r:embed="rId6">
+            <a:extLst>
+              <a:ext uri="{28A0092B-C50C-407E-A947-70E740481C1C}">
+                <a14:useLocalDpi xmlns:a14="http://schemas.microsoft.com/office/drawing/2010/main" val="0"/>
+              </a:ext>
+            </a:extLst>
+          </a:blip>
+          <a:stretch>
+            <a:fillRect/>
+          </a:stretch>
+        </p:blipFill>
+        <p:spPr>
+          <a:xfrm>
+            <a:off x="3703749" y="4937266"/>
+            <a:ext cx="731520" cy="731520"/>
+          </a:xfrm>
+          <a:prstGeom prst="rect">
+            <a:avLst/>
+          </a:prstGeom>
+        </p:spPr>
+      </p:pic>
+      <p:pic>
+        <p:nvPicPr>
+          <p:cNvPr id="12" name="Picture 11" descr="AWS-Cloud.png"/>
+          <p:cNvPicPr>
+            <a:picLocks noChangeAspect="1"/>
+          </p:cNvPicPr>
+          <p:nvPr/>
+        </p:nvPicPr>
+        <p:blipFill>
+          <a:blip r:embed="rId7">
+            <a:extLst>
+              <a:ext uri="{28A0092B-C50C-407E-A947-70E740481C1C}">
+                <a14:useLocalDpi xmlns:a14="http://schemas.microsoft.com/office/drawing/2010/main" val="0"/>
+              </a:ext>
+            </a:extLst>
+          </a:blip>
+          <a:stretch>
+            <a:fillRect/>
+          </a:stretch>
+        </p:blipFill>
+        <p:spPr>
+          <a:xfrm>
+            <a:off x="5040347" y="4937266"/>
+            <a:ext cx="731520" cy="731520"/>
+          </a:xfrm>
+          <a:prstGeom prst="rect">
+            <a:avLst/>
+          </a:prstGeom>
+        </p:spPr>
+      </p:pic>
+      <p:pic>
+        <p:nvPicPr>
+          <p:cNvPr id="13" name="Picture 12" descr="Forums.png"/>
+          <p:cNvPicPr>
+            <a:picLocks noChangeAspect="1"/>
+          </p:cNvPicPr>
+          <p:nvPr/>
+        </p:nvPicPr>
+        <p:blipFill>
+          <a:blip r:embed="rId8">
+            <a:extLst>
+              <a:ext uri="{28A0092B-C50C-407E-A947-70E740481C1C}">
+                <a14:useLocalDpi xmlns:a14="http://schemas.microsoft.com/office/drawing/2010/main" val="0"/>
+              </a:ext>
+            </a:extLst>
+          </a:blip>
+          <a:stretch>
+            <a:fillRect/>
+          </a:stretch>
+        </p:blipFill>
+        <p:spPr>
+          <a:xfrm>
+            <a:off x="6420028" y="5056700"/>
+            <a:ext cx="623308" cy="623308"/>
+          </a:xfrm>
+          <a:prstGeom prst="rect">
+            <a:avLst/>
+          </a:prstGeom>
+        </p:spPr>
+      </p:pic>
+      <p:pic>
+        <p:nvPicPr>
+          <p:cNvPr id="14" name="Picture 13" descr="AWS-Management-Console.png"/>
+          <p:cNvPicPr>
+            <a:picLocks noChangeAspect="1"/>
+          </p:cNvPicPr>
+          <p:nvPr/>
+        </p:nvPicPr>
+        <p:blipFill>
+          <a:blip r:embed="rId9">
+            <a:extLst>
+              <a:ext uri="{28A0092B-C50C-407E-A947-70E740481C1C}">
+                <a14:useLocalDpi xmlns:a14="http://schemas.microsoft.com/office/drawing/2010/main" val="0"/>
+              </a:ext>
+            </a:extLst>
+          </a:blip>
+          <a:stretch>
+            <a:fillRect/>
+          </a:stretch>
+        </p:blipFill>
+        <p:spPr>
+          <a:xfrm>
+            <a:off x="7678774" y="5056700"/>
+            <a:ext cx="623308" cy="623308"/>
+          </a:xfrm>
+          <a:prstGeom prst="rect">
+            <a:avLst/>
+          </a:prstGeom>
+        </p:spPr>
+      </p:pic>
     </p:spTree>
     <p:extLst>
       <p:ext uri="{BB962C8B-B14F-4D97-AF65-F5344CB8AC3E}">
-        <p14:creationId xmlns:p14="http://schemas.microsoft.com/office/powerpoint/2010/main" val="466271081"/>
+        <p14:creationId xmlns:p14="http://schemas.microsoft.com/office/powerpoint/2010/main" val="32395157"/>
+      </p:ext>
+    </p:extLst>
+  </p:cSld>
+  <p:clrMapOvr>
+    <a:masterClrMapping/>
+  </p:clrMapOvr>
+</p:sld>
+</file>
+
+<file path=ppt/slides/slide5.xml><?xml version="1.0" encoding="utf-8"?>
+<p:sld xmlns:a="http://schemas.openxmlformats.org/drawingml/2006/main" xmlns:r="http://schemas.openxmlformats.org/officeDocument/2006/relationships" xmlns:p="http://schemas.openxmlformats.org/presentationml/2006/main">
+  <p:cSld>
+    <p:spTree>
+      <p:nvGrpSpPr>
+        <p:cNvPr id="1" name=""/>
+        <p:cNvGrpSpPr/>
+        <p:nvPr/>
+      </p:nvGrpSpPr>
+      <p:grpSpPr>
+        <a:xfrm>
+          <a:off x="0" y="0"/>
+          <a:ext cx="0" cy="0"/>
+          <a:chOff x="0" y="0"/>
+          <a:chExt cx="0" cy="0"/>
+        </a:xfrm>
+      </p:grpSpPr>
+      <p:sp>
+        <p:nvSpPr>
+          <p:cNvPr id="39" name="Rectangle 38"/>
+          <p:cNvSpPr/>
+          <p:nvPr/>
+        </p:nvSpPr>
+        <p:spPr>
+          <a:xfrm>
+            <a:off x="0" y="3964642"/>
+            <a:ext cx="9144000" cy="2893357"/>
+          </a:xfrm>
+          <a:prstGeom prst="rect">
+            <a:avLst/>
+          </a:prstGeom>
+          <a:noFill/>
+        </p:spPr>
+        <p:style>
+          <a:lnRef idx="1">
+            <a:schemeClr val="accent1"/>
+          </a:lnRef>
+          <a:fillRef idx="3">
+            <a:schemeClr val="accent1"/>
+          </a:fillRef>
+          <a:effectRef idx="2">
+            <a:schemeClr val="accent1"/>
+          </a:effectRef>
+          <a:fontRef idx="minor">
+            <a:schemeClr val="lt1"/>
+          </a:fontRef>
+        </p:style>
+        <p:txBody>
+          <a:bodyPr rtlCol="0" anchor="ctr"/>
+          <a:lstStyle/>
+          <a:p>
+            <a:pPr algn="ctr"/>
+            <a:endParaRPr lang="en-US"/>
+          </a:p>
+        </p:txBody>
+      </p:sp>
+      <p:sp>
+        <p:nvSpPr>
+          <p:cNvPr id="37" name="Rectangle 36"/>
+          <p:cNvSpPr/>
+          <p:nvPr/>
+        </p:nvSpPr>
+        <p:spPr>
+          <a:xfrm>
+            <a:off x="0" y="1417638"/>
+            <a:ext cx="9144000" cy="2547004"/>
+          </a:xfrm>
+          <a:prstGeom prst="rect">
+            <a:avLst/>
+          </a:prstGeom>
+          <a:noFill/>
+          <a:ln>
+            <a:solidFill>
+              <a:schemeClr val="bg2">
+                <a:lumMod val="90000"/>
+              </a:schemeClr>
+            </a:solidFill>
+          </a:ln>
+        </p:spPr>
+        <p:style>
+          <a:lnRef idx="1">
+            <a:schemeClr val="accent1"/>
+          </a:lnRef>
+          <a:fillRef idx="3">
+            <a:schemeClr val="accent1"/>
+          </a:fillRef>
+          <a:effectRef idx="2">
+            <a:schemeClr val="accent1"/>
+          </a:effectRef>
+          <a:fontRef idx="minor">
+            <a:schemeClr val="lt1"/>
+          </a:fontRef>
+        </p:style>
+        <p:txBody>
+          <a:bodyPr rtlCol="0" anchor="ctr"/>
+          <a:lstStyle/>
+          <a:p>
+            <a:pPr algn="ctr"/>
+            <a:endParaRPr lang="en-US"/>
+          </a:p>
+        </p:txBody>
+      </p:sp>
+      <p:sp>
+        <p:nvSpPr>
+          <p:cNvPr id="2" name="Title 1"/>
+          <p:cNvSpPr>
+            <a:spLocks noGrp="1"/>
+          </p:cNvSpPr>
+          <p:nvPr>
+            <p:ph type="title"/>
+          </p:nvPr>
+        </p:nvSpPr>
+        <p:spPr/>
+        <p:txBody>
+          <a:bodyPr/>
+          <a:lstStyle/>
+          <a:p>
+            <a:r>
+              <a:rPr lang="en-US" dirty="0" smtClean="0"/>
+              <a:t>Transporting Cargo Pre-1960</a:t>
+            </a:r>
+            <a:endParaRPr lang="en-US" dirty="0"/>
+          </a:p>
+        </p:txBody>
+      </p:sp>
+      <p:sp>
+        <p:nvSpPr>
+          <p:cNvPr id="36" name="TextBox 35"/>
+          <p:cNvSpPr txBox="1"/>
+          <p:nvPr/>
+        </p:nvSpPr>
+        <p:spPr>
+          <a:xfrm>
+            <a:off x="610430" y="1417638"/>
+            <a:ext cx="3234028" cy="461665"/>
+          </a:xfrm>
+          <a:prstGeom prst="rect">
+            <a:avLst/>
+          </a:prstGeom>
+          <a:noFill/>
+        </p:spPr>
+        <p:txBody>
+          <a:bodyPr wrap="none" rtlCol="0">
+            <a:spAutoFit/>
+          </a:bodyPr>
+          <a:lstStyle/>
+          <a:p>
+            <a:r>
+              <a:rPr lang="en-US" sz="2400" dirty="0" smtClean="0"/>
+              <a:t>Many different products</a:t>
+            </a:r>
+            <a:endParaRPr lang="en-US" sz="2400" dirty="0"/>
+          </a:p>
+        </p:txBody>
+      </p:sp>
+      <p:sp>
+        <p:nvSpPr>
+          <p:cNvPr id="38" name="TextBox 37"/>
+          <p:cNvSpPr txBox="1"/>
+          <p:nvPr/>
+        </p:nvSpPr>
+        <p:spPr>
+          <a:xfrm>
+            <a:off x="698594" y="3998446"/>
+            <a:ext cx="3300002" cy="830997"/>
+          </a:xfrm>
+          <a:prstGeom prst="rect">
+            <a:avLst/>
+          </a:prstGeom>
+          <a:noFill/>
+        </p:spPr>
+        <p:txBody>
+          <a:bodyPr wrap="none" rtlCol="0">
+            <a:spAutoFit/>
+          </a:bodyPr>
+          <a:lstStyle/>
+          <a:p>
+            <a:r>
+              <a:rPr lang="en-US" sz="2400" dirty="0" smtClean="0"/>
+              <a:t>Many different transport</a:t>
+            </a:r>
+          </a:p>
+          <a:p>
+            <a:r>
+              <a:rPr lang="en-US" sz="2400" dirty="0" smtClean="0"/>
+              <a:t>methods</a:t>
+            </a:r>
+            <a:endParaRPr lang="en-US" sz="2400" dirty="0"/>
+          </a:p>
+        </p:txBody>
+      </p:sp>
+      <p:pic>
+        <p:nvPicPr>
+          <p:cNvPr id="3" name="Picture 2"/>
+          <p:cNvPicPr>
+            <a:picLocks noChangeAspect="1"/>
+          </p:cNvPicPr>
+          <p:nvPr/>
+        </p:nvPicPr>
+        <p:blipFill>
+          <a:blip r:embed="rId2"/>
+          <a:stretch>
+            <a:fillRect/>
+          </a:stretch>
+        </p:blipFill>
+        <p:spPr>
+          <a:xfrm>
+            <a:off x="717005" y="1962394"/>
+            <a:ext cx="1933767" cy="1286834"/>
+          </a:xfrm>
+          <a:prstGeom prst="rect">
+            <a:avLst/>
+          </a:prstGeom>
+        </p:spPr>
+      </p:pic>
+      <p:pic>
+        <p:nvPicPr>
+          <p:cNvPr id="18" name="Picture 17"/>
+          <p:cNvPicPr>
+            <a:picLocks noChangeAspect="1"/>
+          </p:cNvPicPr>
+          <p:nvPr/>
+        </p:nvPicPr>
+        <p:blipFill>
+          <a:blip r:embed="rId3"/>
+          <a:stretch>
+            <a:fillRect/>
+          </a:stretch>
+        </p:blipFill>
+        <p:spPr>
+          <a:xfrm>
+            <a:off x="3844458" y="1608370"/>
+            <a:ext cx="1419604" cy="1063333"/>
+          </a:xfrm>
+          <a:prstGeom prst="rect">
+            <a:avLst/>
+          </a:prstGeom>
+        </p:spPr>
+      </p:pic>
+      <p:pic>
+        <p:nvPicPr>
+          <p:cNvPr id="23" name="Picture 22"/>
+          <p:cNvPicPr>
+            <a:picLocks noChangeAspect="1"/>
+          </p:cNvPicPr>
+          <p:nvPr/>
+        </p:nvPicPr>
+        <p:blipFill>
+          <a:blip r:embed="rId4"/>
+          <a:stretch>
+            <a:fillRect/>
+          </a:stretch>
+        </p:blipFill>
+        <p:spPr>
+          <a:xfrm>
+            <a:off x="5512129" y="2693371"/>
+            <a:ext cx="1484195" cy="1111714"/>
+          </a:xfrm>
+          <a:prstGeom prst="rect">
+            <a:avLst/>
+          </a:prstGeom>
+        </p:spPr>
+      </p:pic>
+      <p:pic>
+        <p:nvPicPr>
+          <p:cNvPr id="26" name="Picture 25"/>
+          <p:cNvPicPr>
+            <a:picLocks noChangeAspect="1"/>
+          </p:cNvPicPr>
+          <p:nvPr/>
+        </p:nvPicPr>
+        <p:blipFill>
+          <a:blip r:embed="rId5"/>
+          <a:stretch>
+            <a:fillRect/>
+          </a:stretch>
+        </p:blipFill>
+        <p:spPr>
+          <a:xfrm>
+            <a:off x="2831282" y="2740563"/>
+            <a:ext cx="1599691" cy="1064522"/>
+          </a:xfrm>
+          <a:prstGeom prst="rect">
+            <a:avLst/>
+          </a:prstGeom>
+        </p:spPr>
+      </p:pic>
+      <p:sp>
+        <p:nvSpPr>
+          <p:cNvPr id="40" name="Quad Arrow 39"/>
+          <p:cNvSpPr/>
+          <p:nvPr/>
+        </p:nvSpPr>
+        <p:spPr>
+          <a:xfrm rot="2800557">
+            <a:off x="4157340" y="3389822"/>
+            <a:ext cx="1110969" cy="1149641"/>
+          </a:xfrm>
+          <a:prstGeom prst="quadArrow">
+            <a:avLst>
+              <a:gd name="adj1" fmla="val 10417"/>
+              <a:gd name="adj2" fmla="val 15195"/>
+              <a:gd name="adj3" fmla="val 22500"/>
+            </a:avLst>
+          </a:prstGeom>
+          <a:solidFill>
+            <a:schemeClr val="tx1"/>
+          </a:solidFill>
+          <a:ln>
+            <a:solidFill>
+              <a:schemeClr val="tx1"/>
+            </a:solidFill>
+          </a:ln>
+        </p:spPr>
+        <p:style>
+          <a:lnRef idx="1">
+            <a:schemeClr val="accent1"/>
+          </a:lnRef>
+          <a:fillRef idx="3">
+            <a:schemeClr val="accent1"/>
+          </a:fillRef>
+          <a:effectRef idx="2">
+            <a:schemeClr val="accent1"/>
+          </a:effectRef>
+          <a:fontRef idx="minor">
+            <a:schemeClr val="lt1"/>
+          </a:fontRef>
+        </p:style>
+        <p:txBody>
+          <a:bodyPr rtlCol="0" anchor="ctr"/>
+          <a:lstStyle/>
+          <a:p>
+            <a:pPr algn="ctr"/>
+            <a:endParaRPr lang="en-US"/>
+          </a:p>
+        </p:txBody>
+      </p:sp>
+      <p:pic>
+        <p:nvPicPr>
+          <p:cNvPr id="43" name="Picture 42"/>
+          <p:cNvPicPr>
+            <a:picLocks noChangeAspect="1"/>
+          </p:cNvPicPr>
+          <p:nvPr/>
+        </p:nvPicPr>
+        <p:blipFill>
+          <a:blip r:embed="rId6"/>
+          <a:stretch>
+            <a:fillRect/>
+          </a:stretch>
+        </p:blipFill>
+        <p:spPr>
+          <a:xfrm>
+            <a:off x="5586727" y="4499328"/>
+            <a:ext cx="1415451" cy="1415451"/>
+          </a:xfrm>
+          <a:prstGeom prst="rect">
+            <a:avLst/>
+          </a:prstGeom>
+        </p:spPr>
+      </p:pic>
+      <p:pic>
+        <p:nvPicPr>
+          <p:cNvPr id="44" name="Picture 43"/>
+          <p:cNvPicPr>
+            <a:picLocks noChangeAspect="1"/>
+          </p:cNvPicPr>
+          <p:nvPr/>
+        </p:nvPicPr>
+        <p:blipFill>
+          <a:blip r:embed="rId7"/>
+          <a:stretch>
+            <a:fillRect/>
+          </a:stretch>
+        </p:blipFill>
+        <p:spPr>
+          <a:xfrm>
+            <a:off x="7111220" y="5346541"/>
+            <a:ext cx="1373434" cy="1373434"/>
+          </a:xfrm>
+          <a:prstGeom prst="rect">
+            <a:avLst/>
+          </a:prstGeom>
+        </p:spPr>
+      </p:pic>
+      <p:pic>
+        <p:nvPicPr>
+          <p:cNvPr id="46" name="Picture 45"/>
+          <p:cNvPicPr>
+            <a:picLocks noChangeAspect="1"/>
+          </p:cNvPicPr>
+          <p:nvPr/>
+        </p:nvPicPr>
+        <p:blipFill>
+          <a:blip r:embed="rId8"/>
+          <a:stretch>
+            <a:fillRect/>
+          </a:stretch>
+        </p:blipFill>
+        <p:spPr>
+          <a:xfrm>
+            <a:off x="2571753" y="5037894"/>
+            <a:ext cx="876885" cy="876885"/>
+          </a:xfrm>
+          <a:prstGeom prst="rect">
+            <a:avLst/>
+          </a:prstGeom>
+        </p:spPr>
+      </p:pic>
+      <p:pic>
+        <p:nvPicPr>
+          <p:cNvPr id="47" name="Picture 46"/>
+          <p:cNvPicPr>
+            <a:picLocks noChangeAspect="1"/>
+          </p:cNvPicPr>
+          <p:nvPr/>
+        </p:nvPicPr>
+        <p:blipFill>
+          <a:blip r:embed="rId9"/>
+          <a:stretch>
+            <a:fillRect/>
+          </a:stretch>
+        </p:blipFill>
+        <p:spPr>
+          <a:xfrm>
+            <a:off x="3913520" y="5472086"/>
+            <a:ext cx="1157027" cy="1157027"/>
+          </a:xfrm>
+          <a:prstGeom prst="rect">
+            <a:avLst/>
+          </a:prstGeom>
+        </p:spPr>
+      </p:pic>
+      <p:pic>
+        <p:nvPicPr>
+          <p:cNvPr id="48" name="Picture 47"/>
+          <p:cNvPicPr>
+            <a:picLocks noChangeAspect="1"/>
+          </p:cNvPicPr>
+          <p:nvPr/>
+        </p:nvPicPr>
+        <p:blipFill>
+          <a:blip r:embed="rId10"/>
+          <a:stretch>
+            <a:fillRect/>
+          </a:stretch>
+        </p:blipFill>
+        <p:spPr>
+          <a:xfrm>
+            <a:off x="457200" y="5335447"/>
+            <a:ext cx="1158663" cy="1158663"/>
+          </a:xfrm>
+          <a:prstGeom prst="rect">
+            <a:avLst/>
+          </a:prstGeom>
+        </p:spPr>
+      </p:pic>
+      <p:pic>
+        <p:nvPicPr>
+          <p:cNvPr id="49" name="Picture 48"/>
+          <p:cNvPicPr>
+            <a:picLocks noChangeAspect="1"/>
+          </p:cNvPicPr>
+          <p:nvPr/>
+        </p:nvPicPr>
+        <p:blipFill>
+          <a:blip r:embed="rId11"/>
+          <a:stretch>
+            <a:fillRect/>
+          </a:stretch>
+        </p:blipFill>
+        <p:spPr>
+          <a:xfrm>
+            <a:off x="6996324" y="1733046"/>
+            <a:ext cx="1359840" cy="1103163"/>
+          </a:xfrm>
+          <a:prstGeom prst="rect">
+            <a:avLst/>
+          </a:prstGeom>
+        </p:spPr>
+      </p:pic>
+    </p:spTree>
+    <p:extLst>
+      <p:ext uri="{BB962C8B-B14F-4D97-AF65-F5344CB8AC3E}">
+        <p14:creationId xmlns:p14="http://schemas.microsoft.com/office/powerpoint/2010/main" val="3843076390"/>
+      </p:ext>
+    </p:extLst>
+  </p:cSld>
+  <p:clrMapOvr>
+    <a:masterClrMapping/>
+  </p:clrMapOvr>
+</p:sld>
+</file>
+
+<file path=ppt/slides/slide6.xml><?xml version="1.0" encoding="utf-8"?>
+<p:sld xmlns:a="http://schemas.openxmlformats.org/drawingml/2006/main" xmlns:r="http://schemas.openxmlformats.org/officeDocument/2006/relationships" xmlns:p="http://schemas.openxmlformats.org/presentationml/2006/main">
+  <p:cSld>
+    <p:spTree>
+      <p:nvGrpSpPr>
+        <p:cNvPr id="1" name=""/>
+        <p:cNvGrpSpPr/>
+        <p:nvPr/>
+      </p:nvGrpSpPr>
+      <p:grpSpPr>
+        <a:xfrm>
+          <a:off x="0" y="0"/>
+          <a:ext cx="0" cy="0"/>
+          <a:chOff x="0" y="0"/>
+          <a:chExt cx="0" cy="0"/>
+        </a:xfrm>
+      </p:grpSpPr>
+      <p:sp>
+        <p:nvSpPr>
+          <p:cNvPr id="2" name="Title 1"/>
+          <p:cNvSpPr>
+            <a:spLocks noGrp="1"/>
+          </p:cNvSpPr>
+          <p:nvPr>
+            <p:ph type="title"/>
+          </p:nvPr>
+        </p:nvSpPr>
+        <p:spPr/>
+        <p:txBody>
+          <a:bodyPr/>
+          <a:lstStyle/>
+          <a:p>
+            <a:r>
+              <a:rPr lang="en-US" dirty="0" smtClean="0"/>
+              <a:t>Cargo Transport Matrix</a:t>
+            </a:r>
+            <a:endParaRPr lang="en-US" dirty="0"/>
+          </a:p>
+        </p:txBody>
+      </p:sp>
+      <p:graphicFrame>
+        <p:nvGraphicFramePr>
+          <p:cNvPr id="4" name="Table 3"/>
+          <p:cNvGraphicFramePr>
+            <a:graphicFrameLocks noGrp="1"/>
+          </p:cNvGraphicFramePr>
+          <p:nvPr>
+            <p:extLst>
+              <p:ext uri="{D42A27DB-BD31-4B8C-83A1-F6EECF244321}">
+                <p14:modId xmlns:p14="http://schemas.microsoft.com/office/powerpoint/2010/main" val="2583735989"/>
+              </p:ext>
+            </p:extLst>
+          </p:nvPr>
+        </p:nvGraphicFramePr>
+        <p:xfrm>
+          <a:off x="866474" y="1631301"/>
+          <a:ext cx="7725366" cy="4612475"/>
+        </p:xfrm>
+        <a:graphic>
+          <a:graphicData uri="http://schemas.openxmlformats.org/drawingml/2006/table">
+            <a:tbl>
+              <a:tblPr firstRow="1" bandRow="1">
+                <a:tableStyleId>{5940675A-B579-460E-94D1-54222C63F5DA}</a:tableStyleId>
+              </a:tblPr>
+              <a:tblGrid>
+                <a:gridCol w="1287561"/>
+                <a:gridCol w="1287561"/>
+                <a:gridCol w="1287561"/>
+                <a:gridCol w="1287561"/>
+                <a:gridCol w="1287561"/>
+                <a:gridCol w="1287561"/>
+              </a:tblGrid>
+              <a:tr h="624034">
+                <a:tc>
+                  <a:txBody>
+                    <a:bodyPr/>
+                    <a:lstStyle/>
+                    <a:p>
+                      <a:pPr algn="ctr"/>
+                      <a:endParaRPr lang="en-US" sz="1400" dirty="0" smtClean="0"/>
+                    </a:p>
+                  </a:txBody>
+                  <a:tcPr>
+                    <a:noFill/>
+                  </a:tcPr>
+                </a:tc>
+                <a:tc>
+                  <a:txBody>
+                    <a:bodyPr/>
+                    <a:lstStyle/>
+                    <a:p>
+                      <a:r>
+                        <a:rPr lang="en-US" dirty="0" smtClean="0"/>
+                        <a:t>        </a:t>
+                      </a:r>
+                      <a:r>
+                        <a:rPr lang="en-US" sz="4000" dirty="0" smtClean="0"/>
+                        <a:t>?</a:t>
+                      </a:r>
+                      <a:endParaRPr lang="en-US" sz="4000" dirty="0"/>
+                    </a:p>
+                  </a:txBody>
+                  <a:tcPr/>
+                </a:tc>
+                <a:tc>
+                  <a:txBody>
+                    <a:bodyPr/>
+                    <a:lstStyle/>
+                    <a:p>
+                      <a:r>
+                        <a:rPr lang="en-US" dirty="0" smtClean="0"/>
+                        <a:t>        </a:t>
+                      </a:r>
+                      <a:r>
+                        <a:rPr lang="en-US" sz="4000" dirty="0" smtClean="0"/>
+                        <a:t>?</a:t>
+                      </a:r>
+                      <a:endParaRPr lang="en-US" dirty="0"/>
+                    </a:p>
+                  </a:txBody>
+                  <a:tcPr/>
+                </a:tc>
+                <a:tc>
+                  <a:txBody>
+                    <a:bodyPr/>
+                    <a:lstStyle/>
+                    <a:p>
+                      <a:r>
+                        <a:rPr lang="en-US" dirty="0" smtClean="0"/>
+                        <a:t>        </a:t>
+                      </a:r>
+                      <a:r>
+                        <a:rPr lang="en-US" sz="4000" dirty="0" smtClean="0"/>
+                        <a:t>?</a:t>
+                      </a:r>
+                      <a:endParaRPr lang="en-US" dirty="0"/>
+                    </a:p>
+                  </a:txBody>
+                  <a:tcPr/>
+                </a:tc>
+                <a:tc>
+                  <a:txBody>
+                    <a:bodyPr/>
+                    <a:lstStyle/>
+                    <a:p>
+                      <a:r>
+                        <a:rPr lang="en-US" dirty="0" smtClean="0"/>
+                        <a:t>        </a:t>
+                      </a:r>
+                      <a:r>
+                        <a:rPr lang="en-US" sz="4000" dirty="0" smtClean="0"/>
+                        <a:t>?</a:t>
+                      </a:r>
+                      <a:endParaRPr lang="en-US" dirty="0"/>
+                    </a:p>
+                  </a:txBody>
+                  <a:tcPr/>
+                </a:tc>
+                <a:tc>
+                  <a:txBody>
+                    <a:bodyPr/>
+                    <a:lstStyle/>
+                    <a:p>
+                      <a:r>
+                        <a:rPr lang="en-US" dirty="0" smtClean="0"/>
+                        <a:t>        </a:t>
+                      </a:r>
+                      <a:r>
+                        <a:rPr lang="en-US" sz="4000" dirty="0" smtClean="0"/>
+                        <a:t>?</a:t>
+                      </a:r>
+                      <a:endParaRPr lang="en-US" dirty="0"/>
+                    </a:p>
+                  </a:txBody>
+                  <a:tcPr/>
+                </a:tc>
+              </a:tr>
+              <a:tr h="765778">
+                <a:tc>
+                  <a:txBody>
+                    <a:bodyPr/>
+                    <a:lstStyle/>
+                    <a:p>
+                      <a:endParaRPr lang="en-US" sz="1400" dirty="0" smtClean="0"/>
+                    </a:p>
+                  </a:txBody>
+                  <a:tcPr>
+                    <a:noFill/>
+                  </a:tcPr>
+                </a:tc>
+                <a:tc>
+                  <a:txBody>
+                    <a:bodyPr/>
+                    <a:lstStyle/>
+                    <a:p>
+                      <a:r>
+                        <a:rPr lang="en-US" dirty="0" smtClean="0"/>
+                        <a:t>        </a:t>
+                      </a:r>
+                      <a:r>
+                        <a:rPr lang="en-US" sz="4000" dirty="0" smtClean="0"/>
+                        <a:t>?</a:t>
+                      </a:r>
+                      <a:endParaRPr lang="en-US" dirty="0"/>
+                    </a:p>
+                  </a:txBody>
+                  <a:tcPr/>
+                </a:tc>
+                <a:tc>
+                  <a:txBody>
+                    <a:bodyPr/>
+                    <a:lstStyle/>
+                    <a:p>
+                      <a:r>
+                        <a:rPr lang="en-US" dirty="0" smtClean="0"/>
+                        <a:t>        </a:t>
+                      </a:r>
+                      <a:r>
+                        <a:rPr lang="en-US" sz="4000" dirty="0" smtClean="0"/>
+                        <a:t>?</a:t>
+                      </a:r>
+                      <a:endParaRPr lang="en-US" dirty="0"/>
+                    </a:p>
+                  </a:txBody>
+                  <a:tcPr/>
+                </a:tc>
+                <a:tc>
+                  <a:txBody>
+                    <a:bodyPr/>
+                    <a:lstStyle/>
+                    <a:p>
+                      <a:r>
+                        <a:rPr lang="en-US" dirty="0" smtClean="0"/>
+                        <a:t>        </a:t>
+                      </a:r>
+                      <a:r>
+                        <a:rPr lang="en-US" sz="4000" dirty="0" smtClean="0"/>
+                        <a:t>?</a:t>
+                      </a:r>
+                      <a:endParaRPr lang="en-US" dirty="0"/>
+                    </a:p>
+                  </a:txBody>
+                  <a:tcPr/>
+                </a:tc>
+                <a:tc>
+                  <a:txBody>
+                    <a:bodyPr/>
+                    <a:lstStyle/>
+                    <a:p>
+                      <a:r>
+                        <a:rPr lang="en-US" dirty="0" smtClean="0"/>
+                        <a:t>        </a:t>
+                      </a:r>
+                      <a:r>
+                        <a:rPr lang="en-US" sz="4000" dirty="0" smtClean="0"/>
+                        <a:t>?</a:t>
+                      </a:r>
+                      <a:endParaRPr lang="en-US" dirty="0"/>
+                    </a:p>
+                  </a:txBody>
+                  <a:tcPr/>
+                </a:tc>
+                <a:tc>
+                  <a:txBody>
+                    <a:bodyPr/>
+                    <a:lstStyle/>
+                    <a:p>
+                      <a:r>
+                        <a:rPr lang="en-US" dirty="0" smtClean="0"/>
+                        <a:t>        </a:t>
+                      </a:r>
+                      <a:r>
+                        <a:rPr lang="en-US" sz="4000" dirty="0" smtClean="0"/>
+                        <a:t>?</a:t>
+                      </a:r>
+                      <a:endParaRPr lang="en-US" dirty="0"/>
+                    </a:p>
+                  </a:txBody>
+                  <a:tcPr/>
+                </a:tc>
+              </a:tr>
+              <a:tr h="604010">
+                <a:tc>
+                  <a:txBody>
+                    <a:bodyPr/>
+                    <a:lstStyle/>
+                    <a:p>
+                      <a:endParaRPr lang="en-US" sz="1400" dirty="0" smtClean="0"/>
+                    </a:p>
+                    <a:p>
+                      <a:endParaRPr lang="en-US" sz="1400" dirty="0" smtClean="0"/>
+                    </a:p>
+                  </a:txBody>
+                  <a:tcPr>
+                    <a:noFill/>
+                  </a:tcPr>
+                </a:tc>
+                <a:tc>
+                  <a:txBody>
+                    <a:bodyPr/>
+                    <a:lstStyle/>
+                    <a:p>
+                      <a:r>
+                        <a:rPr lang="en-US" dirty="0" smtClean="0"/>
+                        <a:t>        </a:t>
+                      </a:r>
+                      <a:r>
+                        <a:rPr lang="en-US" sz="4000" dirty="0" smtClean="0"/>
+                        <a:t>?</a:t>
+                      </a:r>
+                      <a:endParaRPr lang="en-US" dirty="0"/>
+                    </a:p>
+                  </a:txBody>
+                  <a:tcPr/>
+                </a:tc>
+                <a:tc>
+                  <a:txBody>
+                    <a:bodyPr/>
+                    <a:lstStyle/>
+                    <a:p>
+                      <a:r>
+                        <a:rPr lang="en-US" dirty="0" smtClean="0"/>
+                        <a:t>        </a:t>
+                      </a:r>
+                      <a:r>
+                        <a:rPr lang="en-US" sz="4000" dirty="0" smtClean="0"/>
+                        <a:t>?</a:t>
+                      </a:r>
+                      <a:endParaRPr lang="en-US" dirty="0"/>
+                    </a:p>
+                  </a:txBody>
+                  <a:tcPr/>
+                </a:tc>
+                <a:tc>
+                  <a:txBody>
+                    <a:bodyPr/>
+                    <a:lstStyle/>
+                    <a:p>
+                      <a:r>
+                        <a:rPr lang="en-US" dirty="0" smtClean="0"/>
+                        <a:t>        </a:t>
+                      </a:r>
+                      <a:r>
+                        <a:rPr lang="en-US" sz="4000" dirty="0" smtClean="0"/>
+                        <a:t>?</a:t>
+                      </a:r>
+                      <a:endParaRPr lang="en-US" dirty="0"/>
+                    </a:p>
+                  </a:txBody>
+                  <a:tcPr/>
+                </a:tc>
+                <a:tc>
+                  <a:txBody>
+                    <a:bodyPr/>
+                    <a:lstStyle/>
+                    <a:p>
+                      <a:r>
+                        <a:rPr lang="en-US" dirty="0" smtClean="0"/>
+                        <a:t>        </a:t>
+                      </a:r>
+                      <a:r>
+                        <a:rPr lang="en-US" sz="4000" dirty="0" smtClean="0"/>
+                        <a:t>?</a:t>
+                      </a:r>
+                      <a:endParaRPr lang="en-US" dirty="0"/>
+                    </a:p>
+                  </a:txBody>
+                  <a:tcPr/>
+                </a:tc>
+                <a:tc>
+                  <a:txBody>
+                    <a:bodyPr/>
+                    <a:lstStyle/>
+                    <a:p>
+                      <a:r>
+                        <a:rPr lang="en-US" dirty="0" smtClean="0"/>
+                        <a:t>        </a:t>
+                      </a:r>
+                      <a:r>
+                        <a:rPr lang="en-US" sz="4000" dirty="0" smtClean="0"/>
+                        <a:t>?</a:t>
+                      </a:r>
+                      <a:endParaRPr lang="en-US" dirty="0"/>
+                    </a:p>
+                  </a:txBody>
+                  <a:tcPr/>
+                </a:tc>
+              </a:tr>
+              <a:tr h="604010">
+                <a:tc>
+                  <a:txBody>
+                    <a:bodyPr/>
+                    <a:lstStyle/>
+                    <a:p>
+                      <a:endParaRPr lang="en-US" sz="1400" dirty="0" smtClean="0"/>
+                    </a:p>
+                    <a:p>
+                      <a:endParaRPr lang="en-US" sz="1400" dirty="0" smtClean="0"/>
+                    </a:p>
+                  </a:txBody>
+                  <a:tcPr>
+                    <a:noFill/>
+                  </a:tcPr>
+                </a:tc>
+                <a:tc>
+                  <a:txBody>
+                    <a:bodyPr/>
+                    <a:lstStyle/>
+                    <a:p>
+                      <a:r>
+                        <a:rPr lang="en-US" dirty="0" smtClean="0"/>
+                        <a:t>        </a:t>
+                      </a:r>
+                      <a:r>
+                        <a:rPr lang="en-US" sz="4000" dirty="0" smtClean="0"/>
+                        <a:t>?</a:t>
+                      </a:r>
+                      <a:endParaRPr lang="en-US" dirty="0"/>
+                    </a:p>
+                  </a:txBody>
+                  <a:tcPr/>
+                </a:tc>
+                <a:tc>
+                  <a:txBody>
+                    <a:bodyPr/>
+                    <a:lstStyle/>
+                    <a:p>
+                      <a:r>
+                        <a:rPr lang="en-US" dirty="0" smtClean="0"/>
+                        <a:t>        </a:t>
+                      </a:r>
+                      <a:r>
+                        <a:rPr lang="en-US" sz="4000" dirty="0" smtClean="0"/>
+                        <a:t>?</a:t>
+                      </a:r>
+                      <a:endParaRPr lang="en-US" dirty="0"/>
+                    </a:p>
+                  </a:txBody>
+                  <a:tcPr/>
+                </a:tc>
+                <a:tc>
+                  <a:txBody>
+                    <a:bodyPr/>
+                    <a:lstStyle/>
+                    <a:p>
+                      <a:r>
+                        <a:rPr lang="en-US" dirty="0" smtClean="0"/>
+                        <a:t>        </a:t>
+                      </a:r>
+                      <a:r>
+                        <a:rPr lang="en-US" sz="4000" dirty="0" smtClean="0"/>
+                        <a:t>?</a:t>
+                      </a:r>
+                      <a:endParaRPr lang="en-US" dirty="0"/>
+                    </a:p>
+                  </a:txBody>
+                  <a:tcPr/>
+                </a:tc>
+                <a:tc>
+                  <a:txBody>
+                    <a:bodyPr/>
+                    <a:lstStyle/>
+                    <a:p>
+                      <a:r>
+                        <a:rPr lang="en-US" dirty="0" smtClean="0"/>
+                        <a:t>        </a:t>
+                      </a:r>
+                      <a:r>
+                        <a:rPr lang="en-US" sz="4000" dirty="0" smtClean="0"/>
+                        <a:t>?</a:t>
+                      </a:r>
+                      <a:endParaRPr lang="en-US" dirty="0"/>
+                    </a:p>
+                  </a:txBody>
+                  <a:tcPr/>
+                </a:tc>
+                <a:tc>
+                  <a:txBody>
+                    <a:bodyPr/>
+                    <a:lstStyle/>
+                    <a:p>
+                      <a:r>
+                        <a:rPr lang="en-US" dirty="0" smtClean="0"/>
+                        <a:t>        </a:t>
+                      </a:r>
+                      <a:r>
+                        <a:rPr lang="en-US" sz="4000" dirty="0" smtClean="0"/>
+                        <a:t>?</a:t>
+                      </a:r>
+                      <a:endParaRPr lang="en-US" dirty="0"/>
+                    </a:p>
+                  </a:txBody>
+                  <a:tcPr/>
+                </a:tc>
+              </a:tr>
+              <a:tr h="604010">
+                <a:tc>
+                  <a:txBody>
+                    <a:bodyPr/>
+                    <a:lstStyle/>
+                    <a:p>
+                      <a:endParaRPr lang="en-US" sz="1400" dirty="0" smtClean="0"/>
+                    </a:p>
+                    <a:p>
+                      <a:endParaRPr lang="en-US" sz="1400" baseline="0" dirty="0" smtClean="0"/>
+                    </a:p>
+                  </a:txBody>
+                  <a:tcPr>
+                    <a:lnB w="12700" cap="flat" cmpd="sng" algn="ctr">
+                      <a:solidFill>
+                        <a:scrgbClr r="0" g="0" b="0"/>
+                      </a:solidFill>
+                      <a:prstDash val="solid"/>
+                      <a:round/>
+                      <a:headEnd type="none" w="med" len="med"/>
+                      <a:tailEnd type="none" w="med" len="med"/>
+                    </a:lnB>
+                    <a:noFill/>
+                  </a:tcPr>
+                </a:tc>
+                <a:tc>
+                  <a:txBody>
+                    <a:bodyPr/>
+                    <a:lstStyle/>
+                    <a:p>
+                      <a:r>
+                        <a:rPr lang="en-US" dirty="0" smtClean="0"/>
+                        <a:t>        </a:t>
+                      </a:r>
+                      <a:r>
+                        <a:rPr lang="en-US" sz="4000" dirty="0" smtClean="0"/>
+                        <a:t>?</a:t>
+                      </a:r>
+                      <a:endParaRPr lang="en-US" dirty="0"/>
+                    </a:p>
+                  </a:txBody>
+                  <a:tcPr/>
+                </a:tc>
+                <a:tc>
+                  <a:txBody>
+                    <a:bodyPr/>
+                    <a:lstStyle/>
+                    <a:p>
+                      <a:r>
+                        <a:rPr lang="en-US" dirty="0" smtClean="0"/>
+                        <a:t>        </a:t>
+                      </a:r>
+                      <a:r>
+                        <a:rPr lang="en-US" sz="4000" dirty="0" smtClean="0"/>
+                        <a:t>?</a:t>
+                      </a:r>
+                      <a:endParaRPr lang="en-US" dirty="0"/>
+                    </a:p>
+                  </a:txBody>
+                  <a:tcPr/>
+                </a:tc>
+                <a:tc>
+                  <a:txBody>
+                    <a:bodyPr/>
+                    <a:lstStyle/>
+                    <a:p>
+                      <a:r>
+                        <a:rPr lang="en-US" dirty="0" smtClean="0"/>
+                        <a:t>        </a:t>
+                      </a:r>
+                      <a:r>
+                        <a:rPr lang="en-US" sz="4000" dirty="0" smtClean="0"/>
+                        <a:t>?</a:t>
+                      </a:r>
+                      <a:endParaRPr lang="en-US" dirty="0"/>
+                    </a:p>
+                  </a:txBody>
+                  <a:tcPr/>
+                </a:tc>
+                <a:tc>
+                  <a:txBody>
+                    <a:bodyPr/>
+                    <a:lstStyle/>
+                    <a:p>
+                      <a:r>
+                        <a:rPr lang="en-US" dirty="0" smtClean="0"/>
+                        <a:t>        </a:t>
+                      </a:r>
+                      <a:r>
+                        <a:rPr lang="en-US" sz="4000" dirty="0" smtClean="0"/>
+                        <a:t>?</a:t>
+                      </a:r>
+                      <a:endParaRPr lang="en-US" dirty="0"/>
+                    </a:p>
+                  </a:txBody>
+                  <a:tcPr/>
+                </a:tc>
+                <a:tc>
+                  <a:txBody>
+                    <a:bodyPr/>
+                    <a:lstStyle/>
+                    <a:p>
+                      <a:r>
+                        <a:rPr lang="en-US" dirty="0" smtClean="0"/>
+                        <a:t>        </a:t>
+                      </a:r>
+                      <a:r>
+                        <a:rPr lang="en-US" sz="4000" dirty="0" smtClean="0"/>
+                        <a:t>?</a:t>
+                      </a:r>
+                      <a:endParaRPr lang="en-US" dirty="0"/>
+                    </a:p>
+                  </a:txBody>
+                  <a:tcPr/>
+                </a:tc>
+              </a:tr>
+              <a:tr h="1042537">
+                <a:tc>
+                  <a:txBody>
+                    <a:bodyPr/>
+                    <a:lstStyle/>
+                    <a:p>
+                      <a:endParaRPr lang="en-US" dirty="0"/>
+                    </a:p>
+                  </a:txBody>
+                  <a:tcPr>
+                    <a:lnL w="12700" cap="flat" cmpd="sng" algn="ctr">
+                      <a:noFill/>
+                      <a:prstDash val="solid"/>
+                      <a:round/>
+                      <a:headEnd type="none" w="med" len="med"/>
+                      <a:tailEnd type="none" w="med" len="med"/>
+                    </a:lnL>
+                    <a:lnR w="12700" cap="flat" cmpd="sng" algn="ctr">
+                      <a:solidFill>
+                        <a:scrgbClr r="0" g="0" b="0"/>
+                      </a:solidFill>
+                      <a:prstDash val="solid"/>
+                      <a:round/>
+                      <a:headEnd type="none" w="med" len="med"/>
+                      <a:tailEnd type="none" w="med" len="med"/>
+                    </a:lnR>
+                    <a:lnT w="12700" cap="flat" cmpd="sng" algn="ctr">
+                      <a:solidFill>
+                        <a:scrgbClr r="0" g="0" b="0"/>
+                      </a:solidFill>
+                      <a:prstDash val="solid"/>
+                      <a:round/>
+                      <a:headEnd type="none" w="med" len="med"/>
+                      <a:tailEnd type="none" w="med" len="med"/>
+                    </a:lnT>
+                    <a:lnB w="12700" cap="flat" cmpd="sng" algn="ctr">
+                      <a:noFill/>
+                      <a:prstDash val="solid"/>
+                      <a:round/>
+                      <a:headEnd type="none" w="med" len="med"/>
+                      <a:tailEnd type="none" w="med" len="med"/>
+                    </a:lnB>
+                  </a:tcPr>
+                </a:tc>
+                <a:tc>
+                  <a:txBody>
+                    <a:bodyPr/>
+                    <a:lstStyle/>
+                    <a:p>
+                      <a:endParaRPr lang="en-US" sz="1400" dirty="0"/>
+                    </a:p>
+                  </a:txBody>
+                  <a:tcPr>
+                    <a:lnL w="12700" cap="flat" cmpd="sng" algn="ctr">
+                      <a:solidFill>
+                        <a:scrgbClr r="0" g="0" b="0"/>
+                      </a:solidFill>
+                      <a:prstDash val="solid"/>
+                      <a:round/>
+                      <a:headEnd type="none" w="med" len="med"/>
+                      <a:tailEnd type="none" w="med" len="med"/>
+                    </a:lnL>
+                    <a:noFill/>
+                  </a:tcPr>
+                </a:tc>
+                <a:tc>
+                  <a:txBody>
+                    <a:bodyPr/>
+                    <a:lstStyle/>
+                    <a:p>
+                      <a:endParaRPr lang="en-US" sz="1400" dirty="0"/>
+                    </a:p>
+                  </a:txBody>
+                  <a:tcPr>
+                    <a:noFill/>
+                  </a:tcPr>
+                </a:tc>
+                <a:tc>
+                  <a:txBody>
+                    <a:bodyPr/>
+                    <a:lstStyle/>
+                    <a:p>
+                      <a:endParaRPr lang="en-US" sz="1400" dirty="0"/>
+                    </a:p>
+                  </a:txBody>
+                  <a:tcPr>
+                    <a:noFill/>
+                  </a:tcPr>
+                </a:tc>
+                <a:tc>
+                  <a:txBody>
+                    <a:bodyPr/>
+                    <a:lstStyle/>
+                    <a:p>
+                      <a:endParaRPr lang="en-US" dirty="0"/>
+                    </a:p>
+                  </a:txBody>
+                  <a:tcPr>
+                    <a:noFill/>
+                  </a:tcPr>
+                </a:tc>
+                <a:tc>
+                  <a:txBody>
+                    <a:bodyPr/>
+                    <a:lstStyle/>
+                    <a:p>
+                      <a:endParaRPr lang="en-US" dirty="0"/>
+                    </a:p>
+                  </a:txBody>
+                  <a:tcPr>
+                    <a:noFill/>
+                  </a:tcPr>
+                </a:tc>
+              </a:tr>
+            </a:tbl>
+          </a:graphicData>
+        </a:graphic>
+      </p:graphicFrame>
+      <p:pic>
+        <p:nvPicPr>
+          <p:cNvPr id="15" name="Picture 14"/>
+          <p:cNvPicPr>
+            <a:picLocks noChangeAspect="1"/>
+          </p:cNvPicPr>
+          <p:nvPr/>
+        </p:nvPicPr>
+        <p:blipFill>
+          <a:blip r:embed="rId2"/>
+          <a:stretch>
+            <a:fillRect/>
+          </a:stretch>
+        </p:blipFill>
+        <p:spPr>
+          <a:xfrm>
+            <a:off x="1049352" y="1631301"/>
+            <a:ext cx="1004079" cy="668169"/>
+          </a:xfrm>
+          <a:prstGeom prst="rect">
+            <a:avLst/>
+          </a:prstGeom>
+        </p:spPr>
+      </p:pic>
+      <p:pic>
+        <p:nvPicPr>
+          <p:cNvPr id="16" name="Picture 15"/>
+          <p:cNvPicPr>
+            <a:picLocks noChangeAspect="1"/>
+          </p:cNvPicPr>
+          <p:nvPr/>
+        </p:nvPicPr>
+        <p:blipFill>
+          <a:blip r:embed="rId3"/>
+          <a:stretch>
+            <a:fillRect/>
+          </a:stretch>
+        </p:blipFill>
+        <p:spPr>
+          <a:xfrm>
+            <a:off x="1169547" y="2413408"/>
+            <a:ext cx="983252" cy="654310"/>
+          </a:xfrm>
+          <a:prstGeom prst="rect">
+            <a:avLst/>
+          </a:prstGeom>
+        </p:spPr>
+      </p:pic>
+      <p:pic>
+        <p:nvPicPr>
+          <p:cNvPr id="17" name="Picture 16"/>
+          <p:cNvPicPr>
+            <a:picLocks noChangeAspect="1"/>
+          </p:cNvPicPr>
+          <p:nvPr/>
+        </p:nvPicPr>
+        <p:blipFill>
+          <a:blip r:embed="rId4"/>
+          <a:stretch>
+            <a:fillRect/>
+          </a:stretch>
+        </p:blipFill>
+        <p:spPr>
+          <a:xfrm>
+            <a:off x="1240767" y="3170862"/>
+            <a:ext cx="800797" cy="599825"/>
+          </a:xfrm>
+          <a:prstGeom prst="rect">
+            <a:avLst/>
+          </a:prstGeom>
+        </p:spPr>
+      </p:pic>
+      <p:pic>
+        <p:nvPicPr>
+          <p:cNvPr id="18" name="Picture 17"/>
+          <p:cNvPicPr>
+            <a:picLocks noChangeAspect="1"/>
+          </p:cNvPicPr>
+          <p:nvPr/>
+        </p:nvPicPr>
+        <p:blipFill>
+          <a:blip r:embed="rId5"/>
+          <a:stretch>
+            <a:fillRect/>
+          </a:stretch>
+        </p:blipFill>
+        <p:spPr>
+          <a:xfrm>
+            <a:off x="1181417" y="3800915"/>
+            <a:ext cx="912032" cy="683144"/>
+          </a:xfrm>
+          <a:prstGeom prst="rect">
+            <a:avLst/>
+          </a:prstGeom>
+        </p:spPr>
+      </p:pic>
+      <p:pic>
+        <p:nvPicPr>
+          <p:cNvPr id="20" name="Picture 19"/>
+          <p:cNvPicPr>
+            <a:picLocks noChangeAspect="1"/>
+          </p:cNvPicPr>
+          <p:nvPr/>
+        </p:nvPicPr>
+        <p:blipFill>
+          <a:blip r:embed="rId6"/>
+          <a:stretch>
+            <a:fillRect/>
+          </a:stretch>
+        </p:blipFill>
+        <p:spPr>
+          <a:xfrm>
+            <a:off x="2580523" y="5384887"/>
+            <a:ext cx="707341" cy="707341"/>
+          </a:xfrm>
+          <a:prstGeom prst="rect">
+            <a:avLst/>
+          </a:prstGeom>
+        </p:spPr>
+      </p:pic>
+      <p:pic>
+        <p:nvPicPr>
+          <p:cNvPr id="21" name="Picture 20"/>
+          <p:cNvPicPr>
+            <a:picLocks noChangeAspect="1"/>
+          </p:cNvPicPr>
+          <p:nvPr/>
+        </p:nvPicPr>
+        <p:blipFill>
+          <a:blip r:embed="rId7"/>
+          <a:stretch>
+            <a:fillRect/>
+          </a:stretch>
+        </p:blipFill>
+        <p:spPr>
+          <a:xfrm>
+            <a:off x="3892049" y="5421506"/>
+            <a:ext cx="529892" cy="529892"/>
+          </a:xfrm>
+          <a:prstGeom prst="rect">
+            <a:avLst/>
+          </a:prstGeom>
+        </p:spPr>
+      </p:pic>
+      <p:pic>
+        <p:nvPicPr>
+          <p:cNvPr id="22" name="Picture 21"/>
+          <p:cNvPicPr>
+            <a:picLocks noChangeAspect="1"/>
+          </p:cNvPicPr>
+          <p:nvPr/>
+        </p:nvPicPr>
+        <p:blipFill>
+          <a:blip r:embed="rId8"/>
+          <a:stretch>
+            <a:fillRect/>
+          </a:stretch>
+        </p:blipFill>
+        <p:spPr>
+          <a:xfrm>
+            <a:off x="5199962" y="5519637"/>
+            <a:ext cx="579642" cy="579642"/>
+          </a:xfrm>
+          <a:prstGeom prst="rect">
+            <a:avLst/>
+          </a:prstGeom>
+        </p:spPr>
+      </p:pic>
+      <p:pic>
+        <p:nvPicPr>
+          <p:cNvPr id="23" name="Picture 22"/>
+          <p:cNvPicPr>
+            <a:picLocks noChangeAspect="1"/>
+          </p:cNvPicPr>
+          <p:nvPr/>
+        </p:nvPicPr>
+        <p:blipFill>
+          <a:blip r:embed="rId9"/>
+          <a:stretch>
+            <a:fillRect/>
+          </a:stretch>
+        </p:blipFill>
+        <p:spPr>
+          <a:xfrm>
+            <a:off x="6334020" y="5302222"/>
+            <a:ext cx="870793" cy="870793"/>
+          </a:xfrm>
+          <a:prstGeom prst="rect">
+            <a:avLst/>
+          </a:prstGeom>
+        </p:spPr>
+      </p:pic>
+      <p:pic>
+        <p:nvPicPr>
+          <p:cNvPr id="24" name="Picture 23"/>
+          <p:cNvPicPr>
+            <a:picLocks noChangeAspect="1"/>
+          </p:cNvPicPr>
+          <p:nvPr/>
+        </p:nvPicPr>
+        <p:blipFill>
+          <a:blip r:embed="rId10"/>
+          <a:stretch>
+            <a:fillRect/>
+          </a:stretch>
+        </p:blipFill>
+        <p:spPr>
+          <a:xfrm>
+            <a:off x="7604810" y="5293172"/>
+            <a:ext cx="879843" cy="879843"/>
+          </a:xfrm>
+          <a:prstGeom prst="rect">
+            <a:avLst/>
+          </a:prstGeom>
+        </p:spPr>
+      </p:pic>
+      <p:pic>
+        <p:nvPicPr>
+          <p:cNvPr id="3" name="Picture 2"/>
+          <p:cNvPicPr>
+            <a:picLocks noChangeAspect="1"/>
+          </p:cNvPicPr>
+          <p:nvPr/>
+        </p:nvPicPr>
+        <p:blipFill>
+          <a:blip r:embed="rId11"/>
+          <a:stretch>
+            <a:fillRect/>
+          </a:stretch>
+        </p:blipFill>
+        <p:spPr>
+          <a:xfrm>
+            <a:off x="1228897" y="4552409"/>
+            <a:ext cx="774558" cy="628356"/>
+          </a:xfrm>
+          <a:prstGeom prst="rect">
+            <a:avLst/>
+          </a:prstGeom>
+        </p:spPr>
+      </p:pic>
+    </p:spTree>
+    <p:extLst>
+      <p:ext uri="{BB962C8B-B14F-4D97-AF65-F5344CB8AC3E}">
+        <p14:creationId xmlns:p14="http://schemas.microsoft.com/office/powerpoint/2010/main" val="3671429805"/>
+      </p:ext>
+    </p:extLst>
+  </p:cSld>
+  <p:clrMapOvr>
+    <a:masterClrMapping/>
+  </p:clrMapOvr>
+</p:sld>
+</file>
+
+<file path=ppt/slides/slide7.xml><?xml version="1.0" encoding="utf-8"?>
+<p:sld xmlns:a="http://schemas.openxmlformats.org/drawingml/2006/main" xmlns:r="http://schemas.openxmlformats.org/officeDocument/2006/relationships" xmlns:p="http://schemas.openxmlformats.org/presentationml/2006/main">
+  <p:cSld>
+    <p:spTree>
+      <p:nvGrpSpPr>
+        <p:cNvPr id="1" name=""/>
+        <p:cNvGrpSpPr/>
+        <p:nvPr/>
+      </p:nvGrpSpPr>
+      <p:grpSpPr>
+        <a:xfrm>
+          <a:off x="0" y="0"/>
+          <a:ext cx="0" cy="0"/>
+          <a:chOff x="0" y="0"/>
+          <a:chExt cx="0" cy="0"/>
+        </a:xfrm>
+      </p:grpSpPr>
+      <p:pic>
+        <p:nvPicPr>
+          <p:cNvPr id="22" name="Picture 21"/>
+          <p:cNvPicPr>
+            <a:picLocks noChangeAspect="1"/>
+          </p:cNvPicPr>
+          <p:nvPr/>
+        </p:nvPicPr>
+        <p:blipFill>
+          <a:blip r:embed="rId2"/>
+          <a:stretch>
+            <a:fillRect/>
+          </a:stretch>
+        </p:blipFill>
+        <p:spPr>
+          <a:xfrm rot="10800000">
+            <a:off x="4130601" y="4693698"/>
+            <a:ext cx="759931" cy="759931"/>
+          </a:xfrm>
+          <a:prstGeom prst="rect">
+            <a:avLst/>
+          </a:prstGeom>
+        </p:spPr>
+      </p:pic>
+      <p:sp>
+        <p:nvSpPr>
+          <p:cNvPr id="2" name="Title 1"/>
+          <p:cNvSpPr>
+            <a:spLocks noGrp="1"/>
+          </p:cNvSpPr>
+          <p:nvPr>
+            <p:ph type="title"/>
+          </p:nvPr>
+        </p:nvSpPr>
+        <p:spPr/>
+        <p:txBody>
+          <a:bodyPr/>
+          <a:lstStyle/>
+          <a:p>
+            <a:r>
+              <a:rPr lang="en-US" dirty="0" smtClean="0"/>
+              <a:t>Intermodal Transport Solution</a:t>
+            </a:r>
+            <a:endParaRPr lang="en-US" dirty="0"/>
+          </a:p>
+        </p:txBody>
+      </p:sp>
+      <p:pic>
+        <p:nvPicPr>
+          <p:cNvPr id="3" name="Picture 2"/>
+          <p:cNvPicPr>
+            <a:picLocks noChangeAspect="1"/>
+          </p:cNvPicPr>
+          <p:nvPr/>
+        </p:nvPicPr>
+        <p:blipFill>
+          <a:blip r:embed="rId3"/>
+          <a:stretch>
+            <a:fillRect/>
+          </a:stretch>
+        </p:blipFill>
+        <p:spPr>
+          <a:xfrm>
+            <a:off x="147268" y="1453729"/>
+            <a:ext cx="1468596" cy="977284"/>
+          </a:xfrm>
+          <a:prstGeom prst="rect">
+            <a:avLst/>
+          </a:prstGeom>
+        </p:spPr>
+      </p:pic>
+      <p:pic>
+        <p:nvPicPr>
+          <p:cNvPr id="18" name="Picture 17"/>
+          <p:cNvPicPr>
+            <a:picLocks noChangeAspect="1"/>
+          </p:cNvPicPr>
+          <p:nvPr/>
+        </p:nvPicPr>
+        <p:blipFill>
+          <a:blip r:embed="rId4"/>
+          <a:stretch>
+            <a:fillRect/>
+          </a:stretch>
+        </p:blipFill>
+        <p:spPr>
+          <a:xfrm>
+            <a:off x="3842327" y="1557687"/>
+            <a:ext cx="1228220" cy="919980"/>
+          </a:xfrm>
+          <a:prstGeom prst="rect">
+            <a:avLst/>
+          </a:prstGeom>
+        </p:spPr>
+      </p:pic>
+      <p:pic>
+        <p:nvPicPr>
+          <p:cNvPr id="23" name="Picture 22"/>
+          <p:cNvPicPr>
+            <a:picLocks noChangeAspect="1"/>
+          </p:cNvPicPr>
+          <p:nvPr/>
+        </p:nvPicPr>
+        <p:blipFill>
+          <a:blip r:embed="rId5"/>
+          <a:stretch>
+            <a:fillRect/>
+          </a:stretch>
+        </p:blipFill>
+        <p:spPr>
+          <a:xfrm>
+            <a:off x="5512129" y="1453729"/>
+            <a:ext cx="1484195" cy="1111714"/>
+          </a:xfrm>
+          <a:prstGeom prst="rect">
+            <a:avLst/>
+          </a:prstGeom>
+        </p:spPr>
+      </p:pic>
+      <p:pic>
+        <p:nvPicPr>
+          <p:cNvPr id="26" name="Picture 25"/>
+          <p:cNvPicPr>
+            <a:picLocks noChangeAspect="1"/>
+          </p:cNvPicPr>
+          <p:nvPr/>
+        </p:nvPicPr>
+        <p:blipFill>
+          <a:blip r:embed="rId6"/>
+          <a:stretch>
+            <a:fillRect/>
+          </a:stretch>
+        </p:blipFill>
+        <p:spPr>
+          <a:xfrm>
+            <a:off x="2290164" y="1605167"/>
+            <a:ext cx="1082238" cy="720180"/>
+          </a:xfrm>
+          <a:prstGeom prst="rect">
+            <a:avLst/>
+          </a:prstGeom>
+        </p:spPr>
+      </p:pic>
+      <p:pic>
+        <p:nvPicPr>
+          <p:cNvPr id="43" name="Picture 42"/>
+          <p:cNvPicPr>
+            <a:picLocks noChangeAspect="1"/>
+          </p:cNvPicPr>
+          <p:nvPr/>
+        </p:nvPicPr>
+        <p:blipFill>
+          <a:blip r:embed="rId7"/>
+          <a:stretch>
+            <a:fillRect/>
+          </a:stretch>
+        </p:blipFill>
+        <p:spPr>
+          <a:xfrm>
+            <a:off x="5586727" y="5213662"/>
+            <a:ext cx="1415451" cy="1415451"/>
+          </a:xfrm>
+          <a:prstGeom prst="rect">
+            <a:avLst/>
+          </a:prstGeom>
+        </p:spPr>
+      </p:pic>
+      <p:pic>
+        <p:nvPicPr>
+          <p:cNvPr id="44" name="Picture 43"/>
+          <p:cNvPicPr>
+            <a:picLocks noChangeAspect="1"/>
+          </p:cNvPicPr>
+          <p:nvPr/>
+        </p:nvPicPr>
+        <p:blipFill>
+          <a:blip r:embed="rId8"/>
+          <a:stretch>
+            <a:fillRect/>
+          </a:stretch>
+        </p:blipFill>
+        <p:spPr>
+          <a:xfrm>
+            <a:off x="7538523" y="5346541"/>
+            <a:ext cx="1373434" cy="1373434"/>
+          </a:xfrm>
+          <a:prstGeom prst="rect">
+            <a:avLst/>
+          </a:prstGeom>
+        </p:spPr>
+      </p:pic>
+      <p:pic>
+        <p:nvPicPr>
+          <p:cNvPr id="46" name="Picture 45"/>
+          <p:cNvPicPr>
+            <a:picLocks noChangeAspect="1"/>
+          </p:cNvPicPr>
+          <p:nvPr/>
+        </p:nvPicPr>
+        <p:blipFill>
+          <a:blip r:embed="rId9"/>
+          <a:stretch>
+            <a:fillRect/>
+          </a:stretch>
+        </p:blipFill>
+        <p:spPr>
+          <a:xfrm>
+            <a:off x="2290164" y="5569674"/>
+            <a:ext cx="876885" cy="876885"/>
+          </a:xfrm>
+          <a:prstGeom prst="rect">
+            <a:avLst/>
+          </a:prstGeom>
+        </p:spPr>
+      </p:pic>
+      <p:pic>
+        <p:nvPicPr>
+          <p:cNvPr id="47" name="Picture 46"/>
+          <p:cNvPicPr>
+            <a:picLocks noChangeAspect="1"/>
+          </p:cNvPicPr>
+          <p:nvPr/>
+        </p:nvPicPr>
+        <p:blipFill>
+          <a:blip r:embed="rId10"/>
+          <a:stretch>
+            <a:fillRect/>
+          </a:stretch>
+        </p:blipFill>
+        <p:spPr>
+          <a:xfrm>
+            <a:off x="3842327" y="5472086"/>
+            <a:ext cx="1157027" cy="1157027"/>
+          </a:xfrm>
+          <a:prstGeom prst="rect">
+            <a:avLst/>
+          </a:prstGeom>
+        </p:spPr>
+      </p:pic>
+      <p:pic>
+        <p:nvPicPr>
+          <p:cNvPr id="48" name="Picture 47"/>
+          <p:cNvPicPr>
+            <a:picLocks noChangeAspect="1"/>
+          </p:cNvPicPr>
+          <p:nvPr/>
+        </p:nvPicPr>
+        <p:blipFill>
+          <a:blip r:embed="rId11"/>
+          <a:stretch>
+            <a:fillRect/>
+          </a:stretch>
+        </p:blipFill>
+        <p:spPr>
+          <a:xfrm>
+            <a:off x="457200" y="5335447"/>
+            <a:ext cx="1158663" cy="1158663"/>
+          </a:xfrm>
+          <a:prstGeom prst="rect">
+            <a:avLst/>
+          </a:prstGeom>
+        </p:spPr>
+      </p:pic>
+      <p:pic>
+        <p:nvPicPr>
+          <p:cNvPr id="4" name="Picture 3"/>
+          <p:cNvPicPr>
+            <a:picLocks noChangeAspect="1"/>
+          </p:cNvPicPr>
+          <p:nvPr/>
+        </p:nvPicPr>
+        <p:blipFill>
+          <a:blip r:embed="rId12"/>
+          <a:stretch>
+            <a:fillRect/>
+          </a:stretch>
+        </p:blipFill>
+        <p:spPr>
+          <a:xfrm>
+            <a:off x="7446783" y="1605167"/>
+            <a:ext cx="1244678" cy="1009739"/>
+          </a:xfrm>
+          <a:prstGeom prst="rect">
+            <a:avLst/>
+          </a:prstGeom>
+        </p:spPr>
+      </p:pic>
+      <p:pic>
+        <p:nvPicPr>
+          <p:cNvPr id="5" name="Picture 4"/>
+          <p:cNvPicPr>
+            <a:picLocks noChangeAspect="1"/>
+          </p:cNvPicPr>
+          <p:nvPr/>
+        </p:nvPicPr>
+        <p:blipFill>
+          <a:blip r:embed="rId13"/>
+          <a:stretch>
+            <a:fillRect/>
+          </a:stretch>
+        </p:blipFill>
+        <p:spPr>
+          <a:xfrm>
+            <a:off x="3505831" y="3124958"/>
+            <a:ext cx="2080896" cy="1548849"/>
+          </a:xfrm>
+          <a:prstGeom prst="rect">
+            <a:avLst/>
+          </a:prstGeom>
+        </p:spPr>
+      </p:pic>
+      <p:sp>
+        <p:nvSpPr>
+          <p:cNvPr id="6" name="TextBox 5"/>
+          <p:cNvSpPr txBox="1"/>
+          <p:nvPr/>
+        </p:nvSpPr>
+        <p:spPr>
+          <a:xfrm>
+            <a:off x="352262" y="2750124"/>
+            <a:ext cx="3020140" cy="2585323"/>
+          </a:xfrm>
+          <a:prstGeom prst="rect">
+            <a:avLst/>
+          </a:prstGeom>
+          <a:noFill/>
+        </p:spPr>
+        <p:txBody>
+          <a:bodyPr wrap="square" rtlCol="0">
+            <a:spAutoFit/>
+          </a:bodyPr>
+          <a:lstStyle/>
+          <a:p>
+            <a:r>
+              <a:rPr lang="en-US" b="1" dirty="0" smtClean="0"/>
+              <a:t>Intermodal shipping container</a:t>
+            </a:r>
+          </a:p>
+          <a:p>
+            <a:endParaRPr lang="en-US" dirty="0"/>
+          </a:p>
+          <a:p>
+            <a:pPr marL="285750" indent="-285750">
+              <a:buFont typeface="Arial"/>
+              <a:buChar char="•"/>
+            </a:pPr>
+            <a:r>
+              <a:rPr lang="en-US" dirty="0" smtClean="0"/>
+              <a:t>Shipping container sizes standardized</a:t>
+            </a:r>
+          </a:p>
+          <a:p>
+            <a:pPr marL="285750" indent="-285750">
+              <a:buFont typeface="Arial"/>
+              <a:buChar char="•"/>
+            </a:pPr>
+            <a:r>
+              <a:rPr lang="en-US" dirty="0" smtClean="0"/>
+              <a:t>Can be loaded with almost any cargo</a:t>
+            </a:r>
+          </a:p>
+          <a:p>
+            <a:pPr marL="285750" indent="-285750">
+              <a:buFont typeface="Arial"/>
+              <a:buChar char="•"/>
+            </a:pPr>
+            <a:r>
+              <a:rPr lang="en-US" dirty="0" smtClean="0"/>
+              <a:t>Supports wide variety of transport methods</a:t>
+            </a:r>
+            <a:endParaRPr lang="en-US" dirty="0"/>
+          </a:p>
+        </p:txBody>
+      </p:sp>
+      <p:pic>
+        <p:nvPicPr>
+          <p:cNvPr id="7" name="Picture 6"/>
+          <p:cNvPicPr>
+            <a:picLocks noChangeAspect="1"/>
+          </p:cNvPicPr>
+          <p:nvPr/>
+        </p:nvPicPr>
+        <p:blipFill>
+          <a:blip r:embed="rId2"/>
+          <a:stretch>
+            <a:fillRect/>
+          </a:stretch>
+        </p:blipFill>
+        <p:spPr>
+          <a:xfrm>
+            <a:off x="4130601" y="2388767"/>
+            <a:ext cx="759931" cy="759931"/>
+          </a:xfrm>
+          <a:prstGeom prst="rect">
+            <a:avLst/>
+          </a:prstGeom>
+        </p:spPr>
+      </p:pic>
+      <p:sp>
+        <p:nvSpPr>
+          <p:cNvPr id="25" name="TextBox 24"/>
+          <p:cNvSpPr txBox="1"/>
+          <p:nvPr/>
+        </p:nvSpPr>
+        <p:spPr>
+          <a:xfrm>
+            <a:off x="5891817" y="2791157"/>
+            <a:ext cx="3020140" cy="1754327"/>
+          </a:xfrm>
+          <a:prstGeom prst="rect">
+            <a:avLst/>
+          </a:prstGeom>
+          <a:noFill/>
+        </p:spPr>
+        <p:txBody>
+          <a:bodyPr wrap="square" rtlCol="0">
+            <a:spAutoFit/>
+          </a:bodyPr>
+          <a:lstStyle/>
+          <a:p>
+            <a:endParaRPr lang="en-US" dirty="0"/>
+          </a:p>
+          <a:p>
+            <a:pPr marL="285750" indent="-285750">
+              <a:buFont typeface="Arial"/>
+              <a:buChar char="•"/>
+            </a:pPr>
+            <a:r>
+              <a:rPr lang="en-US" dirty="0" smtClean="0"/>
+              <a:t>Can ship cars next to beans</a:t>
+            </a:r>
+          </a:p>
+          <a:p>
+            <a:endParaRPr lang="en-US" dirty="0" smtClean="0"/>
+          </a:p>
+          <a:p>
+            <a:pPr marL="285750" indent="-285750">
+              <a:buFont typeface="Arial"/>
+              <a:buChar char="•"/>
+            </a:pPr>
+            <a:r>
+              <a:rPr lang="en-US" dirty="0" smtClean="0"/>
+              <a:t>Don’t need to worry about transitioning from ship to truck</a:t>
+            </a:r>
+          </a:p>
+        </p:txBody>
+      </p:sp>
+    </p:spTree>
+    <p:extLst>
+      <p:ext uri="{BB962C8B-B14F-4D97-AF65-F5344CB8AC3E}">
+        <p14:creationId xmlns:p14="http://schemas.microsoft.com/office/powerpoint/2010/main" val="1665155337"/>
+      </p:ext>
+    </p:extLst>
+  </p:cSld>
+  <p:clrMapOvr>
+    <a:masterClrMapping/>
+  </p:clrMapOvr>
+</p:sld>
+</file>
+
+<file path=ppt/slides/slide8.xml><?xml version="1.0" encoding="utf-8"?>
+<p:sld xmlns:a="http://schemas.openxmlformats.org/drawingml/2006/main" xmlns:r="http://schemas.openxmlformats.org/officeDocument/2006/relationships" xmlns:p="http://schemas.openxmlformats.org/presentationml/2006/main">
+  <p:cSld>
+    <p:spTree>
+      <p:nvGrpSpPr>
+        <p:cNvPr id="1" name=""/>
+        <p:cNvGrpSpPr/>
+        <p:nvPr/>
+      </p:nvGrpSpPr>
+      <p:grpSpPr>
+        <a:xfrm>
+          <a:off x="0" y="0"/>
+          <a:ext cx="0" cy="0"/>
+          <a:chOff x="0" y="0"/>
+          <a:chExt cx="0" cy="0"/>
+        </a:xfrm>
+      </p:grpSpPr>
+      <p:sp>
+        <p:nvSpPr>
+          <p:cNvPr id="2" name="Title 1"/>
+          <p:cNvSpPr>
+            <a:spLocks noGrp="1"/>
+          </p:cNvSpPr>
+          <p:nvPr>
+            <p:ph type="title"/>
+          </p:nvPr>
+        </p:nvSpPr>
+        <p:spPr/>
+        <p:txBody>
+          <a:bodyPr/>
+          <a:lstStyle/>
+          <a:p>
+            <a:r>
+              <a:rPr lang="en-US" dirty="0" smtClean="0"/>
+              <a:t>Intermodal Shipping Containers</a:t>
+            </a:r>
+            <a:endParaRPr lang="en-US" dirty="0"/>
+          </a:p>
+        </p:txBody>
+      </p:sp>
+      <p:pic>
+        <p:nvPicPr>
+          <p:cNvPr id="4" name="Picture 3"/>
+          <p:cNvPicPr>
+            <a:picLocks noChangeAspect="1"/>
+          </p:cNvPicPr>
+          <p:nvPr/>
+        </p:nvPicPr>
+        <p:blipFill>
+          <a:blip r:embed="rId2"/>
+          <a:stretch>
+            <a:fillRect/>
+          </a:stretch>
+        </p:blipFill>
+        <p:spPr>
+          <a:xfrm>
+            <a:off x="5397500" y="1541173"/>
+            <a:ext cx="3479800" cy="2336800"/>
+          </a:xfrm>
+          <a:prstGeom prst="rect">
+            <a:avLst/>
+          </a:prstGeom>
+        </p:spPr>
+      </p:pic>
+      <p:pic>
+        <p:nvPicPr>
+          <p:cNvPr id="5" name="Picture 4"/>
+          <p:cNvPicPr>
+            <a:picLocks noChangeAspect="1"/>
+          </p:cNvPicPr>
+          <p:nvPr/>
+        </p:nvPicPr>
+        <p:blipFill>
+          <a:blip r:embed="rId3"/>
+          <a:stretch>
+            <a:fillRect/>
+          </a:stretch>
+        </p:blipFill>
+        <p:spPr>
+          <a:xfrm>
+            <a:off x="457200" y="1541173"/>
+            <a:ext cx="3492500" cy="2324100"/>
+          </a:xfrm>
+          <a:prstGeom prst="rect">
+            <a:avLst/>
+          </a:prstGeom>
+        </p:spPr>
+      </p:pic>
+      <p:pic>
+        <p:nvPicPr>
+          <p:cNvPr id="6" name="Picture 5"/>
+          <p:cNvPicPr>
+            <a:picLocks noChangeAspect="1"/>
+          </p:cNvPicPr>
+          <p:nvPr/>
+        </p:nvPicPr>
+        <p:blipFill>
+          <a:blip r:embed="rId4"/>
+          <a:stretch>
+            <a:fillRect/>
+          </a:stretch>
+        </p:blipFill>
+        <p:spPr>
+          <a:xfrm>
+            <a:off x="457200" y="4165600"/>
+            <a:ext cx="3810000" cy="2133600"/>
+          </a:xfrm>
+          <a:prstGeom prst="rect">
+            <a:avLst/>
+          </a:prstGeom>
+        </p:spPr>
+      </p:pic>
+      <p:pic>
+        <p:nvPicPr>
+          <p:cNvPr id="7" name="Picture 6"/>
+          <p:cNvPicPr>
+            <a:picLocks noChangeAspect="1"/>
+          </p:cNvPicPr>
+          <p:nvPr/>
+        </p:nvPicPr>
+        <p:blipFill>
+          <a:blip r:embed="rId5"/>
+          <a:stretch>
+            <a:fillRect/>
+          </a:stretch>
+        </p:blipFill>
+        <p:spPr>
+          <a:xfrm>
+            <a:off x="5397500" y="4165600"/>
+            <a:ext cx="3289300" cy="2463800"/>
+          </a:xfrm>
+          <a:prstGeom prst="rect">
+            <a:avLst/>
+          </a:prstGeom>
+        </p:spPr>
+      </p:pic>
+    </p:spTree>
+    <p:extLst>
+      <p:ext uri="{BB962C8B-B14F-4D97-AF65-F5344CB8AC3E}">
+        <p14:creationId xmlns:p14="http://schemas.microsoft.com/office/powerpoint/2010/main" val="208388909"/>
+      </p:ext>
+    </p:extLst>
+  </p:cSld>
+  <p:clrMapOvr>
+    <a:masterClrMapping/>
+  </p:clrMapOvr>
+</p:sld>
+</file>
+
+<file path=ppt/slides/slide9.xml><?xml version="1.0" encoding="utf-8"?>
+<p:sld xmlns:a="http://schemas.openxmlformats.org/drawingml/2006/main" xmlns:r="http://schemas.openxmlformats.org/officeDocument/2006/relationships" xmlns:p="http://schemas.openxmlformats.org/presentationml/2006/main">
+  <p:cSld>
+    <p:spTree>
+      <p:nvGrpSpPr>
+        <p:cNvPr id="1" name=""/>
+        <p:cNvGrpSpPr/>
+        <p:nvPr/>
+      </p:nvGrpSpPr>
+      <p:grpSpPr>
+        <a:xfrm>
+          <a:off x="0" y="0"/>
+          <a:ext cx="0" cy="0"/>
+          <a:chOff x="0" y="0"/>
+          <a:chExt cx="0" cy="0"/>
+        </a:xfrm>
+      </p:grpSpPr>
+      <p:sp>
+        <p:nvSpPr>
+          <p:cNvPr id="2" name="Title 1"/>
+          <p:cNvSpPr>
+            <a:spLocks noGrp="1"/>
+          </p:cNvSpPr>
+          <p:nvPr>
+            <p:ph type="title"/>
+          </p:nvPr>
+        </p:nvSpPr>
+        <p:spPr/>
+        <p:txBody>
+          <a:bodyPr/>
+          <a:lstStyle/>
+          <a:p>
+            <a:r>
+              <a:rPr lang="en-US" dirty="0" smtClean="0"/>
+              <a:t>IT Transport Solution: Containers</a:t>
+            </a:r>
+            <a:endParaRPr lang="en-US" dirty="0"/>
+          </a:p>
+        </p:txBody>
+      </p:sp>
+      <p:grpSp>
+        <p:nvGrpSpPr>
+          <p:cNvPr id="35" name="Group 34"/>
+          <p:cNvGrpSpPr/>
+          <p:nvPr/>
+        </p:nvGrpSpPr>
+        <p:grpSpPr>
+          <a:xfrm>
+            <a:off x="754400" y="1500010"/>
+            <a:ext cx="1493580" cy="839054"/>
+            <a:chOff x="617216" y="1486380"/>
+            <a:chExt cx="1493580" cy="839054"/>
+          </a:xfrm>
+        </p:grpSpPr>
+        <p:pic>
+          <p:nvPicPr>
+            <p:cNvPr id="4" name="Picture 3"/>
+            <p:cNvPicPr>
+              <a:picLocks noChangeAspect="1"/>
+            </p:cNvPicPr>
+            <p:nvPr/>
+          </p:nvPicPr>
+          <p:blipFill>
+            <a:blip r:embed="rId2">
+              <a:extLst>
+                <a:ext uri="{28A0092B-C50C-407E-A947-70E740481C1C}">
+                  <a14:useLocalDpi xmlns:a14="http://schemas.microsoft.com/office/drawing/2010/main" val="0"/>
+                </a:ext>
+              </a:extLst>
+            </a:blip>
+            <a:stretch>
+              <a:fillRect/>
+            </a:stretch>
+          </p:blipFill>
+          <p:spPr>
+            <a:xfrm>
+              <a:off x="1178979" y="1486380"/>
+              <a:ext cx="407916" cy="469722"/>
+            </a:xfrm>
+            <a:prstGeom prst="rect">
+              <a:avLst/>
+            </a:prstGeom>
+          </p:spPr>
+        </p:pic>
+        <p:sp>
+          <p:nvSpPr>
+            <p:cNvPr id="8" name="TextBox 7"/>
+            <p:cNvSpPr txBox="1"/>
+            <p:nvPr/>
+          </p:nvSpPr>
+          <p:spPr>
+            <a:xfrm>
+              <a:off x="617216" y="1956102"/>
+              <a:ext cx="1493580" cy="369332"/>
+            </a:xfrm>
+            <a:prstGeom prst="rect">
+              <a:avLst/>
+            </a:prstGeom>
+            <a:noFill/>
+          </p:spPr>
+          <p:txBody>
+            <a:bodyPr wrap="none" rtlCol="0">
+              <a:spAutoFit/>
+            </a:bodyPr>
+            <a:lstStyle/>
+            <a:p>
+              <a:r>
+                <a:rPr lang="en-US" dirty="0" smtClean="0"/>
+                <a:t>Static website</a:t>
+              </a:r>
+            </a:p>
+          </p:txBody>
+        </p:sp>
+      </p:grpSp>
+      <p:grpSp>
+        <p:nvGrpSpPr>
+          <p:cNvPr id="12" name="Group 11"/>
+          <p:cNvGrpSpPr/>
+          <p:nvPr/>
+        </p:nvGrpSpPr>
+        <p:grpSpPr>
+          <a:xfrm>
+            <a:off x="3174040" y="1546563"/>
+            <a:ext cx="812242" cy="786709"/>
+            <a:chOff x="3068593" y="2364665"/>
+            <a:chExt cx="812242" cy="786709"/>
+          </a:xfrm>
+        </p:grpSpPr>
+        <p:pic>
+          <p:nvPicPr>
+            <p:cNvPr id="5" name="Picture 4"/>
+            <p:cNvPicPr>
+              <a:picLocks noChangeAspect="1"/>
+            </p:cNvPicPr>
+            <p:nvPr/>
+          </p:nvPicPr>
+          <p:blipFill>
+            <a:blip r:embed="rId3">
+              <a:extLst>
+                <a:ext uri="{28A0092B-C50C-407E-A947-70E740481C1C}">
+                  <a14:useLocalDpi xmlns:a14="http://schemas.microsoft.com/office/drawing/2010/main" val="0"/>
+                </a:ext>
+              </a:extLst>
+            </a:blip>
+            <a:stretch>
+              <a:fillRect/>
+            </a:stretch>
+          </p:blipFill>
+          <p:spPr>
+            <a:xfrm>
+              <a:off x="3311602" y="2364665"/>
+              <a:ext cx="410803" cy="473046"/>
+            </a:xfrm>
+            <a:prstGeom prst="rect">
+              <a:avLst/>
+            </a:prstGeom>
+          </p:spPr>
+        </p:pic>
+        <p:sp>
+          <p:nvSpPr>
+            <p:cNvPr id="9" name="TextBox 8"/>
+            <p:cNvSpPr txBox="1"/>
+            <p:nvPr/>
+          </p:nvSpPr>
+          <p:spPr>
+            <a:xfrm>
+              <a:off x="3068593" y="2782042"/>
+              <a:ext cx="812242" cy="369332"/>
+            </a:xfrm>
+            <a:prstGeom prst="rect">
+              <a:avLst/>
+            </a:prstGeom>
+            <a:noFill/>
+          </p:spPr>
+          <p:txBody>
+            <a:bodyPr wrap="none" rtlCol="0">
+              <a:spAutoFit/>
+            </a:bodyPr>
+            <a:lstStyle/>
+            <a:p>
+              <a:r>
+                <a:rPr lang="en-US" dirty="0" smtClean="0"/>
+                <a:t>Queue</a:t>
+              </a:r>
+            </a:p>
+          </p:txBody>
+        </p:sp>
+      </p:grpSp>
+      <p:grpSp>
+        <p:nvGrpSpPr>
+          <p:cNvPr id="13" name="Group 12"/>
+          <p:cNvGrpSpPr/>
+          <p:nvPr/>
+        </p:nvGrpSpPr>
+        <p:grpSpPr>
+          <a:xfrm>
+            <a:off x="5207725" y="1478839"/>
+            <a:ext cx="1024026" cy="850937"/>
+            <a:chOff x="5103393" y="1417638"/>
+            <a:chExt cx="1024026" cy="850937"/>
+          </a:xfrm>
+        </p:grpSpPr>
+        <p:pic>
+          <p:nvPicPr>
+            <p:cNvPr id="6" name="Picture 5"/>
+            <p:cNvPicPr>
+              <a:picLocks noChangeAspect="1"/>
+            </p:cNvPicPr>
+            <p:nvPr/>
+          </p:nvPicPr>
+          <p:blipFill>
+            <a:blip r:embed="rId4">
+              <a:extLst>
+                <a:ext uri="{28A0092B-C50C-407E-A947-70E740481C1C}">
+                  <a14:useLocalDpi xmlns:a14="http://schemas.microsoft.com/office/drawing/2010/main" val="0"/>
+                </a:ext>
+              </a:extLst>
+            </a:blip>
+            <a:stretch>
+              <a:fillRect/>
+            </a:stretch>
+          </p:blipFill>
+          <p:spPr>
+            <a:xfrm>
+              <a:off x="5419796" y="1417638"/>
+              <a:ext cx="467613" cy="538464"/>
+            </a:xfrm>
+            <a:prstGeom prst="rect">
+              <a:avLst/>
+            </a:prstGeom>
+          </p:spPr>
+        </p:pic>
+        <p:sp>
+          <p:nvSpPr>
+            <p:cNvPr id="10" name="TextBox 9"/>
+            <p:cNvSpPr txBox="1"/>
+            <p:nvPr/>
+          </p:nvSpPr>
+          <p:spPr>
+            <a:xfrm>
+              <a:off x="5103393" y="1899243"/>
+              <a:ext cx="1024026" cy="369332"/>
+            </a:xfrm>
+            <a:prstGeom prst="rect">
+              <a:avLst/>
+            </a:prstGeom>
+            <a:noFill/>
+          </p:spPr>
+          <p:txBody>
+            <a:bodyPr wrap="none" rtlCol="0">
+              <a:spAutoFit/>
+            </a:bodyPr>
+            <a:lstStyle/>
+            <a:p>
+              <a:r>
+                <a:rPr lang="en-US" dirty="0" smtClean="0"/>
+                <a:t>Analytics</a:t>
+              </a:r>
+            </a:p>
+          </p:txBody>
+        </p:sp>
+      </p:grpSp>
+      <p:grpSp>
+        <p:nvGrpSpPr>
+          <p:cNvPr id="14" name="Group 13"/>
+          <p:cNvGrpSpPr/>
+          <p:nvPr/>
+        </p:nvGrpSpPr>
+        <p:grpSpPr>
+          <a:xfrm>
+            <a:off x="7348916" y="1459134"/>
+            <a:ext cx="989311" cy="879930"/>
+            <a:chOff x="7171759" y="2364665"/>
+            <a:chExt cx="989311" cy="879930"/>
+          </a:xfrm>
+        </p:grpSpPr>
+        <p:pic>
+          <p:nvPicPr>
+            <p:cNvPr id="7" name="Picture 6"/>
+            <p:cNvPicPr>
+              <a:picLocks noChangeAspect="1"/>
+            </p:cNvPicPr>
+            <p:nvPr/>
+          </p:nvPicPr>
+          <p:blipFill>
+            <a:blip r:embed="rId5">
+              <a:extLst>
+                <a:ext uri="{28A0092B-C50C-407E-A947-70E740481C1C}">
+                  <a14:useLocalDpi xmlns:a14="http://schemas.microsoft.com/office/drawing/2010/main" val="0"/>
+                </a:ext>
+              </a:extLst>
+            </a:blip>
+            <a:stretch>
+              <a:fillRect/>
+            </a:stretch>
+          </p:blipFill>
+          <p:spPr>
+            <a:xfrm>
+              <a:off x="7466840" y="2364665"/>
+              <a:ext cx="441561" cy="508465"/>
+            </a:xfrm>
+            <a:prstGeom prst="rect">
+              <a:avLst/>
+            </a:prstGeom>
+          </p:spPr>
+        </p:pic>
+        <p:sp>
+          <p:nvSpPr>
+            <p:cNvPr id="11" name="TextBox 10"/>
+            <p:cNvSpPr txBox="1"/>
+            <p:nvPr/>
+          </p:nvSpPr>
+          <p:spPr>
+            <a:xfrm>
+              <a:off x="7171759" y="2875263"/>
+              <a:ext cx="989311" cy="369332"/>
+            </a:xfrm>
+            <a:prstGeom prst="rect">
+              <a:avLst/>
+            </a:prstGeom>
+            <a:noFill/>
+          </p:spPr>
+          <p:txBody>
+            <a:bodyPr wrap="none" rtlCol="0">
+              <a:spAutoFit/>
+            </a:bodyPr>
+            <a:lstStyle/>
+            <a:p>
+              <a:r>
+                <a:rPr lang="en-US" dirty="0" smtClean="0"/>
+                <a:t>Web API</a:t>
+              </a:r>
+            </a:p>
+          </p:txBody>
+        </p:sp>
+      </p:grpSp>
+      <p:grpSp>
+        <p:nvGrpSpPr>
+          <p:cNvPr id="19" name="Group 18"/>
+          <p:cNvGrpSpPr/>
+          <p:nvPr/>
+        </p:nvGrpSpPr>
+        <p:grpSpPr>
+          <a:xfrm>
+            <a:off x="377960" y="5246439"/>
+            <a:ext cx="1666367" cy="1365678"/>
+            <a:chOff x="1127607" y="3957506"/>
+            <a:chExt cx="1666367" cy="1365678"/>
+          </a:xfrm>
+        </p:grpSpPr>
+        <p:pic>
+          <p:nvPicPr>
+            <p:cNvPr id="15" name="Picture 14" descr="Traditional-Servers.png"/>
+            <p:cNvPicPr>
+              <a:picLocks noChangeAspect="1"/>
+            </p:cNvPicPr>
+            <p:nvPr/>
+          </p:nvPicPr>
+          <p:blipFill>
+            <a:blip r:embed="rId6">
+              <a:extLst>
+                <a:ext uri="{28A0092B-C50C-407E-A947-70E740481C1C}">
+                  <a14:useLocalDpi xmlns:a14="http://schemas.microsoft.com/office/drawing/2010/main" val="0"/>
+                </a:ext>
+              </a:extLst>
+            </a:blip>
+            <a:stretch>
+              <a:fillRect/>
+            </a:stretch>
+          </p:blipFill>
+          <p:spPr>
+            <a:xfrm>
+              <a:off x="1378022" y="3957506"/>
+              <a:ext cx="731520" cy="731520"/>
+            </a:xfrm>
+            <a:prstGeom prst="rect">
+              <a:avLst/>
+            </a:prstGeom>
+          </p:spPr>
+        </p:pic>
+        <p:sp>
+          <p:nvSpPr>
+            <p:cNvPr id="17" name="TextBox 16"/>
+            <p:cNvSpPr txBox="1"/>
+            <p:nvPr/>
+          </p:nvSpPr>
+          <p:spPr>
+            <a:xfrm>
+              <a:off x="1127607" y="4676853"/>
+              <a:ext cx="1666367" cy="646331"/>
+            </a:xfrm>
+            <a:prstGeom prst="rect">
+              <a:avLst/>
+            </a:prstGeom>
+            <a:noFill/>
+          </p:spPr>
+          <p:txBody>
+            <a:bodyPr wrap="none" rtlCol="0">
+              <a:spAutoFit/>
+            </a:bodyPr>
+            <a:lstStyle/>
+            <a:p>
+              <a:r>
+                <a:rPr lang="en-US" dirty="0" smtClean="0"/>
+                <a:t>Development</a:t>
+              </a:r>
+            </a:p>
+            <a:p>
+              <a:r>
+                <a:rPr lang="en-US" dirty="0" smtClean="0"/>
+                <a:t>Virtual machine</a:t>
+              </a:r>
+              <a:endParaRPr lang="en-US" dirty="0"/>
+            </a:p>
+          </p:txBody>
+        </p:sp>
+      </p:grpSp>
+      <p:grpSp>
+        <p:nvGrpSpPr>
+          <p:cNvPr id="20" name="Group 19"/>
+          <p:cNvGrpSpPr/>
+          <p:nvPr/>
+        </p:nvGrpSpPr>
+        <p:grpSpPr>
+          <a:xfrm>
+            <a:off x="2588576" y="5246439"/>
+            <a:ext cx="1110926" cy="1088679"/>
+            <a:chOff x="1127607" y="3957506"/>
+            <a:chExt cx="1110926" cy="1088679"/>
+          </a:xfrm>
+        </p:grpSpPr>
+        <p:pic>
+          <p:nvPicPr>
+            <p:cNvPr id="21" name="Picture 20" descr="Traditional-Servers.png"/>
+            <p:cNvPicPr>
+              <a:picLocks noChangeAspect="1"/>
+            </p:cNvPicPr>
+            <p:nvPr/>
+          </p:nvPicPr>
+          <p:blipFill>
+            <a:blip r:embed="rId6">
+              <a:extLst>
+                <a:ext uri="{28A0092B-C50C-407E-A947-70E740481C1C}">
+                  <a14:useLocalDpi xmlns:a14="http://schemas.microsoft.com/office/drawing/2010/main" val="0"/>
+                </a:ext>
+              </a:extLst>
+            </a:blip>
+            <a:stretch>
+              <a:fillRect/>
+            </a:stretch>
+          </p:blipFill>
+          <p:spPr>
+            <a:xfrm>
+              <a:off x="1378022" y="3957506"/>
+              <a:ext cx="731520" cy="731520"/>
+            </a:xfrm>
+            <a:prstGeom prst="rect">
+              <a:avLst/>
+            </a:prstGeom>
+          </p:spPr>
+        </p:pic>
+        <p:sp>
+          <p:nvSpPr>
+            <p:cNvPr id="22" name="TextBox 21"/>
+            <p:cNvSpPr txBox="1"/>
+            <p:nvPr/>
+          </p:nvSpPr>
+          <p:spPr>
+            <a:xfrm>
+              <a:off x="1127607" y="4676853"/>
+              <a:ext cx="1110926" cy="369332"/>
+            </a:xfrm>
+            <a:prstGeom prst="rect">
+              <a:avLst/>
+            </a:prstGeom>
+            <a:noFill/>
+          </p:spPr>
+          <p:txBody>
+            <a:bodyPr wrap="none" rtlCol="0">
+              <a:spAutoFit/>
+            </a:bodyPr>
+            <a:lstStyle/>
+            <a:p>
+              <a:r>
+                <a:rPr lang="en-US" dirty="0" smtClean="0"/>
+                <a:t>QA server</a:t>
+              </a:r>
+              <a:endParaRPr lang="en-US" dirty="0"/>
+            </a:p>
+          </p:txBody>
+        </p:sp>
+      </p:grpSp>
+      <p:grpSp>
+        <p:nvGrpSpPr>
+          <p:cNvPr id="33" name="Group 32"/>
+          <p:cNvGrpSpPr/>
+          <p:nvPr/>
+        </p:nvGrpSpPr>
+        <p:grpSpPr>
+          <a:xfrm>
+            <a:off x="3890650" y="5552941"/>
+            <a:ext cx="1317075" cy="1072467"/>
+            <a:chOff x="1654009" y="5237215"/>
+            <a:chExt cx="1317075" cy="1072467"/>
+          </a:xfrm>
+        </p:grpSpPr>
+        <p:pic>
+          <p:nvPicPr>
+            <p:cNvPr id="29" name="Picture 28" descr="AWS-Cloud.png"/>
+            <p:cNvPicPr>
+              <a:picLocks noChangeAspect="1"/>
+            </p:cNvPicPr>
+            <p:nvPr/>
+          </p:nvPicPr>
+          <p:blipFill>
+            <a:blip r:embed="rId7">
+              <a:extLst>
+                <a:ext uri="{28A0092B-C50C-407E-A947-70E740481C1C}">
+                  <a14:useLocalDpi xmlns:a14="http://schemas.microsoft.com/office/drawing/2010/main" val="0"/>
+                </a:ext>
+              </a:extLst>
+            </a:blip>
+            <a:stretch>
+              <a:fillRect/>
+            </a:stretch>
+          </p:blipFill>
+          <p:spPr>
+            <a:xfrm>
+              <a:off x="1946787" y="5237215"/>
+              <a:ext cx="731520" cy="731520"/>
+            </a:xfrm>
+            <a:prstGeom prst="rect">
+              <a:avLst/>
+            </a:prstGeom>
+          </p:spPr>
+        </p:pic>
+        <p:sp>
+          <p:nvSpPr>
+            <p:cNvPr id="30" name="TextBox 29"/>
+            <p:cNvSpPr txBox="1"/>
+            <p:nvPr/>
+          </p:nvSpPr>
+          <p:spPr>
+            <a:xfrm>
+              <a:off x="1654009" y="5940350"/>
+              <a:ext cx="1317075" cy="369332"/>
+            </a:xfrm>
+            <a:prstGeom prst="rect">
+              <a:avLst/>
+            </a:prstGeom>
+            <a:noFill/>
+          </p:spPr>
+          <p:txBody>
+            <a:bodyPr wrap="none" rtlCol="0">
+              <a:spAutoFit/>
+            </a:bodyPr>
+            <a:lstStyle/>
+            <a:p>
+              <a:r>
+                <a:rPr lang="en-US" dirty="0" smtClean="0"/>
+                <a:t>Public cloud</a:t>
+              </a:r>
+              <a:endParaRPr lang="en-US" dirty="0"/>
+            </a:p>
+          </p:txBody>
+        </p:sp>
+      </p:grpSp>
+      <p:grpSp>
+        <p:nvGrpSpPr>
+          <p:cNvPr id="32" name="Group 31"/>
+          <p:cNvGrpSpPr/>
+          <p:nvPr/>
+        </p:nvGrpSpPr>
+        <p:grpSpPr>
+          <a:xfrm>
+            <a:off x="7726105" y="5262651"/>
+            <a:ext cx="1151953" cy="1365678"/>
+            <a:chOff x="6449859" y="3871537"/>
+            <a:chExt cx="1151953" cy="1365678"/>
+          </a:xfrm>
+        </p:grpSpPr>
+        <p:pic>
+          <p:nvPicPr>
+            <p:cNvPr id="16" name="Picture 15" descr="AWS-Management-Console.png"/>
+            <p:cNvPicPr>
+              <a:picLocks noChangeAspect="1"/>
+            </p:cNvPicPr>
+            <p:nvPr/>
+          </p:nvPicPr>
+          <p:blipFill>
+            <a:blip r:embed="rId8">
+              <a:extLst>
+                <a:ext uri="{28A0092B-C50C-407E-A947-70E740481C1C}">
+                  <a14:useLocalDpi xmlns:a14="http://schemas.microsoft.com/office/drawing/2010/main" val="0"/>
+                </a:ext>
+              </a:extLst>
+            </a:blip>
+            <a:stretch>
+              <a:fillRect/>
+            </a:stretch>
+          </p:blipFill>
+          <p:spPr>
+            <a:xfrm>
+              <a:off x="6573520" y="3871537"/>
+              <a:ext cx="731520" cy="731520"/>
+            </a:xfrm>
+            <a:prstGeom prst="rect">
+              <a:avLst/>
+            </a:prstGeom>
+          </p:spPr>
+        </p:pic>
+        <p:sp>
+          <p:nvSpPr>
+            <p:cNvPr id="31" name="TextBox 30"/>
+            <p:cNvSpPr txBox="1"/>
+            <p:nvPr/>
+          </p:nvSpPr>
+          <p:spPr>
+            <a:xfrm>
+              <a:off x="6449859" y="4590884"/>
+              <a:ext cx="1151953" cy="646331"/>
+            </a:xfrm>
+            <a:prstGeom prst="rect">
+              <a:avLst/>
+            </a:prstGeom>
+            <a:noFill/>
+          </p:spPr>
+          <p:txBody>
+            <a:bodyPr wrap="none" rtlCol="0">
+              <a:spAutoFit/>
+            </a:bodyPr>
+            <a:lstStyle/>
+            <a:p>
+              <a:r>
+                <a:rPr lang="en-US" dirty="0" smtClean="0"/>
+                <a:t>Developer</a:t>
+              </a:r>
+            </a:p>
+            <a:p>
+              <a:r>
+                <a:rPr lang="en-US" dirty="0" smtClean="0"/>
+                <a:t>laptop</a:t>
+              </a:r>
+              <a:endParaRPr lang="en-US" dirty="0"/>
+            </a:p>
+          </p:txBody>
+        </p:sp>
+      </p:grpSp>
+      <p:grpSp>
+        <p:nvGrpSpPr>
+          <p:cNvPr id="3" name="Group 2"/>
+          <p:cNvGrpSpPr/>
+          <p:nvPr/>
+        </p:nvGrpSpPr>
+        <p:grpSpPr>
+          <a:xfrm>
+            <a:off x="5840914" y="5234266"/>
+            <a:ext cx="1217889" cy="1377851"/>
+            <a:chOff x="5553021" y="4668391"/>
+            <a:chExt cx="1217889" cy="1377851"/>
+          </a:xfrm>
+        </p:grpSpPr>
+        <p:sp>
+          <p:nvSpPr>
+            <p:cNvPr id="25" name="TextBox 24"/>
+            <p:cNvSpPr txBox="1"/>
+            <p:nvPr/>
+          </p:nvSpPr>
+          <p:spPr>
+            <a:xfrm>
+              <a:off x="5553021" y="5399911"/>
+              <a:ext cx="1217889" cy="646331"/>
+            </a:xfrm>
+            <a:prstGeom prst="rect">
+              <a:avLst/>
+            </a:prstGeom>
+            <a:noFill/>
+          </p:spPr>
+          <p:txBody>
+            <a:bodyPr wrap="none" rtlCol="0">
+              <a:spAutoFit/>
+            </a:bodyPr>
+            <a:lstStyle/>
+            <a:p>
+              <a:r>
+                <a:rPr lang="en-US" dirty="0" smtClean="0"/>
+                <a:t>Production</a:t>
+              </a:r>
+            </a:p>
+            <a:p>
+              <a:r>
+                <a:rPr lang="en-US" dirty="0" smtClean="0"/>
+                <a:t>servers</a:t>
+              </a:r>
+              <a:endParaRPr lang="en-US" dirty="0"/>
+            </a:p>
+          </p:txBody>
+        </p:sp>
+        <p:pic>
+          <p:nvPicPr>
+            <p:cNvPr id="41" name="Picture 40" descr="Forums.png"/>
+            <p:cNvPicPr>
+              <a:picLocks noChangeAspect="1"/>
+            </p:cNvPicPr>
+            <p:nvPr/>
+          </p:nvPicPr>
+          <p:blipFill>
+            <a:blip r:embed="rId9">
+              <a:extLst>
+                <a:ext uri="{28A0092B-C50C-407E-A947-70E740481C1C}">
+                  <a14:useLocalDpi xmlns:a14="http://schemas.microsoft.com/office/drawing/2010/main" val="0"/>
+                </a:ext>
+              </a:extLst>
+            </a:blip>
+            <a:stretch>
+              <a:fillRect/>
+            </a:stretch>
+          </p:blipFill>
+          <p:spPr>
+            <a:xfrm>
+              <a:off x="5718339" y="4668391"/>
+              <a:ext cx="731520" cy="731520"/>
+            </a:xfrm>
+            <a:prstGeom prst="rect">
+              <a:avLst/>
+            </a:prstGeom>
+          </p:spPr>
+        </p:pic>
+      </p:grpSp>
+      <p:pic>
+        <p:nvPicPr>
+          <p:cNvPr id="18" name="Picture 17"/>
+          <p:cNvPicPr>
+            <a:picLocks noChangeAspect="1"/>
+          </p:cNvPicPr>
+          <p:nvPr/>
+        </p:nvPicPr>
+        <p:blipFill>
+          <a:blip r:embed="rId10"/>
+          <a:stretch>
+            <a:fillRect/>
+          </a:stretch>
+        </p:blipFill>
+        <p:spPr>
+          <a:xfrm>
+            <a:off x="2946400" y="2432845"/>
+            <a:ext cx="3238500" cy="2514600"/>
+          </a:xfrm>
+          <a:prstGeom prst="rect">
+            <a:avLst/>
+          </a:prstGeom>
+        </p:spPr>
+      </p:pic>
+      <p:pic>
+        <p:nvPicPr>
+          <p:cNvPr id="42" name="Picture 41"/>
+          <p:cNvPicPr>
+            <a:picLocks noChangeAspect="1"/>
+          </p:cNvPicPr>
+          <p:nvPr/>
+        </p:nvPicPr>
+        <p:blipFill>
+          <a:blip r:embed="rId11"/>
+          <a:stretch>
+            <a:fillRect/>
+          </a:stretch>
+        </p:blipFill>
+        <p:spPr>
+          <a:xfrm>
+            <a:off x="4130601" y="2246325"/>
+            <a:ext cx="759931" cy="759931"/>
+          </a:xfrm>
+          <a:prstGeom prst="rect">
+            <a:avLst/>
+          </a:prstGeom>
+        </p:spPr>
+      </p:pic>
+      <p:pic>
+        <p:nvPicPr>
+          <p:cNvPr id="43" name="Picture 42"/>
+          <p:cNvPicPr>
+            <a:picLocks noChangeAspect="1"/>
+          </p:cNvPicPr>
+          <p:nvPr/>
+        </p:nvPicPr>
+        <p:blipFill>
+          <a:blip r:embed="rId11"/>
+          <a:stretch>
+            <a:fillRect/>
+          </a:stretch>
+        </p:blipFill>
+        <p:spPr>
+          <a:xfrm rot="10800000">
+            <a:off x="4130601" y="4793009"/>
+            <a:ext cx="759931" cy="759931"/>
+          </a:xfrm>
+          <a:prstGeom prst="rect">
+            <a:avLst/>
+          </a:prstGeom>
+        </p:spPr>
+      </p:pic>
+      <p:sp>
+        <p:nvSpPr>
+          <p:cNvPr id="23" name="TextBox 22"/>
+          <p:cNvSpPr txBox="1"/>
+          <p:nvPr/>
+        </p:nvSpPr>
+        <p:spPr>
+          <a:xfrm>
+            <a:off x="452172" y="2637073"/>
+            <a:ext cx="2964877" cy="2585323"/>
+          </a:xfrm>
+          <a:prstGeom prst="rect">
+            <a:avLst/>
+          </a:prstGeom>
+          <a:noFill/>
+        </p:spPr>
+        <p:txBody>
+          <a:bodyPr wrap="square" rtlCol="0">
+            <a:spAutoFit/>
+          </a:bodyPr>
+          <a:lstStyle/>
+          <a:p>
+            <a:r>
+              <a:rPr lang="en-US" b="1" dirty="0" smtClean="0"/>
+              <a:t>A container is the IT equivalent of a shipping container.</a:t>
+            </a:r>
+          </a:p>
+          <a:p>
+            <a:endParaRPr lang="en-US" dirty="0"/>
+          </a:p>
+          <a:p>
+            <a:pPr marL="285750" indent="-285750">
+              <a:buFont typeface="Arial"/>
+              <a:buChar char="•"/>
+            </a:pPr>
+            <a:r>
+              <a:rPr lang="en-US" dirty="0" smtClean="0"/>
+              <a:t>Encapsulates application stack in a lightweight and portable environment</a:t>
+            </a:r>
+          </a:p>
+          <a:p>
+            <a:endParaRPr lang="en-US" dirty="0"/>
+          </a:p>
+          <a:p>
+            <a:endParaRPr lang="en-US" dirty="0" smtClean="0"/>
+          </a:p>
+        </p:txBody>
+      </p:sp>
+      <p:sp>
+        <p:nvSpPr>
+          <p:cNvPr id="44" name="TextBox 43"/>
+          <p:cNvSpPr txBox="1"/>
+          <p:nvPr/>
+        </p:nvSpPr>
+        <p:spPr>
+          <a:xfrm>
+            <a:off x="6162176" y="2613312"/>
+            <a:ext cx="2787963" cy="2308324"/>
+          </a:xfrm>
+          <a:prstGeom prst="rect">
+            <a:avLst/>
+          </a:prstGeom>
+          <a:noFill/>
+        </p:spPr>
+        <p:txBody>
+          <a:bodyPr wrap="square" rtlCol="0">
+            <a:spAutoFit/>
+          </a:bodyPr>
+          <a:lstStyle/>
+          <a:p>
+            <a:pPr marL="285750" indent="-285750">
+              <a:buFont typeface="Arial"/>
+              <a:buChar char="•"/>
+            </a:pPr>
+            <a:r>
+              <a:rPr lang="en-US" dirty="0" smtClean="0"/>
+              <a:t>Can be manually composed using simple operations</a:t>
+            </a:r>
+          </a:p>
+          <a:p>
+            <a:pPr marL="285750" indent="-285750">
+              <a:buFont typeface="Arial"/>
+              <a:buChar char="•"/>
+            </a:pPr>
+            <a:endParaRPr lang="en-US" dirty="0"/>
+          </a:p>
+          <a:p>
+            <a:pPr marL="285750" indent="-285750">
+              <a:buFont typeface="Arial"/>
+              <a:buChar char="•"/>
+            </a:pPr>
+            <a:r>
+              <a:rPr lang="en-US" dirty="0" smtClean="0"/>
+              <a:t>Runs on almost any hardware platform using a modern OS kernel</a:t>
+            </a:r>
+            <a:endParaRPr lang="en-US" dirty="0"/>
+          </a:p>
+          <a:p>
+            <a:endParaRPr lang="en-US" dirty="0" smtClean="0"/>
+          </a:p>
+        </p:txBody>
+      </p:sp>
+    </p:spTree>
+    <p:extLst>
+      <p:ext uri="{BB962C8B-B14F-4D97-AF65-F5344CB8AC3E}">
+        <p14:creationId xmlns:p14="http://schemas.microsoft.com/office/powerpoint/2010/main" val="3147487023"/>
       </p:ext>
     </p:extLst>
   </p:cSld>
